--- a/line_mock.pptx
+++ b/line_mock.pptx
@@ -4,9 +4,13 @@
   <p:sldMasterIdLst>
     <p:sldMasterId id="2147483648" r:id="rId1"/>
   </p:sldMasterIdLst>
+  <p:notesMasterIdLst>
+    <p:notesMasterId r:id="rId5"/>
+  </p:notesMasterIdLst>
   <p:sldIdLst>
     <p:sldId id="256" r:id="rId2"/>
     <p:sldId id="257" r:id="rId3"/>
+    <p:sldId id="258" r:id="rId4"/>
   </p:sldIdLst>
   <p:sldSz cx="12192000" cy="6858000"/>
   <p:notesSz cx="6858000" cy="9144000"/>
@@ -122,6 +126,2754 @@
     </p:ext>
   </p:extLst>
 </p:presentation>
+</file>
+
+<file path=ppt/charts/chart1.xml><?xml version="1.0" encoding="utf-8"?>
+<c:chartSpace xmlns:c="http://schemas.openxmlformats.org/drawingml/2006/chart" xmlns:a="http://schemas.openxmlformats.org/drawingml/2006/main" xmlns:r="http://schemas.openxmlformats.org/officeDocument/2006/relationships" xmlns:c16r2="http://schemas.microsoft.com/office/drawing/2015/06/chart">
+  <c:date1904 val="0"/>
+  <c:lang val="zh-CN"/>
+  <c:roundedCorners val="0"/>
+  <mc:AlternateContent xmlns:mc="http://schemas.openxmlformats.org/markup-compatibility/2006">
+    <mc:Choice xmlns:c14="http://schemas.microsoft.com/office/drawing/2007/8/2/chart" Requires="c14">
+      <c14:style val="102"/>
+    </mc:Choice>
+    <mc:Fallback>
+      <c:style val="2"/>
+    </mc:Fallback>
+  </mc:AlternateContent>
+  <c:chart>
+    <c:autoTitleDeleted val="1"/>
+    <c:plotArea>
+      <c:layout/>
+      <c:lineChart>
+        <c:grouping val="standard"/>
+        <c:varyColors val="0"/>
+        <c:ser>
+          <c:idx val="0"/>
+          <c:order val="0"/>
+          <c:tx>
+            <c:strRef>
+              <c:f>Sheet1!$B$1</c:f>
+              <c:strCache>
+                <c:ptCount val="1"/>
+                <c:pt idx="0">
+                  <c:v>系列 1</c:v>
+                </c:pt>
+              </c:strCache>
+            </c:strRef>
+          </c:tx>
+          <c:spPr>
+            <a:ln w="19050" cap="rnd">
+              <a:solidFill>
+                <a:schemeClr val="bg1">
+                  <a:lumMod val="50000"/>
+                  <a:alpha val="50000"/>
+                </a:schemeClr>
+              </a:solidFill>
+              <a:round/>
+            </a:ln>
+            <a:effectLst/>
+          </c:spPr>
+          <c:marker>
+            <c:symbol val="none"/>
+          </c:marker>
+          <c:cat>
+            <c:strRef>
+              <c:f>Sheet1!$A$2:$A$10</c:f>
+              <c:strCache>
+                <c:ptCount val="8"/>
+                <c:pt idx="0">
+                  <c:v>类别 1</c:v>
+                </c:pt>
+                <c:pt idx="1">
+                  <c:v>类别 2</c:v>
+                </c:pt>
+                <c:pt idx="2">
+                  <c:v>类别 3</c:v>
+                </c:pt>
+                <c:pt idx="3">
+                  <c:v>类别 4</c:v>
+                </c:pt>
+                <c:pt idx="4">
+                  <c:v>类别 5</c:v>
+                </c:pt>
+                <c:pt idx="5">
+                  <c:v>类别 6</c:v>
+                </c:pt>
+                <c:pt idx="6">
+                  <c:v>类别 7</c:v>
+                </c:pt>
+                <c:pt idx="7">
+                  <c:v>类别 8</c:v>
+                </c:pt>
+              </c:strCache>
+            </c:strRef>
+          </c:cat>
+          <c:val>
+            <c:numRef>
+              <c:f>Sheet1!$B$2:$B$10</c:f>
+              <c:numCache>
+                <c:formatCode>General</c:formatCode>
+                <c:ptCount val="9"/>
+                <c:pt idx="0">
+                  <c:v>4.3</c:v>
+                </c:pt>
+                <c:pt idx="1">
+                  <c:v>2.5</c:v>
+                </c:pt>
+                <c:pt idx="2">
+                  <c:v>3.5</c:v>
+                </c:pt>
+                <c:pt idx="3">
+                  <c:v>4.5</c:v>
+                </c:pt>
+                <c:pt idx="4">
+                  <c:v>3.6</c:v>
+                </c:pt>
+                <c:pt idx="5">
+                  <c:v>3.8</c:v>
+                </c:pt>
+                <c:pt idx="6">
+                  <c:v>4.3</c:v>
+                </c:pt>
+                <c:pt idx="7">
+                  <c:v>3.9</c:v>
+                </c:pt>
+              </c:numCache>
+            </c:numRef>
+          </c:val>
+          <c:smooth val="1"/>
+          <c:extLst>
+            <c:ext xmlns:c16="http://schemas.microsoft.com/office/drawing/2014/chart" uri="{C3380CC4-5D6E-409C-BE32-E72D297353CC}">
+              <c16:uniqueId val="{00000000-0DC4-41EF-A80E-F8C6A8907722}"/>
+            </c:ext>
+          </c:extLst>
+        </c:ser>
+        <c:ser>
+          <c:idx val="1"/>
+          <c:order val="1"/>
+          <c:tx>
+            <c:strRef>
+              <c:f>Sheet1!$C$1</c:f>
+              <c:strCache>
+                <c:ptCount val="1"/>
+                <c:pt idx="0">
+                  <c:v>系列 2</c:v>
+                </c:pt>
+              </c:strCache>
+            </c:strRef>
+          </c:tx>
+          <c:spPr>
+            <a:ln w="19050" cap="rnd">
+              <a:solidFill>
+                <a:schemeClr val="accent4">
+                  <a:alpha val="50000"/>
+                </a:schemeClr>
+              </a:solidFill>
+              <a:round/>
+            </a:ln>
+            <a:effectLst/>
+          </c:spPr>
+          <c:marker>
+            <c:symbol val="none"/>
+          </c:marker>
+          <c:cat>
+            <c:strRef>
+              <c:f>Sheet1!$A$2:$A$10</c:f>
+              <c:strCache>
+                <c:ptCount val="8"/>
+                <c:pt idx="0">
+                  <c:v>类别 1</c:v>
+                </c:pt>
+                <c:pt idx="1">
+                  <c:v>类别 2</c:v>
+                </c:pt>
+                <c:pt idx="2">
+                  <c:v>类别 3</c:v>
+                </c:pt>
+                <c:pt idx="3">
+                  <c:v>类别 4</c:v>
+                </c:pt>
+                <c:pt idx="4">
+                  <c:v>类别 5</c:v>
+                </c:pt>
+                <c:pt idx="5">
+                  <c:v>类别 6</c:v>
+                </c:pt>
+                <c:pt idx="6">
+                  <c:v>类别 7</c:v>
+                </c:pt>
+                <c:pt idx="7">
+                  <c:v>类别 8</c:v>
+                </c:pt>
+              </c:strCache>
+            </c:strRef>
+          </c:cat>
+          <c:val>
+            <c:numRef>
+              <c:f>Sheet1!$C$2:$C$10</c:f>
+              <c:numCache>
+                <c:formatCode>General</c:formatCode>
+                <c:ptCount val="9"/>
+                <c:pt idx="0">
+                  <c:v>2.4</c:v>
+                </c:pt>
+                <c:pt idx="1">
+                  <c:v>4.4000000000000004</c:v>
+                </c:pt>
+                <c:pt idx="2">
+                  <c:v>1.8</c:v>
+                </c:pt>
+                <c:pt idx="3">
+                  <c:v>2.8</c:v>
+                </c:pt>
+                <c:pt idx="4">
+                  <c:v>3.5</c:v>
+                </c:pt>
+                <c:pt idx="5">
+                  <c:v>3</c:v>
+                </c:pt>
+                <c:pt idx="6">
+                  <c:v>2.5</c:v>
+                </c:pt>
+                <c:pt idx="7">
+                  <c:v>3.2</c:v>
+                </c:pt>
+              </c:numCache>
+            </c:numRef>
+          </c:val>
+          <c:smooth val="1"/>
+          <c:extLst>
+            <c:ext xmlns:c16="http://schemas.microsoft.com/office/drawing/2014/chart" uri="{C3380CC4-5D6E-409C-BE32-E72D297353CC}">
+              <c16:uniqueId val="{00000001-0DC4-41EF-A80E-F8C6A8907722}"/>
+            </c:ext>
+          </c:extLst>
+        </c:ser>
+        <c:ser>
+          <c:idx val="2"/>
+          <c:order val="2"/>
+          <c:tx>
+            <c:strRef>
+              <c:f>Sheet1!$D$1</c:f>
+              <c:strCache>
+                <c:ptCount val="1"/>
+                <c:pt idx="0">
+                  <c:v>系列 3</c:v>
+                </c:pt>
+              </c:strCache>
+            </c:strRef>
+          </c:tx>
+          <c:spPr>
+            <a:ln w="19050" cap="rnd">
+              <a:solidFill>
+                <a:schemeClr val="bg1">
+                  <a:alpha val="50000"/>
+                </a:schemeClr>
+              </a:solidFill>
+              <a:round/>
+            </a:ln>
+            <a:effectLst/>
+          </c:spPr>
+          <c:marker>
+            <c:symbol val="none"/>
+          </c:marker>
+          <c:cat>
+            <c:strRef>
+              <c:f>Sheet1!$A$2:$A$10</c:f>
+              <c:strCache>
+                <c:ptCount val="8"/>
+                <c:pt idx="0">
+                  <c:v>类别 1</c:v>
+                </c:pt>
+                <c:pt idx="1">
+                  <c:v>类别 2</c:v>
+                </c:pt>
+                <c:pt idx="2">
+                  <c:v>类别 3</c:v>
+                </c:pt>
+                <c:pt idx="3">
+                  <c:v>类别 4</c:v>
+                </c:pt>
+                <c:pt idx="4">
+                  <c:v>类别 5</c:v>
+                </c:pt>
+                <c:pt idx="5">
+                  <c:v>类别 6</c:v>
+                </c:pt>
+                <c:pt idx="6">
+                  <c:v>类别 7</c:v>
+                </c:pt>
+                <c:pt idx="7">
+                  <c:v>类别 8</c:v>
+                </c:pt>
+              </c:strCache>
+            </c:strRef>
+          </c:cat>
+          <c:val>
+            <c:numRef>
+              <c:f>Sheet1!$D$2:$D$10</c:f>
+              <c:numCache>
+                <c:formatCode>General</c:formatCode>
+                <c:ptCount val="9"/>
+                <c:pt idx="0">
+                  <c:v>2</c:v>
+                </c:pt>
+                <c:pt idx="1">
+                  <c:v>2</c:v>
+                </c:pt>
+                <c:pt idx="2">
+                  <c:v>3</c:v>
+                </c:pt>
+                <c:pt idx="3">
+                  <c:v>5</c:v>
+                </c:pt>
+                <c:pt idx="4">
+                  <c:v>4</c:v>
+                </c:pt>
+                <c:pt idx="5">
+                  <c:v>4.5999999999999996</c:v>
+                </c:pt>
+                <c:pt idx="6">
+                  <c:v>5</c:v>
+                </c:pt>
+                <c:pt idx="7">
+                  <c:v>4.3</c:v>
+                </c:pt>
+              </c:numCache>
+            </c:numRef>
+          </c:val>
+          <c:smooth val="1"/>
+          <c:extLst>
+            <c:ext xmlns:c16="http://schemas.microsoft.com/office/drawing/2014/chart" uri="{C3380CC4-5D6E-409C-BE32-E72D297353CC}">
+              <c16:uniqueId val="{00000002-0DC4-41EF-A80E-F8C6A8907722}"/>
+            </c:ext>
+          </c:extLst>
+        </c:ser>
+        <c:ser>
+          <c:idx val="3"/>
+          <c:order val="3"/>
+          <c:tx>
+            <c:strRef>
+              <c:f>Sheet1!$E$1</c:f>
+              <c:strCache>
+                <c:ptCount val="1"/>
+                <c:pt idx="0">
+                  <c:v>系列 4</c:v>
+                </c:pt>
+              </c:strCache>
+            </c:strRef>
+          </c:tx>
+          <c:spPr>
+            <a:ln w="19050" cap="rnd">
+              <a:solidFill>
+                <a:srgbClr val="E83766">
+                  <a:alpha val="50000"/>
+                </a:srgbClr>
+              </a:solidFill>
+              <a:round/>
+            </a:ln>
+            <a:effectLst/>
+          </c:spPr>
+          <c:marker>
+            <c:symbol val="none"/>
+          </c:marker>
+          <c:cat>
+            <c:strRef>
+              <c:f>Sheet1!$A$2:$A$10</c:f>
+              <c:strCache>
+                <c:ptCount val="8"/>
+                <c:pt idx="0">
+                  <c:v>类别 1</c:v>
+                </c:pt>
+                <c:pt idx="1">
+                  <c:v>类别 2</c:v>
+                </c:pt>
+                <c:pt idx="2">
+                  <c:v>类别 3</c:v>
+                </c:pt>
+                <c:pt idx="3">
+                  <c:v>类别 4</c:v>
+                </c:pt>
+                <c:pt idx="4">
+                  <c:v>类别 5</c:v>
+                </c:pt>
+                <c:pt idx="5">
+                  <c:v>类别 6</c:v>
+                </c:pt>
+                <c:pt idx="6">
+                  <c:v>类别 7</c:v>
+                </c:pt>
+                <c:pt idx="7">
+                  <c:v>类别 8</c:v>
+                </c:pt>
+              </c:strCache>
+            </c:strRef>
+          </c:cat>
+          <c:val>
+            <c:numRef>
+              <c:f>Sheet1!$E$2:$E$10</c:f>
+              <c:numCache>
+                <c:formatCode>General</c:formatCode>
+                <c:ptCount val="9"/>
+                <c:pt idx="0">
+                  <c:v>2.5</c:v>
+                </c:pt>
+                <c:pt idx="1">
+                  <c:v>3.5</c:v>
+                </c:pt>
+                <c:pt idx="2">
+                  <c:v>4.5</c:v>
+                </c:pt>
+                <c:pt idx="3">
+                  <c:v>3.5</c:v>
+                </c:pt>
+                <c:pt idx="4">
+                  <c:v>3</c:v>
+                </c:pt>
+                <c:pt idx="5">
+                  <c:v>2.5</c:v>
+                </c:pt>
+                <c:pt idx="6">
+                  <c:v>3</c:v>
+                </c:pt>
+                <c:pt idx="7">
+                  <c:v>4</c:v>
+                </c:pt>
+              </c:numCache>
+            </c:numRef>
+          </c:val>
+          <c:smooth val="1"/>
+          <c:extLst>
+            <c:ext xmlns:c16="http://schemas.microsoft.com/office/drawing/2014/chart" uri="{C3380CC4-5D6E-409C-BE32-E72D297353CC}">
+              <c16:uniqueId val="{00000003-0DC4-41EF-A80E-F8C6A8907722}"/>
+            </c:ext>
+          </c:extLst>
+        </c:ser>
+        <c:ser>
+          <c:idx val="4"/>
+          <c:order val="4"/>
+          <c:tx>
+            <c:strRef>
+              <c:f>Sheet1!$F$1</c:f>
+              <c:strCache>
+                <c:ptCount val="1"/>
+                <c:pt idx="0">
+                  <c:v>系列 5</c:v>
+                </c:pt>
+              </c:strCache>
+            </c:strRef>
+          </c:tx>
+          <c:spPr>
+            <a:ln w="19050" cap="rnd">
+              <a:solidFill>
+                <a:srgbClr val="55E1DB">
+                  <a:alpha val="50000"/>
+                </a:srgbClr>
+              </a:solidFill>
+              <a:round/>
+            </a:ln>
+            <a:effectLst/>
+          </c:spPr>
+          <c:marker>
+            <c:symbol val="none"/>
+          </c:marker>
+          <c:cat>
+            <c:strRef>
+              <c:f>Sheet1!$A$2:$A$10</c:f>
+              <c:strCache>
+                <c:ptCount val="8"/>
+                <c:pt idx="0">
+                  <c:v>类别 1</c:v>
+                </c:pt>
+                <c:pt idx="1">
+                  <c:v>类别 2</c:v>
+                </c:pt>
+                <c:pt idx="2">
+                  <c:v>类别 3</c:v>
+                </c:pt>
+                <c:pt idx="3">
+                  <c:v>类别 4</c:v>
+                </c:pt>
+                <c:pt idx="4">
+                  <c:v>类别 5</c:v>
+                </c:pt>
+                <c:pt idx="5">
+                  <c:v>类别 6</c:v>
+                </c:pt>
+                <c:pt idx="6">
+                  <c:v>类别 7</c:v>
+                </c:pt>
+                <c:pt idx="7">
+                  <c:v>类别 8</c:v>
+                </c:pt>
+              </c:strCache>
+            </c:strRef>
+          </c:cat>
+          <c:val>
+            <c:numRef>
+              <c:f>Sheet1!$F$2:$F$10</c:f>
+              <c:numCache>
+                <c:formatCode>General</c:formatCode>
+                <c:ptCount val="9"/>
+                <c:pt idx="0">
+                  <c:v>3.8</c:v>
+                </c:pt>
+                <c:pt idx="1">
+                  <c:v>3.6</c:v>
+                </c:pt>
+                <c:pt idx="2">
+                  <c:v>2.8</c:v>
+                </c:pt>
+                <c:pt idx="3">
+                  <c:v>3</c:v>
+                </c:pt>
+                <c:pt idx="4">
+                  <c:v>4</c:v>
+                </c:pt>
+                <c:pt idx="5">
+                  <c:v>3.5</c:v>
+                </c:pt>
+                <c:pt idx="6">
+                  <c:v>4.3</c:v>
+                </c:pt>
+                <c:pt idx="7">
+                  <c:v>5</c:v>
+                </c:pt>
+              </c:numCache>
+            </c:numRef>
+          </c:val>
+          <c:smooth val="1"/>
+          <c:extLst>
+            <c:ext xmlns:c16="http://schemas.microsoft.com/office/drawing/2014/chart" uri="{C3380CC4-5D6E-409C-BE32-E72D297353CC}">
+              <c16:uniqueId val="{00000004-0DC4-41EF-A80E-F8C6A8907722}"/>
+            </c:ext>
+          </c:extLst>
+        </c:ser>
+        <c:dLbls>
+          <c:showLegendKey val="0"/>
+          <c:showVal val="0"/>
+          <c:showCatName val="0"/>
+          <c:showSerName val="0"/>
+          <c:showPercent val="0"/>
+          <c:showBubbleSize val="0"/>
+        </c:dLbls>
+        <c:smooth val="0"/>
+        <c:axId val="726975712"/>
+        <c:axId val="726974880"/>
+      </c:lineChart>
+      <c:catAx>
+        <c:axId val="726975712"/>
+        <c:scaling>
+          <c:orientation val="minMax"/>
+        </c:scaling>
+        <c:delete val="1"/>
+        <c:axPos val="b"/>
+        <c:numFmt formatCode="General" sourceLinked="1"/>
+        <c:majorTickMark val="none"/>
+        <c:minorTickMark val="none"/>
+        <c:tickLblPos val="nextTo"/>
+        <c:crossAx val="726974880"/>
+        <c:crosses val="autoZero"/>
+        <c:auto val="1"/>
+        <c:lblAlgn val="ctr"/>
+        <c:lblOffset val="100"/>
+        <c:noMultiLvlLbl val="0"/>
+      </c:catAx>
+      <c:valAx>
+        <c:axId val="726974880"/>
+        <c:scaling>
+          <c:orientation val="minMax"/>
+        </c:scaling>
+        <c:delete val="1"/>
+        <c:axPos val="l"/>
+        <c:numFmt formatCode="General" sourceLinked="1"/>
+        <c:majorTickMark val="none"/>
+        <c:minorTickMark val="none"/>
+        <c:tickLblPos val="nextTo"/>
+        <c:crossAx val="726975712"/>
+        <c:crosses val="autoZero"/>
+        <c:crossBetween val="between"/>
+      </c:valAx>
+      <c:spPr>
+        <a:noFill/>
+        <a:ln w="25400">
+          <a:noFill/>
+        </a:ln>
+        <a:effectLst/>
+      </c:spPr>
+    </c:plotArea>
+    <c:plotVisOnly val="1"/>
+    <c:dispBlanksAs val="gap"/>
+    <c:showDLblsOverMax val="0"/>
+  </c:chart>
+  <c:spPr>
+    <a:noFill/>
+    <a:ln>
+      <a:noFill/>
+    </a:ln>
+    <a:effectLst/>
+  </c:spPr>
+  <c:txPr>
+    <a:bodyPr/>
+    <a:lstStyle/>
+    <a:p>
+      <a:pPr>
+        <a:defRPr/>
+      </a:pPr>
+      <a:endParaRPr lang="zh-CN"/>
+    </a:p>
+  </c:txPr>
+  <c:externalData r:id="rId3">
+    <c:autoUpdate val="0"/>
+  </c:externalData>
+</c:chartSpace>
+</file>
+
+<file path=ppt/charts/chart2.xml><?xml version="1.0" encoding="utf-8"?>
+<c:chartSpace xmlns:c="http://schemas.openxmlformats.org/drawingml/2006/chart" xmlns:a="http://schemas.openxmlformats.org/drawingml/2006/main" xmlns:r="http://schemas.openxmlformats.org/officeDocument/2006/relationships" xmlns:c16r2="http://schemas.microsoft.com/office/drawing/2015/06/chart">
+  <c:date1904 val="0"/>
+  <c:lang val="zh-CN"/>
+  <c:roundedCorners val="0"/>
+  <mc:AlternateContent xmlns:mc="http://schemas.openxmlformats.org/markup-compatibility/2006">
+    <mc:Choice xmlns:c14="http://schemas.microsoft.com/office/drawing/2007/8/2/chart" Requires="c14">
+      <c14:style val="102"/>
+    </mc:Choice>
+    <mc:Fallback>
+      <c:style val="2"/>
+    </mc:Fallback>
+  </mc:AlternateContent>
+  <c:chart>
+    <c:autoTitleDeleted val="1"/>
+    <c:plotArea>
+      <c:layout/>
+      <c:lineChart>
+        <c:grouping val="standard"/>
+        <c:varyColors val="0"/>
+        <c:ser>
+          <c:idx val="0"/>
+          <c:order val="0"/>
+          <c:tx>
+            <c:strRef>
+              <c:f>Sheet1!$B$1</c:f>
+              <c:strCache>
+                <c:ptCount val="1"/>
+                <c:pt idx="0">
+                  <c:v>系列 1</c:v>
+                </c:pt>
+              </c:strCache>
+            </c:strRef>
+          </c:tx>
+          <c:spPr>
+            <a:ln w="9525" cap="rnd">
+              <a:solidFill>
+                <a:schemeClr val="bg1">
+                  <a:lumMod val="50000"/>
+                  <a:alpha val="20000"/>
+                </a:schemeClr>
+              </a:solidFill>
+              <a:round/>
+            </a:ln>
+            <a:effectLst/>
+          </c:spPr>
+          <c:marker>
+            <c:symbol val="none"/>
+          </c:marker>
+          <c:cat>
+            <c:strRef>
+              <c:f>Sheet1!$A$2:$A$10</c:f>
+              <c:strCache>
+                <c:ptCount val="8"/>
+                <c:pt idx="0">
+                  <c:v>类别 1</c:v>
+                </c:pt>
+                <c:pt idx="1">
+                  <c:v>类别 2</c:v>
+                </c:pt>
+                <c:pt idx="2">
+                  <c:v>类别 3</c:v>
+                </c:pt>
+                <c:pt idx="3">
+                  <c:v>类别 4</c:v>
+                </c:pt>
+                <c:pt idx="4">
+                  <c:v>类别 5</c:v>
+                </c:pt>
+                <c:pt idx="5">
+                  <c:v>类别 6</c:v>
+                </c:pt>
+                <c:pt idx="6">
+                  <c:v>类别 7</c:v>
+                </c:pt>
+                <c:pt idx="7">
+                  <c:v>类别 8</c:v>
+                </c:pt>
+              </c:strCache>
+            </c:strRef>
+          </c:cat>
+          <c:val>
+            <c:numRef>
+              <c:f>Sheet1!$B$2:$B$10</c:f>
+              <c:numCache>
+                <c:formatCode>General</c:formatCode>
+                <c:ptCount val="9"/>
+                <c:pt idx="0">
+                  <c:v>4.3</c:v>
+                </c:pt>
+                <c:pt idx="1">
+                  <c:v>2.5</c:v>
+                </c:pt>
+                <c:pt idx="2">
+                  <c:v>3.5</c:v>
+                </c:pt>
+                <c:pt idx="3">
+                  <c:v>4.5</c:v>
+                </c:pt>
+                <c:pt idx="4">
+                  <c:v>3.6</c:v>
+                </c:pt>
+                <c:pt idx="5">
+                  <c:v>3.8</c:v>
+                </c:pt>
+                <c:pt idx="6">
+                  <c:v>4.3</c:v>
+                </c:pt>
+                <c:pt idx="7">
+                  <c:v>3.9</c:v>
+                </c:pt>
+              </c:numCache>
+            </c:numRef>
+          </c:val>
+          <c:smooth val="1"/>
+          <c:extLst>
+            <c:ext xmlns:c16="http://schemas.microsoft.com/office/drawing/2014/chart" uri="{C3380CC4-5D6E-409C-BE32-E72D297353CC}">
+              <c16:uniqueId val="{00000000-4C62-4716-A5DD-771B26319BD2}"/>
+            </c:ext>
+          </c:extLst>
+        </c:ser>
+        <c:ser>
+          <c:idx val="1"/>
+          <c:order val="1"/>
+          <c:tx>
+            <c:strRef>
+              <c:f>Sheet1!$C$1</c:f>
+              <c:strCache>
+                <c:ptCount val="1"/>
+                <c:pt idx="0">
+                  <c:v>系列 2</c:v>
+                </c:pt>
+              </c:strCache>
+            </c:strRef>
+          </c:tx>
+          <c:spPr>
+            <a:ln w="9525" cap="rnd">
+              <a:solidFill>
+                <a:schemeClr val="accent4">
+                  <a:alpha val="20000"/>
+                </a:schemeClr>
+              </a:solidFill>
+              <a:round/>
+            </a:ln>
+            <a:effectLst/>
+          </c:spPr>
+          <c:marker>
+            <c:symbol val="none"/>
+          </c:marker>
+          <c:cat>
+            <c:strRef>
+              <c:f>Sheet1!$A$2:$A$10</c:f>
+              <c:strCache>
+                <c:ptCount val="8"/>
+                <c:pt idx="0">
+                  <c:v>类别 1</c:v>
+                </c:pt>
+                <c:pt idx="1">
+                  <c:v>类别 2</c:v>
+                </c:pt>
+                <c:pt idx="2">
+                  <c:v>类别 3</c:v>
+                </c:pt>
+                <c:pt idx="3">
+                  <c:v>类别 4</c:v>
+                </c:pt>
+                <c:pt idx="4">
+                  <c:v>类别 5</c:v>
+                </c:pt>
+                <c:pt idx="5">
+                  <c:v>类别 6</c:v>
+                </c:pt>
+                <c:pt idx="6">
+                  <c:v>类别 7</c:v>
+                </c:pt>
+                <c:pt idx="7">
+                  <c:v>类别 8</c:v>
+                </c:pt>
+              </c:strCache>
+            </c:strRef>
+          </c:cat>
+          <c:val>
+            <c:numRef>
+              <c:f>Sheet1!$C$2:$C$10</c:f>
+              <c:numCache>
+                <c:formatCode>General</c:formatCode>
+                <c:ptCount val="9"/>
+                <c:pt idx="0">
+                  <c:v>2.4</c:v>
+                </c:pt>
+                <c:pt idx="1">
+                  <c:v>4.4000000000000004</c:v>
+                </c:pt>
+                <c:pt idx="2">
+                  <c:v>1.8</c:v>
+                </c:pt>
+                <c:pt idx="3">
+                  <c:v>2.8</c:v>
+                </c:pt>
+                <c:pt idx="4">
+                  <c:v>3.5</c:v>
+                </c:pt>
+                <c:pt idx="5">
+                  <c:v>3</c:v>
+                </c:pt>
+                <c:pt idx="6">
+                  <c:v>2.5</c:v>
+                </c:pt>
+                <c:pt idx="7">
+                  <c:v>3.2</c:v>
+                </c:pt>
+              </c:numCache>
+            </c:numRef>
+          </c:val>
+          <c:smooth val="1"/>
+          <c:extLst>
+            <c:ext xmlns:c16="http://schemas.microsoft.com/office/drawing/2014/chart" uri="{C3380CC4-5D6E-409C-BE32-E72D297353CC}">
+              <c16:uniqueId val="{00000001-4C62-4716-A5DD-771B26319BD2}"/>
+            </c:ext>
+          </c:extLst>
+        </c:ser>
+        <c:ser>
+          <c:idx val="2"/>
+          <c:order val="2"/>
+          <c:tx>
+            <c:strRef>
+              <c:f>Sheet1!$D$1</c:f>
+              <c:strCache>
+                <c:ptCount val="1"/>
+                <c:pt idx="0">
+                  <c:v>系列 3</c:v>
+                </c:pt>
+              </c:strCache>
+            </c:strRef>
+          </c:tx>
+          <c:spPr>
+            <a:ln w="9525" cap="rnd">
+              <a:solidFill>
+                <a:schemeClr val="bg1">
+                  <a:alpha val="20000"/>
+                </a:schemeClr>
+              </a:solidFill>
+              <a:round/>
+            </a:ln>
+            <a:effectLst/>
+          </c:spPr>
+          <c:marker>
+            <c:symbol val="none"/>
+          </c:marker>
+          <c:cat>
+            <c:strRef>
+              <c:f>Sheet1!$A$2:$A$10</c:f>
+              <c:strCache>
+                <c:ptCount val="8"/>
+                <c:pt idx="0">
+                  <c:v>类别 1</c:v>
+                </c:pt>
+                <c:pt idx="1">
+                  <c:v>类别 2</c:v>
+                </c:pt>
+                <c:pt idx="2">
+                  <c:v>类别 3</c:v>
+                </c:pt>
+                <c:pt idx="3">
+                  <c:v>类别 4</c:v>
+                </c:pt>
+                <c:pt idx="4">
+                  <c:v>类别 5</c:v>
+                </c:pt>
+                <c:pt idx="5">
+                  <c:v>类别 6</c:v>
+                </c:pt>
+                <c:pt idx="6">
+                  <c:v>类别 7</c:v>
+                </c:pt>
+                <c:pt idx="7">
+                  <c:v>类别 8</c:v>
+                </c:pt>
+              </c:strCache>
+            </c:strRef>
+          </c:cat>
+          <c:val>
+            <c:numRef>
+              <c:f>Sheet1!$D$2:$D$10</c:f>
+              <c:numCache>
+                <c:formatCode>General</c:formatCode>
+                <c:ptCount val="9"/>
+                <c:pt idx="0">
+                  <c:v>2</c:v>
+                </c:pt>
+                <c:pt idx="1">
+                  <c:v>2</c:v>
+                </c:pt>
+                <c:pt idx="2">
+                  <c:v>3</c:v>
+                </c:pt>
+                <c:pt idx="3">
+                  <c:v>5</c:v>
+                </c:pt>
+                <c:pt idx="4">
+                  <c:v>4</c:v>
+                </c:pt>
+                <c:pt idx="5">
+                  <c:v>4.5999999999999996</c:v>
+                </c:pt>
+                <c:pt idx="6">
+                  <c:v>5</c:v>
+                </c:pt>
+                <c:pt idx="7">
+                  <c:v>4.3</c:v>
+                </c:pt>
+              </c:numCache>
+            </c:numRef>
+          </c:val>
+          <c:smooth val="1"/>
+          <c:extLst>
+            <c:ext xmlns:c16="http://schemas.microsoft.com/office/drawing/2014/chart" uri="{C3380CC4-5D6E-409C-BE32-E72D297353CC}">
+              <c16:uniqueId val="{00000002-4C62-4716-A5DD-771B26319BD2}"/>
+            </c:ext>
+          </c:extLst>
+        </c:ser>
+        <c:ser>
+          <c:idx val="3"/>
+          <c:order val="3"/>
+          <c:tx>
+            <c:strRef>
+              <c:f>Sheet1!$E$1</c:f>
+              <c:strCache>
+                <c:ptCount val="1"/>
+                <c:pt idx="0">
+                  <c:v>系列 4</c:v>
+                </c:pt>
+              </c:strCache>
+            </c:strRef>
+          </c:tx>
+          <c:spPr>
+            <a:ln w="9525" cap="rnd">
+              <a:solidFill>
+                <a:srgbClr val="E83766">
+                  <a:alpha val="20000"/>
+                </a:srgbClr>
+              </a:solidFill>
+              <a:round/>
+            </a:ln>
+            <a:effectLst/>
+          </c:spPr>
+          <c:marker>
+            <c:symbol val="none"/>
+          </c:marker>
+          <c:cat>
+            <c:strRef>
+              <c:f>Sheet1!$A$2:$A$10</c:f>
+              <c:strCache>
+                <c:ptCount val="8"/>
+                <c:pt idx="0">
+                  <c:v>类别 1</c:v>
+                </c:pt>
+                <c:pt idx="1">
+                  <c:v>类别 2</c:v>
+                </c:pt>
+                <c:pt idx="2">
+                  <c:v>类别 3</c:v>
+                </c:pt>
+                <c:pt idx="3">
+                  <c:v>类别 4</c:v>
+                </c:pt>
+                <c:pt idx="4">
+                  <c:v>类别 5</c:v>
+                </c:pt>
+                <c:pt idx="5">
+                  <c:v>类别 6</c:v>
+                </c:pt>
+                <c:pt idx="6">
+                  <c:v>类别 7</c:v>
+                </c:pt>
+                <c:pt idx="7">
+                  <c:v>类别 8</c:v>
+                </c:pt>
+              </c:strCache>
+            </c:strRef>
+          </c:cat>
+          <c:val>
+            <c:numRef>
+              <c:f>Sheet1!$E$2:$E$10</c:f>
+              <c:numCache>
+                <c:formatCode>General</c:formatCode>
+                <c:ptCount val="9"/>
+                <c:pt idx="0">
+                  <c:v>2.5</c:v>
+                </c:pt>
+                <c:pt idx="1">
+                  <c:v>3.5</c:v>
+                </c:pt>
+                <c:pt idx="2">
+                  <c:v>4.5</c:v>
+                </c:pt>
+                <c:pt idx="3">
+                  <c:v>3.5</c:v>
+                </c:pt>
+                <c:pt idx="4">
+                  <c:v>3</c:v>
+                </c:pt>
+                <c:pt idx="5">
+                  <c:v>2.5</c:v>
+                </c:pt>
+                <c:pt idx="6">
+                  <c:v>3</c:v>
+                </c:pt>
+                <c:pt idx="7">
+                  <c:v>4</c:v>
+                </c:pt>
+              </c:numCache>
+            </c:numRef>
+          </c:val>
+          <c:smooth val="1"/>
+          <c:extLst>
+            <c:ext xmlns:c16="http://schemas.microsoft.com/office/drawing/2014/chart" uri="{C3380CC4-5D6E-409C-BE32-E72D297353CC}">
+              <c16:uniqueId val="{00000003-4C62-4716-A5DD-771B26319BD2}"/>
+            </c:ext>
+          </c:extLst>
+        </c:ser>
+        <c:ser>
+          <c:idx val="4"/>
+          <c:order val="4"/>
+          <c:tx>
+            <c:strRef>
+              <c:f>Sheet1!$F$1</c:f>
+              <c:strCache>
+                <c:ptCount val="1"/>
+                <c:pt idx="0">
+                  <c:v>系列 5</c:v>
+                </c:pt>
+              </c:strCache>
+            </c:strRef>
+          </c:tx>
+          <c:spPr>
+            <a:ln w="9525" cap="rnd">
+              <a:solidFill>
+                <a:srgbClr val="55E1DB">
+                  <a:alpha val="20000"/>
+                </a:srgbClr>
+              </a:solidFill>
+              <a:round/>
+            </a:ln>
+            <a:effectLst/>
+          </c:spPr>
+          <c:marker>
+            <c:symbol val="none"/>
+          </c:marker>
+          <c:cat>
+            <c:strRef>
+              <c:f>Sheet1!$A$2:$A$10</c:f>
+              <c:strCache>
+                <c:ptCount val="8"/>
+                <c:pt idx="0">
+                  <c:v>类别 1</c:v>
+                </c:pt>
+                <c:pt idx="1">
+                  <c:v>类别 2</c:v>
+                </c:pt>
+                <c:pt idx="2">
+                  <c:v>类别 3</c:v>
+                </c:pt>
+                <c:pt idx="3">
+                  <c:v>类别 4</c:v>
+                </c:pt>
+                <c:pt idx="4">
+                  <c:v>类别 5</c:v>
+                </c:pt>
+                <c:pt idx="5">
+                  <c:v>类别 6</c:v>
+                </c:pt>
+                <c:pt idx="6">
+                  <c:v>类别 7</c:v>
+                </c:pt>
+                <c:pt idx="7">
+                  <c:v>类别 8</c:v>
+                </c:pt>
+              </c:strCache>
+            </c:strRef>
+          </c:cat>
+          <c:val>
+            <c:numRef>
+              <c:f>Sheet1!$F$2:$F$10</c:f>
+              <c:numCache>
+                <c:formatCode>General</c:formatCode>
+                <c:ptCount val="9"/>
+                <c:pt idx="0">
+                  <c:v>3.8</c:v>
+                </c:pt>
+                <c:pt idx="1">
+                  <c:v>3.6</c:v>
+                </c:pt>
+                <c:pt idx="2">
+                  <c:v>2.8</c:v>
+                </c:pt>
+                <c:pt idx="3">
+                  <c:v>3</c:v>
+                </c:pt>
+                <c:pt idx="4">
+                  <c:v>4</c:v>
+                </c:pt>
+                <c:pt idx="5">
+                  <c:v>3.5</c:v>
+                </c:pt>
+                <c:pt idx="6">
+                  <c:v>4.3</c:v>
+                </c:pt>
+                <c:pt idx="7">
+                  <c:v>5</c:v>
+                </c:pt>
+              </c:numCache>
+            </c:numRef>
+          </c:val>
+          <c:smooth val="1"/>
+          <c:extLst>
+            <c:ext xmlns:c16="http://schemas.microsoft.com/office/drawing/2014/chart" uri="{C3380CC4-5D6E-409C-BE32-E72D297353CC}">
+              <c16:uniqueId val="{00000004-4C62-4716-A5DD-771B26319BD2}"/>
+            </c:ext>
+          </c:extLst>
+        </c:ser>
+        <c:dLbls>
+          <c:showLegendKey val="0"/>
+          <c:showVal val="0"/>
+          <c:showCatName val="0"/>
+          <c:showSerName val="0"/>
+          <c:showPercent val="0"/>
+          <c:showBubbleSize val="0"/>
+        </c:dLbls>
+        <c:smooth val="0"/>
+        <c:axId val="726975712"/>
+        <c:axId val="726974880"/>
+      </c:lineChart>
+      <c:catAx>
+        <c:axId val="726975712"/>
+        <c:scaling>
+          <c:orientation val="minMax"/>
+        </c:scaling>
+        <c:delete val="1"/>
+        <c:axPos val="b"/>
+        <c:numFmt formatCode="General" sourceLinked="1"/>
+        <c:majorTickMark val="none"/>
+        <c:minorTickMark val="none"/>
+        <c:tickLblPos val="nextTo"/>
+        <c:crossAx val="726974880"/>
+        <c:crosses val="autoZero"/>
+        <c:auto val="1"/>
+        <c:lblAlgn val="ctr"/>
+        <c:lblOffset val="100"/>
+        <c:noMultiLvlLbl val="0"/>
+      </c:catAx>
+      <c:valAx>
+        <c:axId val="726974880"/>
+        <c:scaling>
+          <c:orientation val="minMax"/>
+        </c:scaling>
+        <c:delete val="1"/>
+        <c:axPos val="l"/>
+        <c:numFmt formatCode="General" sourceLinked="1"/>
+        <c:majorTickMark val="none"/>
+        <c:minorTickMark val="none"/>
+        <c:tickLblPos val="nextTo"/>
+        <c:crossAx val="726975712"/>
+        <c:crosses val="autoZero"/>
+        <c:crossBetween val="between"/>
+      </c:valAx>
+      <c:spPr>
+        <a:noFill/>
+        <a:ln w="25400">
+          <a:noFill/>
+        </a:ln>
+        <a:effectLst/>
+      </c:spPr>
+    </c:plotArea>
+    <c:plotVisOnly val="1"/>
+    <c:dispBlanksAs val="gap"/>
+    <c:showDLblsOverMax val="0"/>
+  </c:chart>
+  <c:spPr>
+    <a:noFill/>
+    <a:ln>
+      <a:noFill/>
+    </a:ln>
+    <a:effectLst/>
+  </c:spPr>
+  <c:txPr>
+    <a:bodyPr/>
+    <a:lstStyle/>
+    <a:p>
+      <a:pPr>
+        <a:defRPr/>
+      </a:pPr>
+      <a:endParaRPr lang="zh-CN"/>
+    </a:p>
+  </c:txPr>
+  <c:externalData r:id="rId3">
+    <c:autoUpdate val="0"/>
+  </c:externalData>
+</c:chartSpace>
+</file>
+
+<file path=ppt/charts/colors1.xml><?xml version="1.0" encoding="utf-8"?>
+<cs:colorStyle xmlns:cs="http://schemas.microsoft.com/office/drawing/2012/chartStyle" xmlns:a="http://schemas.openxmlformats.org/drawingml/2006/main" meth="cycle" id="10">
+  <a:schemeClr val="accent1"/>
+  <a:schemeClr val="accent2"/>
+  <a:schemeClr val="accent3"/>
+  <a:schemeClr val="accent4"/>
+  <a:schemeClr val="accent5"/>
+  <a:schemeClr val="accent6"/>
+  <cs:variation/>
+  <cs:variation>
+    <a:lumMod val="60000"/>
+  </cs:variation>
+  <cs:variation>
+    <a:lumMod val="80000"/>
+    <a:lumOff val="20000"/>
+  </cs:variation>
+  <cs:variation>
+    <a:lumMod val="80000"/>
+  </cs:variation>
+  <cs:variation>
+    <a:lumMod val="60000"/>
+    <a:lumOff val="40000"/>
+  </cs:variation>
+  <cs:variation>
+    <a:lumMod val="50000"/>
+  </cs:variation>
+  <cs:variation>
+    <a:lumMod val="70000"/>
+    <a:lumOff val="30000"/>
+  </cs:variation>
+  <cs:variation>
+    <a:lumMod val="70000"/>
+  </cs:variation>
+  <cs:variation>
+    <a:lumMod val="50000"/>
+    <a:lumOff val="50000"/>
+  </cs:variation>
+</cs:colorStyle>
+</file>
+
+<file path=ppt/charts/colors2.xml><?xml version="1.0" encoding="utf-8"?>
+<cs:colorStyle xmlns:cs="http://schemas.microsoft.com/office/drawing/2012/chartStyle" xmlns:a="http://schemas.openxmlformats.org/drawingml/2006/main" meth="cycle" id="10">
+  <a:schemeClr val="accent1"/>
+  <a:schemeClr val="accent2"/>
+  <a:schemeClr val="accent3"/>
+  <a:schemeClr val="accent4"/>
+  <a:schemeClr val="accent5"/>
+  <a:schemeClr val="accent6"/>
+  <cs:variation/>
+  <cs:variation>
+    <a:lumMod val="60000"/>
+  </cs:variation>
+  <cs:variation>
+    <a:lumMod val="80000"/>
+    <a:lumOff val="20000"/>
+  </cs:variation>
+  <cs:variation>
+    <a:lumMod val="80000"/>
+  </cs:variation>
+  <cs:variation>
+    <a:lumMod val="60000"/>
+    <a:lumOff val="40000"/>
+  </cs:variation>
+  <cs:variation>
+    <a:lumMod val="50000"/>
+  </cs:variation>
+  <cs:variation>
+    <a:lumMod val="70000"/>
+    <a:lumOff val="30000"/>
+  </cs:variation>
+  <cs:variation>
+    <a:lumMod val="70000"/>
+  </cs:variation>
+  <cs:variation>
+    <a:lumMod val="50000"/>
+    <a:lumOff val="50000"/>
+  </cs:variation>
+</cs:colorStyle>
+</file>
+
+<file path=ppt/charts/style1.xml><?xml version="1.0" encoding="utf-8"?>
+<cs:chartStyle xmlns:cs="http://schemas.microsoft.com/office/drawing/2012/chartStyle" xmlns:a="http://schemas.openxmlformats.org/drawingml/2006/main" id="227">
+  <cs:axisTitle>
+    <cs:lnRef idx="0"/>
+    <cs:fillRef idx="0"/>
+    <cs:effectRef idx="0"/>
+    <cs:fontRef idx="minor">
+      <a:schemeClr val="tx1">
+        <a:lumMod val="65000"/>
+        <a:lumOff val="35000"/>
+      </a:schemeClr>
+    </cs:fontRef>
+    <cs:defRPr sz="1330" kern="1200"/>
+  </cs:axisTitle>
+  <cs:categoryAxis>
+    <cs:lnRef idx="0"/>
+    <cs:fillRef idx="0"/>
+    <cs:effectRef idx="0"/>
+    <cs:fontRef idx="minor">
+      <a:schemeClr val="tx1">
+        <a:lumMod val="65000"/>
+        <a:lumOff val="35000"/>
+      </a:schemeClr>
+    </cs:fontRef>
+    <cs:spPr>
+      <a:ln w="9525" cap="flat" cmpd="sng" algn="ctr">
+        <a:solidFill>
+          <a:schemeClr val="tx1">
+            <a:lumMod val="15000"/>
+            <a:lumOff val="85000"/>
+          </a:schemeClr>
+        </a:solidFill>
+        <a:round/>
+      </a:ln>
+    </cs:spPr>
+    <cs:defRPr sz="1197" kern="1200"/>
+  </cs:categoryAxis>
+  <cs:chartArea mods="allowNoFillOverride allowNoLineOverride">
+    <cs:lnRef idx="0"/>
+    <cs:fillRef idx="0"/>
+    <cs:effectRef idx="0"/>
+    <cs:fontRef idx="minor">
+      <a:schemeClr val="tx1"/>
+    </cs:fontRef>
+    <cs:spPr>
+      <a:solidFill>
+        <a:schemeClr val="bg1"/>
+      </a:solidFill>
+      <a:ln w="9525" cap="flat" cmpd="sng" algn="ctr">
+        <a:solidFill>
+          <a:schemeClr val="tx1">
+            <a:lumMod val="15000"/>
+            <a:lumOff val="85000"/>
+          </a:schemeClr>
+        </a:solidFill>
+        <a:round/>
+      </a:ln>
+    </cs:spPr>
+    <cs:defRPr sz="1330" kern="1200"/>
+  </cs:chartArea>
+  <cs:dataLabel>
+    <cs:lnRef idx="0"/>
+    <cs:fillRef idx="0"/>
+    <cs:effectRef idx="0"/>
+    <cs:fontRef idx="minor">
+      <a:schemeClr val="tx1">
+        <a:lumMod val="75000"/>
+        <a:lumOff val="25000"/>
+      </a:schemeClr>
+    </cs:fontRef>
+    <cs:defRPr sz="1197" kern="1200"/>
+  </cs:dataLabel>
+  <cs:dataLabelCallout>
+    <cs:lnRef idx="0"/>
+    <cs:fillRef idx="0"/>
+    <cs:effectRef idx="0"/>
+    <cs:fontRef idx="minor">
+      <a:schemeClr val="dk1">
+        <a:lumMod val="65000"/>
+        <a:lumOff val="35000"/>
+      </a:schemeClr>
+    </cs:fontRef>
+    <cs:spPr>
+      <a:solidFill>
+        <a:schemeClr val="lt1"/>
+      </a:solidFill>
+      <a:ln>
+        <a:solidFill>
+          <a:schemeClr val="dk1">
+            <a:lumMod val="25000"/>
+            <a:lumOff val="75000"/>
+          </a:schemeClr>
+        </a:solidFill>
+      </a:ln>
+    </cs:spPr>
+    <cs:defRPr sz="1197" kern="1200"/>
+    <cs:bodyPr rot="0" spcFirstLastPara="1" vertOverflow="clip" horzOverflow="clip" vert="horz" wrap="square" lIns="36576" tIns="18288" rIns="36576" bIns="18288" anchor="ctr" anchorCtr="1">
+      <a:spAutoFit/>
+    </cs:bodyPr>
+  </cs:dataLabelCallout>
+  <cs:dataPoint>
+    <cs:lnRef idx="0"/>
+    <cs:fillRef idx="1">
+      <cs:styleClr val="auto"/>
+    </cs:fillRef>
+    <cs:effectRef idx="0"/>
+    <cs:fontRef idx="minor">
+      <a:schemeClr val="tx1"/>
+    </cs:fontRef>
+    <cs:spPr>
+      <a:solidFill>
+        <a:schemeClr val="phClr"/>
+      </a:solidFill>
+    </cs:spPr>
+  </cs:dataPoint>
+  <cs:dataPoint3D>
+    <cs:lnRef idx="0"/>
+    <cs:fillRef idx="1">
+      <cs:styleClr val="auto"/>
+    </cs:fillRef>
+    <cs:effectRef idx="0"/>
+    <cs:fontRef idx="minor">
+      <a:schemeClr val="tx1"/>
+    </cs:fontRef>
+    <cs:spPr>
+      <a:solidFill>
+        <a:schemeClr val="phClr"/>
+      </a:solidFill>
+    </cs:spPr>
+  </cs:dataPoint3D>
+  <cs:dataPointLine>
+    <cs:lnRef idx="0">
+      <cs:styleClr val="auto"/>
+    </cs:lnRef>
+    <cs:fillRef idx="1"/>
+    <cs:effectRef idx="0"/>
+    <cs:fontRef idx="minor">
+      <a:schemeClr val="tx1"/>
+    </cs:fontRef>
+    <cs:spPr>
+      <a:ln w="28575" cap="rnd">
+        <a:solidFill>
+          <a:schemeClr val="phClr"/>
+        </a:solidFill>
+        <a:round/>
+      </a:ln>
+    </cs:spPr>
+  </cs:dataPointLine>
+  <cs:dataPointMarker>
+    <cs:lnRef idx="0">
+      <cs:styleClr val="auto"/>
+    </cs:lnRef>
+    <cs:fillRef idx="1">
+      <cs:styleClr val="auto"/>
+    </cs:fillRef>
+    <cs:effectRef idx="0"/>
+    <cs:fontRef idx="minor">
+      <a:schemeClr val="tx1"/>
+    </cs:fontRef>
+    <cs:spPr>
+      <a:solidFill>
+        <a:schemeClr val="phClr"/>
+      </a:solidFill>
+      <a:ln w="9525">
+        <a:solidFill>
+          <a:schemeClr val="phClr"/>
+        </a:solidFill>
+      </a:ln>
+    </cs:spPr>
+  </cs:dataPointMarker>
+  <cs:dataPointMarkerLayout symbol="circle" size="5"/>
+  <cs:dataPointWireframe>
+    <cs:lnRef idx="0">
+      <cs:styleClr val="auto"/>
+    </cs:lnRef>
+    <cs:fillRef idx="1"/>
+    <cs:effectRef idx="0"/>
+    <cs:fontRef idx="minor">
+      <a:schemeClr val="tx1"/>
+    </cs:fontRef>
+    <cs:spPr>
+      <a:ln w="9525" cap="rnd">
+        <a:solidFill>
+          <a:schemeClr val="phClr"/>
+        </a:solidFill>
+        <a:round/>
+      </a:ln>
+    </cs:spPr>
+  </cs:dataPointWireframe>
+  <cs:dataTable>
+    <cs:lnRef idx="0"/>
+    <cs:fillRef idx="0"/>
+    <cs:effectRef idx="0"/>
+    <cs:fontRef idx="minor">
+      <a:schemeClr val="tx1">
+        <a:lumMod val="65000"/>
+        <a:lumOff val="35000"/>
+      </a:schemeClr>
+    </cs:fontRef>
+    <cs:spPr>
+      <a:noFill/>
+      <a:ln w="9525" cap="flat" cmpd="sng" algn="ctr">
+        <a:solidFill>
+          <a:schemeClr val="tx1">
+            <a:lumMod val="15000"/>
+            <a:lumOff val="85000"/>
+          </a:schemeClr>
+        </a:solidFill>
+        <a:round/>
+      </a:ln>
+    </cs:spPr>
+    <cs:defRPr sz="1197" kern="1200"/>
+  </cs:dataTable>
+  <cs:downBar>
+    <cs:lnRef idx="0"/>
+    <cs:fillRef idx="0"/>
+    <cs:effectRef idx="0"/>
+    <cs:fontRef idx="minor">
+      <a:schemeClr val="dk1"/>
+    </cs:fontRef>
+    <cs:spPr>
+      <a:solidFill>
+        <a:schemeClr val="dk1">
+          <a:lumMod val="65000"/>
+          <a:lumOff val="35000"/>
+        </a:schemeClr>
+      </a:solidFill>
+      <a:ln w="9525">
+        <a:solidFill>
+          <a:schemeClr val="tx1">
+            <a:lumMod val="65000"/>
+            <a:lumOff val="35000"/>
+          </a:schemeClr>
+        </a:solidFill>
+      </a:ln>
+    </cs:spPr>
+  </cs:downBar>
+  <cs:dropLine>
+    <cs:lnRef idx="0"/>
+    <cs:fillRef idx="0"/>
+    <cs:effectRef idx="0"/>
+    <cs:fontRef idx="minor">
+      <a:schemeClr val="tx1"/>
+    </cs:fontRef>
+    <cs:spPr>
+      <a:ln w="9525" cap="flat" cmpd="sng" algn="ctr">
+        <a:solidFill>
+          <a:schemeClr val="tx1">
+            <a:lumMod val="35000"/>
+            <a:lumOff val="65000"/>
+          </a:schemeClr>
+        </a:solidFill>
+        <a:round/>
+      </a:ln>
+    </cs:spPr>
+  </cs:dropLine>
+  <cs:errorBar>
+    <cs:lnRef idx="0"/>
+    <cs:fillRef idx="0"/>
+    <cs:effectRef idx="0"/>
+    <cs:fontRef idx="minor">
+      <a:schemeClr val="tx1"/>
+    </cs:fontRef>
+    <cs:spPr>
+      <a:ln w="9525" cap="flat" cmpd="sng" algn="ctr">
+        <a:solidFill>
+          <a:schemeClr val="tx1">
+            <a:lumMod val="65000"/>
+            <a:lumOff val="35000"/>
+          </a:schemeClr>
+        </a:solidFill>
+        <a:round/>
+      </a:ln>
+    </cs:spPr>
+  </cs:errorBar>
+  <cs:floor>
+    <cs:lnRef idx="0"/>
+    <cs:fillRef idx="0"/>
+    <cs:effectRef idx="0"/>
+    <cs:fontRef idx="minor">
+      <a:schemeClr val="tx1"/>
+    </cs:fontRef>
+    <cs:spPr>
+      <a:noFill/>
+      <a:ln>
+        <a:noFill/>
+      </a:ln>
+    </cs:spPr>
+  </cs:floor>
+  <cs:gridlineMajor>
+    <cs:lnRef idx="0"/>
+    <cs:fillRef idx="0"/>
+    <cs:effectRef idx="0"/>
+    <cs:fontRef idx="minor">
+      <a:schemeClr val="tx1"/>
+    </cs:fontRef>
+    <cs:spPr>
+      <a:ln w="9525" cap="flat" cmpd="sng" algn="ctr">
+        <a:solidFill>
+          <a:schemeClr val="tx1">
+            <a:lumMod val="15000"/>
+            <a:lumOff val="85000"/>
+          </a:schemeClr>
+        </a:solidFill>
+        <a:round/>
+      </a:ln>
+    </cs:spPr>
+  </cs:gridlineMajor>
+  <cs:gridlineMinor>
+    <cs:lnRef idx="0"/>
+    <cs:fillRef idx="0"/>
+    <cs:effectRef idx="0"/>
+    <cs:fontRef idx="minor">
+      <a:schemeClr val="tx1"/>
+    </cs:fontRef>
+    <cs:spPr>
+      <a:ln w="9525" cap="flat" cmpd="sng" algn="ctr">
+        <a:solidFill>
+          <a:schemeClr val="tx1">
+            <a:lumMod val="5000"/>
+            <a:lumOff val="95000"/>
+          </a:schemeClr>
+        </a:solidFill>
+        <a:round/>
+      </a:ln>
+    </cs:spPr>
+  </cs:gridlineMinor>
+  <cs:hiLoLine>
+    <cs:lnRef idx="0"/>
+    <cs:fillRef idx="0"/>
+    <cs:effectRef idx="0"/>
+    <cs:fontRef idx="minor">
+      <a:schemeClr val="tx1"/>
+    </cs:fontRef>
+    <cs:spPr>
+      <a:ln w="9525" cap="flat" cmpd="sng" algn="ctr">
+        <a:solidFill>
+          <a:schemeClr val="tx1">
+            <a:lumMod val="75000"/>
+            <a:lumOff val="25000"/>
+          </a:schemeClr>
+        </a:solidFill>
+        <a:round/>
+      </a:ln>
+    </cs:spPr>
+  </cs:hiLoLine>
+  <cs:leaderLine>
+    <cs:lnRef idx="0"/>
+    <cs:fillRef idx="0"/>
+    <cs:effectRef idx="0"/>
+    <cs:fontRef idx="minor">
+      <a:schemeClr val="tx1"/>
+    </cs:fontRef>
+    <cs:spPr>
+      <a:ln w="9525" cap="flat" cmpd="sng" algn="ctr">
+        <a:solidFill>
+          <a:schemeClr val="tx1">
+            <a:lumMod val="35000"/>
+            <a:lumOff val="65000"/>
+          </a:schemeClr>
+        </a:solidFill>
+        <a:round/>
+      </a:ln>
+    </cs:spPr>
+  </cs:leaderLine>
+  <cs:legend>
+    <cs:lnRef idx="0"/>
+    <cs:fillRef idx="0"/>
+    <cs:effectRef idx="0"/>
+    <cs:fontRef idx="minor">
+      <a:schemeClr val="tx1">
+        <a:lumMod val="65000"/>
+        <a:lumOff val="35000"/>
+      </a:schemeClr>
+    </cs:fontRef>
+    <cs:defRPr sz="1197" kern="1200"/>
+  </cs:legend>
+  <cs:plotArea mods="allowNoFillOverride allowNoLineOverride">
+    <cs:lnRef idx="0"/>
+    <cs:fillRef idx="0"/>
+    <cs:effectRef idx="0"/>
+    <cs:fontRef idx="minor">
+      <a:schemeClr val="tx1"/>
+    </cs:fontRef>
+  </cs:plotArea>
+  <cs:plotArea3D mods="allowNoFillOverride allowNoLineOverride">
+    <cs:lnRef idx="0"/>
+    <cs:fillRef idx="0"/>
+    <cs:effectRef idx="0"/>
+    <cs:fontRef idx="minor">
+      <a:schemeClr val="tx1"/>
+    </cs:fontRef>
+  </cs:plotArea3D>
+  <cs:seriesAxis>
+    <cs:lnRef idx="0"/>
+    <cs:fillRef idx="0"/>
+    <cs:effectRef idx="0"/>
+    <cs:fontRef idx="minor">
+      <a:schemeClr val="tx1">
+        <a:lumMod val="65000"/>
+        <a:lumOff val="35000"/>
+      </a:schemeClr>
+    </cs:fontRef>
+    <cs:defRPr sz="1197" kern="1200"/>
+  </cs:seriesAxis>
+  <cs:seriesLine>
+    <cs:lnRef idx="0"/>
+    <cs:fillRef idx="0"/>
+    <cs:effectRef idx="0"/>
+    <cs:fontRef idx="minor">
+      <a:schemeClr val="tx1"/>
+    </cs:fontRef>
+    <cs:spPr>
+      <a:ln w="9525" cap="flat" cmpd="sng" algn="ctr">
+        <a:solidFill>
+          <a:schemeClr val="tx1">
+            <a:lumMod val="35000"/>
+            <a:lumOff val="65000"/>
+          </a:schemeClr>
+        </a:solidFill>
+        <a:round/>
+      </a:ln>
+    </cs:spPr>
+  </cs:seriesLine>
+  <cs:title>
+    <cs:lnRef idx="0"/>
+    <cs:fillRef idx="0"/>
+    <cs:effectRef idx="0"/>
+    <cs:fontRef idx="minor">
+      <a:schemeClr val="tx1">
+        <a:lumMod val="65000"/>
+        <a:lumOff val="35000"/>
+      </a:schemeClr>
+    </cs:fontRef>
+    <cs:defRPr sz="1862" b="0" kern="1200" spc="0" baseline="0"/>
+  </cs:title>
+  <cs:trendline>
+    <cs:lnRef idx="0">
+      <cs:styleClr val="auto"/>
+    </cs:lnRef>
+    <cs:fillRef idx="0"/>
+    <cs:effectRef idx="0"/>
+    <cs:fontRef idx="minor">
+      <a:schemeClr val="tx1"/>
+    </cs:fontRef>
+    <cs:spPr>
+      <a:ln w="19050" cap="rnd">
+        <a:solidFill>
+          <a:schemeClr val="phClr"/>
+        </a:solidFill>
+        <a:prstDash val="sysDot"/>
+      </a:ln>
+    </cs:spPr>
+  </cs:trendline>
+  <cs:trendlineLabel>
+    <cs:lnRef idx="0"/>
+    <cs:fillRef idx="0"/>
+    <cs:effectRef idx="0"/>
+    <cs:fontRef idx="minor">
+      <a:schemeClr val="tx1">
+        <a:lumMod val="65000"/>
+        <a:lumOff val="35000"/>
+      </a:schemeClr>
+    </cs:fontRef>
+    <cs:defRPr sz="1197" kern="1200"/>
+  </cs:trendlineLabel>
+  <cs:upBar>
+    <cs:lnRef idx="0"/>
+    <cs:fillRef idx="0"/>
+    <cs:effectRef idx="0"/>
+    <cs:fontRef idx="minor">
+      <a:schemeClr val="dk1"/>
+    </cs:fontRef>
+    <cs:spPr>
+      <a:solidFill>
+        <a:schemeClr val="lt1"/>
+      </a:solidFill>
+      <a:ln w="9525">
+        <a:solidFill>
+          <a:schemeClr val="tx1">
+            <a:lumMod val="15000"/>
+            <a:lumOff val="85000"/>
+          </a:schemeClr>
+        </a:solidFill>
+      </a:ln>
+    </cs:spPr>
+  </cs:upBar>
+  <cs:valueAxis>
+    <cs:lnRef idx="0"/>
+    <cs:fillRef idx="0"/>
+    <cs:effectRef idx="0"/>
+    <cs:fontRef idx="minor">
+      <a:schemeClr val="tx1">
+        <a:lumMod val="65000"/>
+        <a:lumOff val="35000"/>
+      </a:schemeClr>
+    </cs:fontRef>
+    <cs:defRPr sz="1197" kern="1200"/>
+  </cs:valueAxis>
+  <cs:wall>
+    <cs:lnRef idx="0"/>
+    <cs:fillRef idx="0"/>
+    <cs:effectRef idx="0"/>
+    <cs:fontRef idx="minor">
+      <a:schemeClr val="tx1"/>
+    </cs:fontRef>
+    <cs:spPr>
+      <a:noFill/>
+      <a:ln>
+        <a:noFill/>
+      </a:ln>
+    </cs:spPr>
+  </cs:wall>
+</cs:chartStyle>
+</file>
+
+<file path=ppt/charts/style2.xml><?xml version="1.0" encoding="utf-8"?>
+<cs:chartStyle xmlns:cs="http://schemas.microsoft.com/office/drawing/2012/chartStyle" xmlns:a="http://schemas.openxmlformats.org/drawingml/2006/main" id="227">
+  <cs:axisTitle>
+    <cs:lnRef idx="0"/>
+    <cs:fillRef idx="0"/>
+    <cs:effectRef idx="0"/>
+    <cs:fontRef idx="minor">
+      <a:schemeClr val="tx1">
+        <a:lumMod val="65000"/>
+        <a:lumOff val="35000"/>
+      </a:schemeClr>
+    </cs:fontRef>
+    <cs:defRPr sz="1330" kern="1200"/>
+  </cs:axisTitle>
+  <cs:categoryAxis>
+    <cs:lnRef idx="0"/>
+    <cs:fillRef idx="0"/>
+    <cs:effectRef idx="0"/>
+    <cs:fontRef idx="minor">
+      <a:schemeClr val="tx1">
+        <a:lumMod val="65000"/>
+        <a:lumOff val="35000"/>
+      </a:schemeClr>
+    </cs:fontRef>
+    <cs:spPr>
+      <a:ln w="9525" cap="flat" cmpd="sng" algn="ctr">
+        <a:solidFill>
+          <a:schemeClr val="tx1">
+            <a:lumMod val="15000"/>
+            <a:lumOff val="85000"/>
+          </a:schemeClr>
+        </a:solidFill>
+        <a:round/>
+      </a:ln>
+    </cs:spPr>
+    <cs:defRPr sz="1197" kern="1200"/>
+  </cs:categoryAxis>
+  <cs:chartArea mods="allowNoFillOverride allowNoLineOverride">
+    <cs:lnRef idx="0"/>
+    <cs:fillRef idx="0"/>
+    <cs:effectRef idx="0"/>
+    <cs:fontRef idx="minor">
+      <a:schemeClr val="tx1"/>
+    </cs:fontRef>
+    <cs:spPr>
+      <a:solidFill>
+        <a:schemeClr val="bg1"/>
+      </a:solidFill>
+      <a:ln w="9525" cap="flat" cmpd="sng" algn="ctr">
+        <a:solidFill>
+          <a:schemeClr val="tx1">
+            <a:lumMod val="15000"/>
+            <a:lumOff val="85000"/>
+          </a:schemeClr>
+        </a:solidFill>
+        <a:round/>
+      </a:ln>
+    </cs:spPr>
+    <cs:defRPr sz="1330" kern="1200"/>
+  </cs:chartArea>
+  <cs:dataLabel>
+    <cs:lnRef idx="0"/>
+    <cs:fillRef idx="0"/>
+    <cs:effectRef idx="0"/>
+    <cs:fontRef idx="minor">
+      <a:schemeClr val="tx1">
+        <a:lumMod val="75000"/>
+        <a:lumOff val="25000"/>
+      </a:schemeClr>
+    </cs:fontRef>
+    <cs:defRPr sz="1197" kern="1200"/>
+  </cs:dataLabel>
+  <cs:dataLabelCallout>
+    <cs:lnRef idx="0"/>
+    <cs:fillRef idx="0"/>
+    <cs:effectRef idx="0"/>
+    <cs:fontRef idx="minor">
+      <a:schemeClr val="dk1">
+        <a:lumMod val="65000"/>
+        <a:lumOff val="35000"/>
+      </a:schemeClr>
+    </cs:fontRef>
+    <cs:spPr>
+      <a:solidFill>
+        <a:schemeClr val="lt1"/>
+      </a:solidFill>
+      <a:ln>
+        <a:solidFill>
+          <a:schemeClr val="dk1">
+            <a:lumMod val="25000"/>
+            <a:lumOff val="75000"/>
+          </a:schemeClr>
+        </a:solidFill>
+      </a:ln>
+    </cs:spPr>
+    <cs:defRPr sz="1197" kern="1200"/>
+    <cs:bodyPr rot="0" spcFirstLastPara="1" vertOverflow="clip" horzOverflow="clip" vert="horz" wrap="square" lIns="36576" tIns="18288" rIns="36576" bIns="18288" anchor="ctr" anchorCtr="1">
+      <a:spAutoFit/>
+    </cs:bodyPr>
+  </cs:dataLabelCallout>
+  <cs:dataPoint>
+    <cs:lnRef idx="0"/>
+    <cs:fillRef idx="1">
+      <cs:styleClr val="auto"/>
+    </cs:fillRef>
+    <cs:effectRef idx="0"/>
+    <cs:fontRef idx="minor">
+      <a:schemeClr val="tx1"/>
+    </cs:fontRef>
+    <cs:spPr>
+      <a:solidFill>
+        <a:schemeClr val="phClr"/>
+      </a:solidFill>
+    </cs:spPr>
+  </cs:dataPoint>
+  <cs:dataPoint3D>
+    <cs:lnRef idx="0"/>
+    <cs:fillRef idx="1">
+      <cs:styleClr val="auto"/>
+    </cs:fillRef>
+    <cs:effectRef idx="0"/>
+    <cs:fontRef idx="minor">
+      <a:schemeClr val="tx1"/>
+    </cs:fontRef>
+    <cs:spPr>
+      <a:solidFill>
+        <a:schemeClr val="phClr"/>
+      </a:solidFill>
+    </cs:spPr>
+  </cs:dataPoint3D>
+  <cs:dataPointLine>
+    <cs:lnRef idx="0">
+      <cs:styleClr val="auto"/>
+    </cs:lnRef>
+    <cs:fillRef idx="1"/>
+    <cs:effectRef idx="0"/>
+    <cs:fontRef idx="minor">
+      <a:schemeClr val="tx1"/>
+    </cs:fontRef>
+    <cs:spPr>
+      <a:ln w="28575" cap="rnd">
+        <a:solidFill>
+          <a:schemeClr val="phClr"/>
+        </a:solidFill>
+        <a:round/>
+      </a:ln>
+    </cs:spPr>
+  </cs:dataPointLine>
+  <cs:dataPointMarker>
+    <cs:lnRef idx="0">
+      <cs:styleClr val="auto"/>
+    </cs:lnRef>
+    <cs:fillRef idx="1">
+      <cs:styleClr val="auto"/>
+    </cs:fillRef>
+    <cs:effectRef idx="0"/>
+    <cs:fontRef idx="minor">
+      <a:schemeClr val="tx1"/>
+    </cs:fontRef>
+    <cs:spPr>
+      <a:solidFill>
+        <a:schemeClr val="phClr"/>
+      </a:solidFill>
+      <a:ln w="9525">
+        <a:solidFill>
+          <a:schemeClr val="phClr"/>
+        </a:solidFill>
+      </a:ln>
+    </cs:spPr>
+  </cs:dataPointMarker>
+  <cs:dataPointMarkerLayout symbol="circle" size="5"/>
+  <cs:dataPointWireframe>
+    <cs:lnRef idx="0">
+      <cs:styleClr val="auto"/>
+    </cs:lnRef>
+    <cs:fillRef idx="1"/>
+    <cs:effectRef idx="0"/>
+    <cs:fontRef idx="minor">
+      <a:schemeClr val="tx1"/>
+    </cs:fontRef>
+    <cs:spPr>
+      <a:ln w="9525" cap="rnd">
+        <a:solidFill>
+          <a:schemeClr val="phClr"/>
+        </a:solidFill>
+        <a:round/>
+      </a:ln>
+    </cs:spPr>
+  </cs:dataPointWireframe>
+  <cs:dataTable>
+    <cs:lnRef idx="0"/>
+    <cs:fillRef idx="0"/>
+    <cs:effectRef idx="0"/>
+    <cs:fontRef idx="minor">
+      <a:schemeClr val="tx1">
+        <a:lumMod val="65000"/>
+        <a:lumOff val="35000"/>
+      </a:schemeClr>
+    </cs:fontRef>
+    <cs:spPr>
+      <a:noFill/>
+      <a:ln w="9525" cap="flat" cmpd="sng" algn="ctr">
+        <a:solidFill>
+          <a:schemeClr val="tx1">
+            <a:lumMod val="15000"/>
+            <a:lumOff val="85000"/>
+          </a:schemeClr>
+        </a:solidFill>
+        <a:round/>
+      </a:ln>
+    </cs:spPr>
+    <cs:defRPr sz="1197" kern="1200"/>
+  </cs:dataTable>
+  <cs:downBar>
+    <cs:lnRef idx="0"/>
+    <cs:fillRef idx="0"/>
+    <cs:effectRef idx="0"/>
+    <cs:fontRef idx="minor">
+      <a:schemeClr val="dk1"/>
+    </cs:fontRef>
+    <cs:spPr>
+      <a:solidFill>
+        <a:schemeClr val="dk1">
+          <a:lumMod val="65000"/>
+          <a:lumOff val="35000"/>
+        </a:schemeClr>
+      </a:solidFill>
+      <a:ln w="9525">
+        <a:solidFill>
+          <a:schemeClr val="tx1">
+            <a:lumMod val="65000"/>
+            <a:lumOff val="35000"/>
+          </a:schemeClr>
+        </a:solidFill>
+      </a:ln>
+    </cs:spPr>
+  </cs:downBar>
+  <cs:dropLine>
+    <cs:lnRef idx="0"/>
+    <cs:fillRef idx="0"/>
+    <cs:effectRef idx="0"/>
+    <cs:fontRef idx="minor">
+      <a:schemeClr val="tx1"/>
+    </cs:fontRef>
+    <cs:spPr>
+      <a:ln w="9525" cap="flat" cmpd="sng" algn="ctr">
+        <a:solidFill>
+          <a:schemeClr val="tx1">
+            <a:lumMod val="35000"/>
+            <a:lumOff val="65000"/>
+          </a:schemeClr>
+        </a:solidFill>
+        <a:round/>
+      </a:ln>
+    </cs:spPr>
+  </cs:dropLine>
+  <cs:errorBar>
+    <cs:lnRef idx="0"/>
+    <cs:fillRef idx="0"/>
+    <cs:effectRef idx="0"/>
+    <cs:fontRef idx="minor">
+      <a:schemeClr val="tx1"/>
+    </cs:fontRef>
+    <cs:spPr>
+      <a:ln w="9525" cap="flat" cmpd="sng" algn="ctr">
+        <a:solidFill>
+          <a:schemeClr val="tx1">
+            <a:lumMod val="65000"/>
+            <a:lumOff val="35000"/>
+          </a:schemeClr>
+        </a:solidFill>
+        <a:round/>
+      </a:ln>
+    </cs:spPr>
+  </cs:errorBar>
+  <cs:floor>
+    <cs:lnRef idx="0"/>
+    <cs:fillRef idx="0"/>
+    <cs:effectRef idx="0"/>
+    <cs:fontRef idx="minor">
+      <a:schemeClr val="tx1"/>
+    </cs:fontRef>
+    <cs:spPr>
+      <a:noFill/>
+      <a:ln>
+        <a:noFill/>
+      </a:ln>
+    </cs:spPr>
+  </cs:floor>
+  <cs:gridlineMajor>
+    <cs:lnRef idx="0"/>
+    <cs:fillRef idx="0"/>
+    <cs:effectRef idx="0"/>
+    <cs:fontRef idx="minor">
+      <a:schemeClr val="tx1"/>
+    </cs:fontRef>
+    <cs:spPr>
+      <a:ln w="9525" cap="flat" cmpd="sng" algn="ctr">
+        <a:solidFill>
+          <a:schemeClr val="tx1">
+            <a:lumMod val="15000"/>
+            <a:lumOff val="85000"/>
+          </a:schemeClr>
+        </a:solidFill>
+        <a:round/>
+      </a:ln>
+    </cs:spPr>
+  </cs:gridlineMajor>
+  <cs:gridlineMinor>
+    <cs:lnRef idx="0"/>
+    <cs:fillRef idx="0"/>
+    <cs:effectRef idx="0"/>
+    <cs:fontRef idx="minor">
+      <a:schemeClr val="tx1"/>
+    </cs:fontRef>
+    <cs:spPr>
+      <a:ln w="9525" cap="flat" cmpd="sng" algn="ctr">
+        <a:solidFill>
+          <a:schemeClr val="tx1">
+            <a:lumMod val="5000"/>
+            <a:lumOff val="95000"/>
+          </a:schemeClr>
+        </a:solidFill>
+        <a:round/>
+      </a:ln>
+    </cs:spPr>
+  </cs:gridlineMinor>
+  <cs:hiLoLine>
+    <cs:lnRef idx="0"/>
+    <cs:fillRef idx="0"/>
+    <cs:effectRef idx="0"/>
+    <cs:fontRef idx="minor">
+      <a:schemeClr val="tx1"/>
+    </cs:fontRef>
+    <cs:spPr>
+      <a:ln w="9525" cap="flat" cmpd="sng" algn="ctr">
+        <a:solidFill>
+          <a:schemeClr val="tx1">
+            <a:lumMod val="75000"/>
+            <a:lumOff val="25000"/>
+          </a:schemeClr>
+        </a:solidFill>
+        <a:round/>
+      </a:ln>
+    </cs:spPr>
+  </cs:hiLoLine>
+  <cs:leaderLine>
+    <cs:lnRef idx="0"/>
+    <cs:fillRef idx="0"/>
+    <cs:effectRef idx="0"/>
+    <cs:fontRef idx="minor">
+      <a:schemeClr val="tx1"/>
+    </cs:fontRef>
+    <cs:spPr>
+      <a:ln w="9525" cap="flat" cmpd="sng" algn="ctr">
+        <a:solidFill>
+          <a:schemeClr val="tx1">
+            <a:lumMod val="35000"/>
+            <a:lumOff val="65000"/>
+          </a:schemeClr>
+        </a:solidFill>
+        <a:round/>
+      </a:ln>
+    </cs:spPr>
+  </cs:leaderLine>
+  <cs:legend>
+    <cs:lnRef idx="0"/>
+    <cs:fillRef idx="0"/>
+    <cs:effectRef idx="0"/>
+    <cs:fontRef idx="minor">
+      <a:schemeClr val="tx1">
+        <a:lumMod val="65000"/>
+        <a:lumOff val="35000"/>
+      </a:schemeClr>
+    </cs:fontRef>
+    <cs:defRPr sz="1197" kern="1200"/>
+  </cs:legend>
+  <cs:plotArea mods="allowNoFillOverride allowNoLineOverride">
+    <cs:lnRef idx="0"/>
+    <cs:fillRef idx="0"/>
+    <cs:effectRef idx="0"/>
+    <cs:fontRef idx="minor">
+      <a:schemeClr val="tx1"/>
+    </cs:fontRef>
+  </cs:plotArea>
+  <cs:plotArea3D mods="allowNoFillOverride allowNoLineOverride">
+    <cs:lnRef idx="0"/>
+    <cs:fillRef idx="0"/>
+    <cs:effectRef idx="0"/>
+    <cs:fontRef idx="minor">
+      <a:schemeClr val="tx1"/>
+    </cs:fontRef>
+  </cs:plotArea3D>
+  <cs:seriesAxis>
+    <cs:lnRef idx="0"/>
+    <cs:fillRef idx="0"/>
+    <cs:effectRef idx="0"/>
+    <cs:fontRef idx="minor">
+      <a:schemeClr val="tx1">
+        <a:lumMod val="65000"/>
+        <a:lumOff val="35000"/>
+      </a:schemeClr>
+    </cs:fontRef>
+    <cs:defRPr sz="1197" kern="1200"/>
+  </cs:seriesAxis>
+  <cs:seriesLine>
+    <cs:lnRef idx="0"/>
+    <cs:fillRef idx="0"/>
+    <cs:effectRef idx="0"/>
+    <cs:fontRef idx="minor">
+      <a:schemeClr val="tx1"/>
+    </cs:fontRef>
+    <cs:spPr>
+      <a:ln w="9525" cap="flat" cmpd="sng" algn="ctr">
+        <a:solidFill>
+          <a:schemeClr val="tx1">
+            <a:lumMod val="35000"/>
+            <a:lumOff val="65000"/>
+          </a:schemeClr>
+        </a:solidFill>
+        <a:round/>
+      </a:ln>
+    </cs:spPr>
+  </cs:seriesLine>
+  <cs:title>
+    <cs:lnRef idx="0"/>
+    <cs:fillRef idx="0"/>
+    <cs:effectRef idx="0"/>
+    <cs:fontRef idx="minor">
+      <a:schemeClr val="tx1">
+        <a:lumMod val="65000"/>
+        <a:lumOff val="35000"/>
+      </a:schemeClr>
+    </cs:fontRef>
+    <cs:defRPr sz="1862" b="0" kern="1200" spc="0" baseline="0"/>
+  </cs:title>
+  <cs:trendline>
+    <cs:lnRef idx="0">
+      <cs:styleClr val="auto"/>
+    </cs:lnRef>
+    <cs:fillRef idx="0"/>
+    <cs:effectRef idx="0"/>
+    <cs:fontRef idx="minor">
+      <a:schemeClr val="tx1"/>
+    </cs:fontRef>
+    <cs:spPr>
+      <a:ln w="19050" cap="rnd">
+        <a:solidFill>
+          <a:schemeClr val="phClr"/>
+        </a:solidFill>
+        <a:prstDash val="sysDot"/>
+      </a:ln>
+    </cs:spPr>
+  </cs:trendline>
+  <cs:trendlineLabel>
+    <cs:lnRef idx="0"/>
+    <cs:fillRef idx="0"/>
+    <cs:effectRef idx="0"/>
+    <cs:fontRef idx="minor">
+      <a:schemeClr val="tx1">
+        <a:lumMod val="65000"/>
+        <a:lumOff val="35000"/>
+      </a:schemeClr>
+    </cs:fontRef>
+    <cs:defRPr sz="1197" kern="1200"/>
+  </cs:trendlineLabel>
+  <cs:upBar>
+    <cs:lnRef idx="0"/>
+    <cs:fillRef idx="0"/>
+    <cs:effectRef idx="0"/>
+    <cs:fontRef idx="minor">
+      <a:schemeClr val="dk1"/>
+    </cs:fontRef>
+    <cs:spPr>
+      <a:solidFill>
+        <a:schemeClr val="lt1"/>
+      </a:solidFill>
+      <a:ln w="9525">
+        <a:solidFill>
+          <a:schemeClr val="tx1">
+            <a:lumMod val="15000"/>
+            <a:lumOff val="85000"/>
+          </a:schemeClr>
+        </a:solidFill>
+      </a:ln>
+    </cs:spPr>
+  </cs:upBar>
+  <cs:valueAxis>
+    <cs:lnRef idx="0"/>
+    <cs:fillRef idx="0"/>
+    <cs:effectRef idx="0"/>
+    <cs:fontRef idx="minor">
+      <a:schemeClr val="tx1">
+        <a:lumMod val="65000"/>
+        <a:lumOff val="35000"/>
+      </a:schemeClr>
+    </cs:fontRef>
+    <cs:defRPr sz="1197" kern="1200"/>
+  </cs:valueAxis>
+  <cs:wall>
+    <cs:lnRef idx="0"/>
+    <cs:fillRef idx="0"/>
+    <cs:effectRef idx="0"/>
+    <cs:fontRef idx="minor">
+      <a:schemeClr val="tx1"/>
+    </cs:fontRef>
+    <cs:spPr>
+      <a:noFill/>
+      <a:ln>
+        <a:noFill/>
+      </a:ln>
+    </cs:spPr>
+  </cs:wall>
+</cs:chartStyle>
+</file>
+
+<file path=ppt/notesMasters/notesMaster1.xml><?xml version="1.0" encoding="utf-8"?>
+<p:notesMaster xmlns:a="http://schemas.openxmlformats.org/drawingml/2006/main" xmlns:r="http://schemas.openxmlformats.org/officeDocument/2006/relationships" xmlns:p="http://schemas.openxmlformats.org/presentationml/2006/main">
+  <p:cSld>
+    <p:bg>
+      <p:bgRef idx="1001">
+        <a:schemeClr val="bg1"/>
+      </p:bgRef>
+    </p:bg>
+    <p:spTree>
+      <p:nvGrpSpPr>
+        <p:cNvPr id="1" name=""/>
+        <p:cNvGrpSpPr/>
+        <p:nvPr/>
+      </p:nvGrpSpPr>
+      <p:grpSpPr>
+        <a:xfrm>
+          <a:off x="0" y="0"/>
+          <a:ext cx="0" cy="0"/>
+          <a:chOff x="0" y="0"/>
+          <a:chExt cx="0" cy="0"/>
+        </a:xfrm>
+      </p:grpSpPr>
+      <p:sp>
+        <p:nvSpPr>
+          <p:cNvPr id="2" name="页眉占位符 1"/>
+          <p:cNvSpPr>
+            <a:spLocks noGrp="1"/>
+          </p:cNvSpPr>
+          <p:nvPr>
+            <p:ph type="hdr" sz="quarter"/>
+          </p:nvPr>
+        </p:nvSpPr>
+        <p:spPr>
+          <a:xfrm>
+            <a:off x="0" y="0"/>
+            <a:ext cx="2971800" cy="458788"/>
+          </a:xfrm>
+          <a:prstGeom prst="rect">
+            <a:avLst/>
+          </a:prstGeom>
+        </p:spPr>
+        <p:txBody>
+          <a:bodyPr vert="horz" lIns="91440" tIns="45720" rIns="91440" bIns="45720" rtlCol="0"/>
+          <a:lstStyle>
+            <a:lvl1pPr algn="l">
+              <a:defRPr sz="1200"/>
+            </a:lvl1pPr>
+          </a:lstStyle>
+          <a:p>
+            <a:endParaRPr lang="zh-CN" altLang="en-US"/>
+          </a:p>
+        </p:txBody>
+      </p:sp>
+      <p:sp>
+        <p:nvSpPr>
+          <p:cNvPr id="3" name="日期占位符 2"/>
+          <p:cNvSpPr>
+            <a:spLocks noGrp="1"/>
+          </p:cNvSpPr>
+          <p:nvPr>
+            <p:ph type="dt" idx="1"/>
+          </p:nvPr>
+        </p:nvSpPr>
+        <p:spPr>
+          <a:xfrm>
+            <a:off x="3884613" y="0"/>
+            <a:ext cx="2971800" cy="458788"/>
+          </a:xfrm>
+          <a:prstGeom prst="rect">
+            <a:avLst/>
+          </a:prstGeom>
+        </p:spPr>
+        <p:txBody>
+          <a:bodyPr vert="horz" lIns="91440" tIns="45720" rIns="91440" bIns="45720" rtlCol="0"/>
+          <a:lstStyle>
+            <a:lvl1pPr algn="r">
+              <a:defRPr sz="1200"/>
+            </a:lvl1pPr>
+          </a:lstStyle>
+          <a:p>
+            <a:fld id="{C4F60814-C018-4E5B-A0CA-0B74E1BD4C5C}" type="datetimeFigureOut">
+              <a:rPr lang="zh-CN" altLang="en-US" smtClean="0"/>
+              <a:t>2020/6/7</a:t>
+            </a:fld>
+            <a:endParaRPr lang="zh-CN" altLang="en-US"/>
+          </a:p>
+        </p:txBody>
+      </p:sp>
+      <p:sp>
+        <p:nvSpPr>
+          <p:cNvPr id="4" name="幻灯片图像占位符 3"/>
+          <p:cNvSpPr>
+            <a:spLocks noGrp="1" noRot="1" noChangeAspect="1"/>
+          </p:cNvSpPr>
+          <p:nvPr>
+            <p:ph type="sldImg" idx="2"/>
+          </p:nvPr>
+        </p:nvSpPr>
+        <p:spPr>
+          <a:xfrm>
+            <a:off x="685800" y="1143000"/>
+            <a:ext cx="5486400" cy="3086100"/>
+          </a:xfrm>
+          <a:prstGeom prst="rect">
+            <a:avLst/>
+          </a:prstGeom>
+          <a:noFill/>
+          <a:ln w="12700">
+            <a:solidFill>
+              <a:prstClr val="black"/>
+            </a:solidFill>
+          </a:ln>
+        </p:spPr>
+        <p:txBody>
+          <a:bodyPr vert="horz" lIns="91440" tIns="45720" rIns="91440" bIns="45720" rtlCol="0" anchor="ctr"/>
+          <a:lstStyle/>
+          <a:p>
+            <a:endParaRPr lang="zh-CN" altLang="en-US"/>
+          </a:p>
+        </p:txBody>
+      </p:sp>
+      <p:sp>
+        <p:nvSpPr>
+          <p:cNvPr id="5" name="备注占位符 4"/>
+          <p:cNvSpPr>
+            <a:spLocks noGrp="1"/>
+          </p:cNvSpPr>
+          <p:nvPr>
+            <p:ph type="body" sz="quarter" idx="3"/>
+          </p:nvPr>
+        </p:nvSpPr>
+        <p:spPr>
+          <a:xfrm>
+            <a:off x="685800" y="4400550"/>
+            <a:ext cx="5486400" cy="3600450"/>
+          </a:xfrm>
+          <a:prstGeom prst="rect">
+            <a:avLst/>
+          </a:prstGeom>
+        </p:spPr>
+        <p:txBody>
+          <a:bodyPr vert="horz" lIns="91440" tIns="45720" rIns="91440" bIns="45720" rtlCol="0"/>
+          <a:lstStyle/>
+          <a:p>
+            <a:pPr lvl="0"/>
+            <a:r>
+              <a:rPr lang="zh-CN" altLang="en-US" smtClean="0"/>
+              <a:t>编辑母版文本样式</a:t>
+            </a:r>
+          </a:p>
+          <a:p>
+            <a:pPr lvl="1"/>
+            <a:r>
+              <a:rPr lang="zh-CN" altLang="en-US" smtClean="0"/>
+              <a:t>第二级</a:t>
+            </a:r>
+          </a:p>
+          <a:p>
+            <a:pPr lvl="2"/>
+            <a:r>
+              <a:rPr lang="zh-CN" altLang="en-US" smtClean="0"/>
+              <a:t>第三级</a:t>
+            </a:r>
+          </a:p>
+          <a:p>
+            <a:pPr lvl="3"/>
+            <a:r>
+              <a:rPr lang="zh-CN" altLang="en-US" smtClean="0"/>
+              <a:t>第四级</a:t>
+            </a:r>
+          </a:p>
+          <a:p>
+            <a:pPr lvl="4"/>
+            <a:r>
+              <a:rPr lang="zh-CN" altLang="en-US" smtClean="0"/>
+              <a:t>第五级</a:t>
+            </a:r>
+            <a:endParaRPr lang="zh-CN" altLang="en-US"/>
+          </a:p>
+        </p:txBody>
+      </p:sp>
+      <p:sp>
+        <p:nvSpPr>
+          <p:cNvPr id="6" name="页脚占位符 5"/>
+          <p:cNvSpPr>
+            <a:spLocks noGrp="1"/>
+          </p:cNvSpPr>
+          <p:nvPr>
+            <p:ph type="ftr" sz="quarter" idx="4"/>
+          </p:nvPr>
+        </p:nvSpPr>
+        <p:spPr>
+          <a:xfrm>
+            <a:off x="0" y="8685213"/>
+            <a:ext cx="2971800" cy="458787"/>
+          </a:xfrm>
+          <a:prstGeom prst="rect">
+            <a:avLst/>
+          </a:prstGeom>
+        </p:spPr>
+        <p:txBody>
+          <a:bodyPr vert="horz" lIns="91440" tIns="45720" rIns="91440" bIns="45720" rtlCol="0" anchor="b"/>
+          <a:lstStyle>
+            <a:lvl1pPr algn="l">
+              <a:defRPr sz="1200"/>
+            </a:lvl1pPr>
+          </a:lstStyle>
+          <a:p>
+            <a:endParaRPr lang="zh-CN" altLang="en-US"/>
+          </a:p>
+        </p:txBody>
+      </p:sp>
+      <p:sp>
+        <p:nvSpPr>
+          <p:cNvPr id="7" name="灯片编号占位符 6"/>
+          <p:cNvSpPr>
+            <a:spLocks noGrp="1"/>
+          </p:cNvSpPr>
+          <p:nvPr>
+            <p:ph type="sldNum" sz="quarter" idx="5"/>
+          </p:nvPr>
+        </p:nvSpPr>
+        <p:spPr>
+          <a:xfrm>
+            <a:off x="3884613" y="8685213"/>
+            <a:ext cx="2971800" cy="458787"/>
+          </a:xfrm>
+          <a:prstGeom prst="rect">
+            <a:avLst/>
+          </a:prstGeom>
+        </p:spPr>
+        <p:txBody>
+          <a:bodyPr vert="horz" lIns="91440" tIns="45720" rIns="91440" bIns="45720" rtlCol="0" anchor="b"/>
+          <a:lstStyle>
+            <a:lvl1pPr algn="r">
+              <a:defRPr sz="1200"/>
+            </a:lvl1pPr>
+          </a:lstStyle>
+          <a:p>
+            <a:fld id="{D7A39E9E-8794-4E34-8373-443DC9DBEF85}" type="slidenum">
+              <a:rPr lang="zh-CN" altLang="en-US" smtClean="0"/>
+              <a:t>‹#›</a:t>
+            </a:fld>
+            <a:endParaRPr lang="zh-CN" altLang="en-US"/>
+          </a:p>
+        </p:txBody>
+      </p:sp>
+    </p:spTree>
+    <p:extLst>
+      <p:ext uri="{BB962C8B-B14F-4D97-AF65-F5344CB8AC3E}">
+        <p14:creationId xmlns:p14="http://schemas.microsoft.com/office/powerpoint/2010/main" val="3573877045"/>
+      </p:ext>
+    </p:extLst>
+  </p:cSld>
+  <p:clrMap bg1="lt1" tx1="dk1" bg2="lt2" tx2="dk2" accent1="accent1" accent2="accent2" accent3="accent3" accent4="accent4" accent5="accent5" accent6="accent6" hlink="hlink" folHlink="folHlink"/>
+  <p:notesStyle>
+    <a:lvl1pPr marL="0" algn="l" defTabSz="914400" rtl="0" eaLnBrk="1" latinLnBrk="0" hangingPunct="1">
+      <a:defRPr sz="1200" kern="1200">
+        <a:solidFill>
+          <a:schemeClr val="tx1"/>
+        </a:solidFill>
+        <a:latin typeface="+mn-lt"/>
+        <a:ea typeface="+mn-ea"/>
+        <a:cs typeface="+mn-cs"/>
+      </a:defRPr>
+    </a:lvl1pPr>
+    <a:lvl2pPr marL="457200" algn="l" defTabSz="914400" rtl="0" eaLnBrk="1" latinLnBrk="0" hangingPunct="1">
+      <a:defRPr sz="1200" kern="1200">
+        <a:solidFill>
+          <a:schemeClr val="tx1"/>
+        </a:solidFill>
+        <a:latin typeface="+mn-lt"/>
+        <a:ea typeface="+mn-ea"/>
+        <a:cs typeface="+mn-cs"/>
+      </a:defRPr>
+    </a:lvl2pPr>
+    <a:lvl3pPr marL="914400" algn="l" defTabSz="914400" rtl="0" eaLnBrk="1" latinLnBrk="0" hangingPunct="1">
+      <a:defRPr sz="1200" kern="1200">
+        <a:solidFill>
+          <a:schemeClr val="tx1"/>
+        </a:solidFill>
+        <a:latin typeface="+mn-lt"/>
+        <a:ea typeface="+mn-ea"/>
+        <a:cs typeface="+mn-cs"/>
+      </a:defRPr>
+    </a:lvl3pPr>
+    <a:lvl4pPr marL="1371600" algn="l" defTabSz="914400" rtl="0" eaLnBrk="1" latinLnBrk="0" hangingPunct="1">
+      <a:defRPr sz="1200" kern="1200">
+        <a:solidFill>
+          <a:schemeClr val="tx1"/>
+        </a:solidFill>
+        <a:latin typeface="+mn-lt"/>
+        <a:ea typeface="+mn-ea"/>
+        <a:cs typeface="+mn-cs"/>
+      </a:defRPr>
+    </a:lvl4pPr>
+    <a:lvl5pPr marL="1828800" algn="l" defTabSz="914400" rtl="0" eaLnBrk="1" latinLnBrk="0" hangingPunct="1">
+      <a:defRPr sz="1200" kern="1200">
+        <a:solidFill>
+          <a:schemeClr val="tx1"/>
+        </a:solidFill>
+        <a:latin typeface="+mn-lt"/>
+        <a:ea typeface="+mn-ea"/>
+        <a:cs typeface="+mn-cs"/>
+      </a:defRPr>
+    </a:lvl5pPr>
+    <a:lvl6pPr marL="2286000" algn="l" defTabSz="914400" rtl="0" eaLnBrk="1" latinLnBrk="0" hangingPunct="1">
+      <a:defRPr sz="1200" kern="1200">
+        <a:solidFill>
+          <a:schemeClr val="tx1"/>
+        </a:solidFill>
+        <a:latin typeface="+mn-lt"/>
+        <a:ea typeface="+mn-ea"/>
+        <a:cs typeface="+mn-cs"/>
+      </a:defRPr>
+    </a:lvl6pPr>
+    <a:lvl7pPr marL="2743200" algn="l" defTabSz="914400" rtl="0" eaLnBrk="1" latinLnBrk="0" hangingPunct="1">
+      <a:defRPr sz="1200" kern="1200">
+        <a:solidFill>
+          <a:schemeClr val="tx1"/>
+        </a:solidFill>
+        <a:latin typeface="+mn-lt"/>
+        <a:ea typeface="+mn-ea"/>
+        <a:cs typeface="+mn-cs"/>
+      </a:defRPr>
+    </a:lvl7pPr>
+    <a:lvl8pPr marL="3200400" algn="l" defTabSz="914400" rtl="0" eaLnBrk="1" latinLnBrk="0" hangingPunct="1">
+      <a:defRPr sz="1200" kern="1200">
+        <a:solidFill>
+          <a:schemeClr val="tx1"/>
+        </a:solidFill>
+        <a:latin typeface="+mn-lt"/>
+        <a:ea typeface="+mn-ea"/>
+        <a:cs typeface="+mn-cs"/>
+      </a:defRPr>
+    </a:lvl8pPr>
+    <a:lvl9pPr marL="3657600" algn="l" defTabSz="914400" rtl="0" eaLnBrk="1" latinLnBrk="0" hangingPunct="1">
+      <a:defRPr sz="1200" kern="1200">
+        <a:solidFill>
+          <a:schemeClr val="tx1"/>
+        </a:solidFill>
+        <a:latin typeface="+mn-lt"/>
+        <a:ea typeface="+mn-ea"/>
+        <a:cs typeface="+mn-cs"/>
+      </a:defRPr>
+    </a:lvl9pPr>
+  </p:notesStyle>
+</p:notesMaster>
+</file>
+
+<file path=ppt/notesSlides/notesSlide1.xml><?xml version="1.0" encoding="utf-8"?>
+<p:notes xmlns:a="http://schemas.openxmlformats.org/drawingml/2006/main" xmlns:r="http://schemas.openxmlformats.org/officeDocument/2006/relationships" xmlns:p="http://schemas.openxmlformats.org/presentationml/2006/main">
+  <p:cSld>
+    <p:spTree>
+      <p:nvGrpSpPr>
+        <p:cNvPr id="1" name=""/>
+        <p:cNvGrpSpPr/>
+        <p:nvPr/>
+      </p:nvGrpSpPr>
+      <p:grpSpPr>
+        <a:xfrm>
+          <a:off x="0" y="0"/>
+          <a:ext cx="0" cy="0"/>
+          <a:chOff x="0" y="0"/>
+          <a:chExt cx="0" cy="0"/>
+        </a:xfrm>
+      </p:grpSpPr>
+      <p:sp>
+        <p:nvSpPr>
+          <p:cNvPr id="2" name="幻灯片图像占位符 1"/>
+          <p:cNvSpPr>
+            <a:spLocks noGrp="1" noRot="1" noChangeAspect="1"/>
+          </p:cNvSpPr>
+          <p:nvPr>
+            <p:ph type="sldImg"/>
+          </p:nvPr>
+        </p:nvSpPr>
+        <p:spPr/>
+      </p:sp>
+      <p:sp>
+        <p:nvSpPr>
+          <p:cNvPr id="3" name="备注占位符 2"/>
+          <p:cNvSpPr>
+            <a:spLocks noGrp="1"/>
+          </p:cNvSpPr>
+          <p:nvPr>
+            <p:ph type="body" idx="1"/>
+          </p:nvPr>
+        </p:nvSpPr>
+        <p:spPr/>
+        <p:txBody>
+          <a:bodyPr/>
+          <a:lstStyle/>
+          <a:p>
+            <a:endParaRPr lang="zh-CN" altLang="en-US" dirty="0"/>
+          </a:p>
+        </p:txBody>
+      </p:sp>
+      <p:sp>
+        <p:nvSpPr>
+          <p:cNvPr id="4" name="灯片编号占位符 3"/>
+          <p:cNvSpPr>
+            <a:spLocks noGrp="1"/>
+          </p:cNvSpPr>
+          <p:nvPr>
+            <p:ph type="sldNum" sz="quarter" idx="10"/>
+          </p:nvPr>
+        </p:nvSpPr>
+        <p:spPr/>
+        <p:txBody>
+          <a:bodyPr/>
+          <a:lstStyle/>
+          <a:p>
+            <a:fld id="{D7A39E9E-8794-4E34-8373-443DC9DBEF85}" type="slidenum">
+              <a:rPr lang="zh-CN" altLang="en-US" smtClean="0"/>
+              <a:t>3</a:t>
+            </a:fld>
+            <a:endParaRPr lang="zh-CN" altLang="en-US"/>
+          </a:p>
+        </p:txBody>
+      </p:sp>
+    </p:spTree>
+    <p:extLst>
+      <p:ext uri="{BB962C8B-B14F-4D97-AF65-F5344CB8AC3E}">
+        <p14:creationId xmlns:p14="http://schemas.microsoft.com/office/powerpoint/2010/main" val="2325914563"/>
+      </p:ext>
+    </p:extLst>
+  </p:cSld>
+  <p:clrMapOvr>
+    <a:masterClrMapping/>
+  </p:clrMapOvr>
+</p:notes>
 </file>
 
 <file path=ppt/slideLayouts/slideLayout1.xml><?xml version="1.0" encoding="utf-8"?>
@@ -271,7 +3023,7 @@
           <a:p>
             <a:fld id="{F4FEBF22-E17F-4FC7-9C07-3780E42CEAA2}" type="datetimeFigureOut">
               <a:rPr lang="zh-CN" altLang="en-US" smtClean="0"/>
-              <a:t>2020/6/6</a:t>
+              <a:t>2020/6/7</a:t>
             </a:fld>
             <a:endParaRPr lang="zh-CN" altLang="en-US"/>
           </a:p>
@@ -451,7 +3203,7 @@
           <a:p>
             <a:fld id="{F4FEBF22-E17F-4FC7-9C07-3780E42CEAA2}" type="datetimeFigureOut">
               <a:rPr lang="zh-CN" altLang="en-US" smtClean="0"/>
-              <a:t>2020/6/6</a:t>
+              <a:t>2020/6/7</a:t>
             </a:fld>
             <a:endParaRPr lang="zh-CN" altLang="en-US"/>
           </a:p>
@@ -513,8 +3265,16 @@
 </file>
 
 <file path=ppt/slideLayouts/slideLayout2.xml><?xml version="1.0" encoding="utf-8"?>
-<p:sldLayout xmlns:a="http://schemas.openxmlformats.org/drawingml/2006/main" xmlns:r="http://schemas.openxmlformats.org/officeDocument/2006/relationships" xmlns:p="http://schemas.openxmlformats.org/presentationml/2006/main" type="obj" preserve="1">
+<p:sldLayout xmlns:a="http://schemas.openxmlformats.org/drawingml/2006/main" xmlns:r="http://schemas.openxmlformats.org/officeDocument/2006/relationships" xmlns:p="http://schemas.openxmlformats.org/presentationml/2006/main" preserve="1" userDrawn="1">
   <p:cSld name="标题和内容">
+    <p:bg>
+      <p:bgPr>
+        <a:solidFill>
+          <a:srgbClr val="09152D"/>
+        </a:solidFill>
+        <a:effectLst/>
+      </p:bgPr>
+    </p:bg>
     <p:spTree>
       <p:nvGrpSpPr>
         <p:cNvPr id="1" name=""/>
@@ -529,146 +3289,6 @@
           <a:chExt cx="0" cy="0"/>
         </a:xfrm>
       </p:grpSpPr>
-      <p:sp>
-        <p:nvSpPr>
-          <p:cNvPr id="2" name="标题 1"/>
-          <p:cNvSpPr>
-            <a:spLocks noGrp="1"/>
-          </p:cNvSpPr>
-          <p:nvPr>
-            <p:ph type="title"/>
-          </p:nvPr>
-        </p:nvSpPr>
-        <p:spPr/>
-        <p:txBody>
-          <a:bodyPr/>
-          <a:lstStyle/>
-          <a:p>
-            <a:r>
-              <a:rPr lang="zh-CN" altLang="en-US" smtClean="0"/>
-              <a:t>单击此处编辑母版标题样式</a:t>
-            </a:r>
-            <a:endParaRPr lang="zh-CN" altLang="en-US"/>
-          </a:p>
-        </p:txBody>
-      </p:sp>
-      <p:sp>
-        <p:nvSpPr>
-          <p:cNvPr id="3" name="内容占位符 2"/>
-          <p:cNvSpPr>
-            <a:spLocks noGrp="1"/>
-          </p:cNvSpPr>
-          <p:nvPr>
-            <p:ph idx="1"/>
-          </p:nvPr>
-        </p:nvSpPr>
-        <p:spPr/>
-        <p:txBody>
-          <a:bodyPr/>
-          <a:lstStyle/>
-          <a:p>
-            <a:pPr lvl="0"/>
-            <a:r>
-              <a:rPr lang="zh-CN" altLang="en-US" smtClean="0"/>
-              <a:t>编辑母版文本样式</a:t>
-            </a:r>
-          </a:p>
-          <a:p>
-            <a:pPr lvl="1"/>
-            <a:r>
-              <a:rPr lang="zh-CN" altLang="en-US" smtClean="0"/>
-              <a:t>第二级</a:t>
-            </a:r>
-          </a:p>
-          <a:p>
-            <a:pPr lvl="2"/>
-            <a:r>
-              <a:rPr lang="zh-CN" altLang="en-US" smtClean="0"/>
-              <a:t>第三级</a:t>
-            </a:r>
-          </a:p>
-          <a:p>
-            <a:pPr lvl="3"/>
-            <a:r>
-              <a:rPr lang="zh-CN" altLang="en-US" smtClean="0"/>
-              <a:t>第四级</a:t>
-            </a:r>
-          </a:p>
-          <a:p>
-            <a:pPr lvl="4"/>
-            <a:r>
-              <a:rPr lang="zh-CN" altLang="en-US" smtClean="0"/>
-              <a:t>第五级</a:t>
-            </a:r>
-            <a:endParaRPr lang="zh-CN" altLang="en-US"/>
-          </a:p>
-        </p:txBody>
-      </p:sp>
-      <p:sp>
-        <p:nvSpPr>
-          <p:cNvPr id="4" name="日期占位符 3"/>
-          <p:cNvSpPr>
-            <a:spLocks noGrp="1"/>
-          </p:cNvSpPr>
-          <p:nvPr>
-            <p:ph type="dt" sz="half" idx="10"/>
-          </p:nvPr>
-        </p:nvSpPr>
-        <p:spPr/>
-        <p:txBody>
-          <a:bodyPr/>
-          <a:lstStyle/>
-          <a:p>
-            <a:fld id="{F4FEBF22-E17F-4FC7-9C07-3780E42CEAA2}" type="datetimeFigureOut">
-              <a:rPr lang="zh-CN" altLang="en-US" smtClean="0"/>
-              <a:t>2020/6/6</a:t>
-            </a:fld>
-            <a:endParaRPr lang="zh-CN" altLang="en-US"/>
-          </a:p>
-        </p:txBody>
-      </p:sp>
-      <p:sp>
-        <p:nvSpPr>
-          <p:cNvPr id="5" name="页脚占位符 4"/>
-          <p:cNvSpPr>
-            <a:spLocks noGrp="1"/>
-          </p:cNvSpPr>
-          <p:nvPr>
-            <p:ph type="ftr" sz="quarter" idx="11"/>
-          </p:nvPr>
-        </p:nvSpPr>
-        <p:spPr/>
-        <p:txBody>
-          <a:bodyPr/>
-          <a:lstStyle/>
-          <a:p>
-            <a:endParaRPr lang="zh-CN" altLang="en-US"/>
-          </a:p>
-        </p:txBody>
-      </p:sp>
-      <p:sp>
-        <p:nvSpPr>
-          <p:cNvPr id="6" name="灯片编号占位符 5"/>
-          <p:cNvSpPr>
-            <a:spLocks noGrp="1"/>
-          </p:cNvSpPr>
-          <p:nvPr>
-            <p:ph type="sldNum" sz="quarter" idx="12"/>
-          </p:nvPr>
-        </p:nvSpPr>
-        <p:spPr/>
-        <p:txBody>
-          <a:bodyPr/>
-          <a:lstStyle/>
-          <a:p>
-            <a:fld id="{6331DC02-DFD3-4879-A376-EE0E314C70FE}" type="slidenum">
-              <a:rPr lang="zh-CN" altLang="en-US" smtClean="0"/>
-              <a:t>‹#›</a:t>
-            </a:fld>
-            <a:endParaRPr lang="zh-CN" altLang="en-US"/>
-          </a:p>
-        </p:txBody>
-      </p:sp>
     </p:spTree>
     <p:extLst>
       <p:ext uri="{BB962C8B-B14F-4D97-AF65-F5344CB8AC3E}">
@@ -679,12 +3299,27 @@
   <p:clrMapOvr>
     <a:masterClrMapping/>
   </p:clrMapOvr>
+  <p:timing>
+    <p:tnLst>
+      <p:par>
+        <p:cTn id="1" dur="indefinite" restart="never" nodeType="tmRoot"/>
+      </p:par>
+    </p:tnLst>
+  </p:timing>
 </p:sldLayout>
 </file>
 
 <file path=ppt/slideLayouts/slideLayout3.xml><?xml version="1.0" encoding="utf-8"?>
-<p:sldLayout xmlns:a="http://schemas.openxmlformats.org/drawingml/2006/main" xmlns:r="http://schemas.openxmlformats.org/officeDocument/2006/relationships" xmlns:p="http://schemas.openxmlformats.org/presentationml/2006/main" type="secHead" preserve="1">
+<p:sldLayout xmlns:a="http://schemas.openxmlformats.org/drawingml/2006/main" xmlns:r="http://schemas.openxmlformats.org/officeDocument/2006/relationships" xmlns:p="http://schemas.openxmlformats.org/presentationml/2006/main" preserve="1" userDrawn="1">
   <p:cSld name="节标题">
+    <p:bg>
+      <p:bgPr>
+        <a:solidFill>
+          <a:srgbClr val="09152D"/>
+        </a:solidFill>
+        <a:effectLst/>
+      </p:bgPr>
+    </p:bg>
     <p:spTree>
       <p:nvGrpSpPr>
         <p:cNvPr id="1" name=""/>
@@ -699,222 +3334,28 @@
           <a:chExt cx="0" cy="0"/>
         </a:xfrm>
       </p:grpSpPr>
-      <p:sp>
-        <p:nvSpPr>
-          <p:cNvPr id="2" name="标题 1"/>
-          <p:cNvSpPr>
-            <a:spLocks noGrp="1"/>
-          </p:cNvSpPr>
-          <p:nvPr>
-            <p:ph type="title"/>
+      <p:graphicFrame>
+        <p:nvGraphicFramePr>
+          <p:cNvPr id="7" name="图表 6"/>
+          <p:cNvGraphicFramePr/>
+          <p:nvPr userDrawn="1">
+            <p:extLst>
+              <p:ext uri="{D42A27DB-BD31-4B8C-83A1-F6EECF244321}">
+                <p14:modId xmlns:p14="http://schemas.microsoft.com/office/powerpoint/2010/main" val="3163761916"/>
+              </p:ext>
+            </p:extLst>
           </p:nvPr>
-        </p:nvSpPr>
-        <p:spPr>
-          <a:xfrm>
-            <a:off x="831850" y="1709738"/>
-            <a:ext cx="10515600" cy="2852737"/>
-          </a:xfrm>
-        </p:spPr>
-        <p:txBody>
-          <a:bodyPr anchor="b"/>
-          <a:lstStyle>
-            <a:lvl1pPr>
-              <a:defRPr sz="6000"/>
-            </a:lvl1pPr>
-          </a:lstStyle>
-          <a:p>
-            <a:r>
-              <a:rPr lang="zh-CN" altLang="en-US" smtClean="0"/>
-              <a:t>单击此处编辑母版标题样式</a:t>
-            </a:r>
-            <a:endParaRPr lang="zh-CN" altLang="en-US"/>
-          </a:p>
-        </p:txBody>
-      </p:sp>
-      <p:sp>
-        <p:nvSpPr>
-          <p:cNvPr id="3" name="文本占位符 2"/>
-          <p:cNvSpPr>
-            <a:spLocks noGrp="1"/>
-          </p:cNvSpPr>
-          <p:nvPr>
-            <p:ph type="body" idx="1"/>
-          </p:nvPr>
-        </p:nvSpPr>
-        <p:spPr>
-          <a:xfrm>
-            <a:off x="831850" y="4589463"/>
-            <a:ext cx="10515600" cy="1500187"/>
-          </a:xfrm>
-        </p:spPr>
-        <p:txBody>
-          <a:bodyPr/>
-          <a:lstStyle>
-            <a:lvl1pPr marL="0" indent="0">
-              <a:buNone/>
-              <a:defRPr sz="2400">
-                <a:solidFill>
-                  <a:schemeClr val="tx1">
-                    <a:tint val="75000"/>
-                  </a:schemeClr>
-                </a:solidFill>
-              </a:defRPr>
-            </a:lvl1pPr>
-            <a:lvl2pPr marL="457200" indent="0">
-              <a:buNone/>
-              <a:defRPr sz="2000">
-                <a:solidFill>
-                  <a:schemeClr val="tx1">
-                    <a:tint val="75000"/>
-                  </a:schemeClr>
-                </a:solidFill>
-              </a:defRPr>
-            </a:lvl2pPr>
-            <a:lvl3pPr marL="914400" indent="0">
-              <a:buNone/>
-              <a:defRPr sz="1800">
-                <a:solidFill>
-                  <a:schemeClr val="tx1">
-                    <a:tint val="75000"/>
-                  </a:schemeClr>
-                </a:solidFill>
-              </a:defRPr>
-            </a:lvl3pPr>
-            <a:lvl4pPr marL="1371600" indent="0">
-              <a:buNone/>
-              <a:defRPr sz="1600">
-                <a:solidFill>
-                  <a:schemeClr val="tx1">
-                    <a:tint val="75000"/>
-                  </a:schemeClr>
-                </a:solidFill>
-              </a:defRPr>
-            </a:lvl4pPr>
-            <a:lvl5pPr marL="1828800" indent="0">
-              <a:buNone/>
-              <a:defRPr sz="1600">
-                <a:solidFill>
-                  <a:schemeClr val="tx1">
-                    <a:tint val="75000"/>
-                  </a:schemeClr>
-                </a:solidFill>
-              </a:defRPr>
-            </a:lvl5pPr>
-            <a:lvl6pPr marL="2286000" indent="0">
-              <a:buNone/>
-              <a:defRPr sz="1600">
-                <a:solidFill>
-                  <a:schemeClr val="tx1">
-                    <a:tint val="75000"/>
-                  </a:schemeClr>
-                </a:solidFill>
-              </a:defRPr>
-            </a:lvl6pPr>
-            <a:lvl7pPr marL="2743200" indent="0">
-              <a:buNone/>
-              <a:defRPr sz="1600">
-                <a:solidFill>
-                  <a:schemeClr val="tx1">
-                    <a:tint val="75000"/>
-                  </a:schemeClr>
-                </a:solidFill>
-              </a:defRPr>
-            </a:lvl7pPr>
-            <a:lvl8pPr marL="3200400" indent="0">
-              <a:buNone/>
-              <a:defRPr sz="1600">
-                <a:solidFill>
-                  <a:schemeClr val="tx1">
-                    <a:tint val="75000"/>
-                  </a:schemeClr>
-                </a:solidFill>
-              </a:defRPr>
-            </a:lvl8pPr>
-            <a:lvl9pPr marL="3657600" indent="0">
-              <a:buNone/>
-              <a:defRPr sz="1600">
-                <a:solidFill>
-                  <a:schemeClr val="tx1">
-                    <a:tint val="75000"/>
-                  </a:schemeClr>
-                </a:solidFill>
-              </a:defRPr>
-            </a:lvl9pPr>
-          </a:lstStyle>
-          <a:p>
-            <a:pPr lvl="0"/>
-            <a:r>
-              <a:rPr lang="zh-CN" altLang="en-US" smtClean="0"/>
-              <a:t>编辑母版文本样式</a:t>
-            </a:r>
-          </a:p>
-        </p:txBody>
-      </p:sp>
-      <p:sp>
-        <p:nvSpPr>
-          <p:cNvPr id="4" name="日期占位符 3"/>
-          <p:cNvSpPr>
-            <a:spLocks noGrp="1"/>
-          </p:cNvSpPr>
-          <p:nvPr>
-            <p:ph type="dt" sz="half" idx="10"/>
-          </p:nvPr>
-        </p:nvSpPr>
-        <p:spPr/>
-        <p:txBody>
-          <a:bodyPr/>
-          <a:lstStyle/>
-          <a:p>
-            <a:fld id="{F4FEBF22-E17F-4FC7-9C07-3780E42CEAA2}" type="datetimeFigureOut">
-              <a:rPr lang="zh-CN" altLang="en-US" smtClean="0"/>
-              <a:t>2020/6/6</a:t>
-            </a:fld>
-            <a:endParaRPr lang="zh-CN" altLang="en-US"/>
-          </a:p>
-        </p:txBody>
-      </p:sp>
-      <p:sp>
-        <p:nvSpPr>
-          <p:cNvPr id="5" name="页脚占位符 4"/>
-          <p:cNvSpPr>
-            <a:spLocks noGrp="1"/>
-          </p:cNvSpPr>
-          <p:nvPr>
-            <p:ph type="ftr" sz="quarter" idx="11"/>
-          </p:nvPr>
-        </p:nvSpPr>
-        <p:spPr/>
-        <p:txBody>
-          <a:bodyPr/>
-          <a:lstStyle/>
-          <a:p>
-            <a:endParaRPr lang="zh-CN" altLang="en-US"/>
-          </a:p>
-        </p:txBody>
-      </p:sp>
-      <p:sp>
-        <p:nvSpPr>
-          <p:cNvPr id="6" name="灯片编号占位符 5"/>
-          <p:cNvSpPr>
-            <a:spLocks noGrp="1"/>
-          </p:cNvSpPr>
-          <p:nvPr>
-            <p:ph type="sldNum" sz="quarter" idx="12"/>
-          </p:nvPr>
-        </p:nvSpPr>
-        <p:spPr/>
-        <p:txBody>
-          <a:bodyPr/>
-          <a:lstStyle/>
-          <a:p>
-            <a:fld id="{6331DC02-DFD3-4879-A376-EE0E314C70FE}" type="slidenum">
-              <a:rPr lang="zh-CN" altLang="en-US" smtClean="0"/>
-              <a:t>‹#›</a:t>
-            </a:fld>
-            <a:endParaRPr lang="zh-CN" altLang="en-US"/>
-          </a:p>
-        </p:txBody>
-      </p:sp>
+        </p:nvGraphicFramePr>
+        <p:xfrm>
+          <a:off x="3604591" y="1768060"/>
+          <a:ext cx="3076625" cy="2051084"/>
+        </p:xfrm>
+        <a:graphic>
+          <a:graphicData uri="http://schemas.openxmlformats.org/drawingml/2006/chart">
+            <c:chart xmlns:c="http://schemas.openxmlformats.org/drawingml/2006/chart" xmlns:r="http://schemas.openxmlformats.org/officeDocument/2006/relationships" r:id="rId2"/>
+          </a:graphicData>
+        </a:graphic>
+      </p:graphicFrame>
     </p:spTree>
     <p:extLst>
       <p:ext uri="{BB962C8B-B14F-4D97-AF65-F5344CB8AC3E}">
@@ -1099,7 +3540,7 @@
           <a:p>
             <a:fld id="{F4FEBF22-E17F-4FC7-9C07-3780E42CEAA2}" type="datetimeFigureOut">
               <a:rPr lang="zh-CN" altLang="en-US" smtClean="0"/>
-              <a:t>2020/6/6</a:t>
+              <a:t>2020/6/7</a:t>
             </a:fld>
             <a:endParaRPr lang="zh-CN" altLang="en-US"/>
           </a:p>
@@ -1466,7 +3907,7 @@
           <a:p>
             <a:fld id="{F4FEBF22-E17F-4FC7-9C07-3780E42CEAA2}" type="datetimeFigureOut">
               <a:rPr lang="zh-CN" altLang="en-US" smtClean="0"/>
-              <a:t>2020/6/6</a:t>
+              <a:t>2020/6/7</a:t>
             </a:fld>
             <a:endParaRPr lang="zh-CN" altLang="en-US"/>
           </a:p>
@@ -1584,7 +4025,7 @@
           <a:p>
             <a:fld id="{F4FEBF22-E17F-4FC7-9C07-3780E42CEAA2}" type="datetimeFigureOut">
               <a:rPr lang="zh-CN" altLang="en-US" smtClean="0"/>
-              <a:t>2020/6/6</a:t>
+              <a:t>2020/6/7</a:t>
             </a:fld>
             <a:endParaRPr lang="zh-CN" altLang="en-US"/>
           </a:p>
@@ -1679,7 +4120,7 @@
           <a:p>
             <a:fld id="{F4FEBF22-E17F-4FC7-9C07-3780E42CEAA2}" type="datetimeFigureOut">
               <a:rPr lang="zh-CN" altLang="en-US" smtClean="0"/>
-              <a:t>2020/6/6</a:t>
+              <a:t>2020/6/7</a:t>
             </a:fld>
             <a:endParaRPr lang="zh-CN" altLang="en-US"/>
           </a:p>
@@ -1737,6 +4178,13 @@
   <p:clrMapOvr>
     <a:masterClrMapping/>
   </p:clrMapOvr>
+  <p:timing>
+    <p:tnLst>
+      <p:par>
+        <p:cTn id="1" dur="indefinite" restart="never" nodeType="tmRoot"/>
+      </p:par>
+    </p:tnLst>
+  </p:timing>
 </p:sldLayout>
 </file>
 
@@ -1956,7 +4404,7 @@
           <a:p>
             <a:fld id="{F4FEBF22-E17F-4FC7-9C07-3780E42CEAA2}" type="datetimeFigureOut">
               <a:rPr lang="zh-CN" altLang="en-US" smtClean="0"/>
-              <a:t>2020/6/6</a:t>
+              <a:t>2020/6/7</a:t>
             </a:fld>
             <a:endParaRPr lang="zh-CN" altLang="en-US"/>
           </a:p>
@@ -2209,7 +4657,7 @@
           <a:p>
             <a:fld id="{F4FEBF22-E17F-4FC7-9C07-3780E42CEAA2}" type="datetimeFigureOut">
               <a:rPr lang="zh-CN" altLang="en-US" smtClean="0"/>
-              <a:t>2020/6/6</a:t>
+              <a:t>2020/6/7</a:t>
             </a:fld>
             <a:endParaRPr lang="zh-CN" altLang="en-US"/>
           </a:p>
@@ -2422,7 +4870,7 @@
           <a:p>
             <a:fld id="{F4FEBF22-E17F-4FC7-9C07-3780E42CEAA2}" type="datetimeFigureOut">
               <a:rPr lang="zh-CN" altLang="en-US" smtClean="0"/>
-              <a:t>2020/6/6</a:t>
+              <a:t>2020/6/7</a:t>
             </a:fld>
             <a:endParaRPr lang="zh-CN" altLang="en-US"/>
           </a:p>
@@ -19567,106 +22015,91 @@
           </a:p>
         </p:txBody>
       </p:sp>
-      <p:grpSp>
-        <p:nvGrpSpPr>
-          <p:cNvPr id="149" name="组合 148"/>
-          <p:cNvGrpSpPr/>
+      <p:cxnSp>
+        <p:nvCxnSpPr>
+          <p:cNvPr id="36" name="直接箭头连接符 35"/>
+          <p:cNvCxnSpPr/>
           <p:nvPr/>
-        </p:nvGrpSpPr>
-        <p:grpSpPr>
+        </p:nvCxnSpPr>
+        <p:spPr>
           <a:xfrm>
-            <a:off x="5279895" y="1741446"/>
-            <a:ext cx="856227" cy="70644"/>
-            <a:chOff x="5279895" y="1741446"/>
-            <a:chExt cx="856227" cy="70644"/>
+            <a:off x="5279895" y="1773861"/>
+            <a:ext cx="758532" cy="0"/>
           </a:xfrm>
-        </p:grpSpPr>
-        <p:cxnSp>
-          <p:nvCxnSpPr>
-            <p:cNvPr id="36" name="直接箭头连接符 35"/>
-            <p:cNvCxnSpPr/>
-            <p:nvPr/>
-          </p:nvCxnSpPr>
-          <p:spPr>
-            <a:xfrm>
-              <a:off x="5279895" y="1773861"/>
-              <a:ext cx="758532" cy="0"/>
-            </a:xfrm>
-            <a:prstGeom prst="straightConnector1">
-              <a:avLst/>
-            </a:prstGeom>
-            <a:ln w="15875">
-              <a:solidFill>
-                <a:schemeClr val="bg1"/>
-              </a:solidFill>
-              <a:headEnd w="sm" len="sm"/>
-              <a:tailEnd type="triangle" w="sm" len="sm"/>
-            </a:ln>
-          </p:spPr>
-          <p:style>
-            <a:lnRef idx="1">
-              <a:schemeClr val="accent1"/>
-            </a:lnRef>
-            <a:fillRef idx="0">
-              <a:schemeClr val="accent1"/>
-            </a:fillRef>
-            <a:effectRef idx="0">
-              <a:schemeClr val="accent1"/>
-            </a:effectRef>
-            <a:fontRef idx="minor">
-              <a:schemeClr val="tx1"/>
-            </a:fontRef>
-          </p:style>
-        </p:cxnSp>
-        <p:sp>
-          <p:nvSpPr>
-            <p:cNvPr id="37" name="十字形 36"/>
-            <p:cNvSpPr/>
-            <p:nvPr/>
-          </p:nvSpPr>
-          <p:spPr>
-            <a:xfrm rot="2700000">
-              <a:off x="6065478" y="1741446"/>
-              <a:ext cx="70644" cy="70644"/>
-            </a:xfrm>
-            <a:prstGeom prst="plus">
-              <a:avLst>
-                <a:gd name="adj" fmla="val 34102"/>
-              </a:avLst>
-            </a:prstGeom>
-            <a:noFill/>
-            <a:ln w="6350">
-              <a:solidFill>
-                <a:srgbClr val="55E1DB"/>
-              </a:solidFill>
-            </a:ln>
-          </p:spPr>
-          <p:style>
-            <a:lnRef idx="2">
-              <a:schemeClr val="accent1">
-                <a:shade val="50000"/>
-              </a:schemeClr>
-            </a:lnRef>
-            <a:fillRef idx="1">
-              <a:schemeClr val="accent1"/>
-            </a:fillRef>
-            <a:effectRef idx="0">
-              <a:schemeClr val="accent1"/>
-            </a:effectRef>
-            <a:fontRef idx="minor">
-              <a:schemeClr val="lt1"/>
-            </a:fontRef>
-          </p:style>
-          <p:txBody>
-            <a:bodyPr rtlCol="0" anchor="ctr"/>
-            <a:lstStyle/>
-            <a:p>
-              <a:pPr algn="ctr"/>
-              <a:endParaRPr lang="zh-CN" altLang="en-US"/>
-            </a:p>
-          </p:txBody>
-        </p:sp>
-      </p:grpSp>
+          <a:prstGeom prst="straightConnector1">
+            <a:avLst/>
+          </a:prstGeom>
+          <a:ln w="15875">
+            <a:solidFill>
+              <a:schemeClr val="bg1"/>
+            </a:solidFill>
+            <a:headEnd w="sm" len="sm"/>
+            <a:tailEnd type="triangle" w="sm" len="sm"/>
+          </a:ln>
+        </p:spPr>
+        <p:style>
+          <a:lnRef idx="1">
+            <a:schemeClr val="accent1"/>
+          </a:lnRef>
+          <a:fillRef idx="0">
+            <a:schemeClr val="accent1"/>
+          </a:fillRef>
+          <a:effectRef idx="0">
+            <a:schemeClr val="accent1"/>
+          </a:effectRef>
+          <a:fontRef idx="minor">
+            <a:schemeClr val="tx1"/>
+          </a:fontRef>
+        </p:style>
+      </p:cxnSp>
+      <p:sp>
+        <p:nvSpPr>
+          <p:cNvPr id="37" name="十字形 36"/>
+          <p:cNvSpPr/>
+          <p:nvPr/>
+        </p:nvSpPr>
+        <p:spPr>
+          <a:xfrm rot="2700000">
+            <a:off x="6065478" y="1741446"/>
+            <a:ext cx="70644" cy="70644"/>
+          </a:xfrm>
+          <a:prstGeom prst="plus">
+            <a:avLst>
+              <a:gd name="adj" fmla="val 34102"/>
+            </a:avLst>
+          </a:prstGeom>
+          <a:noFill/>
+          <a:ln w="6350">
+            <a:solidFill>
+              <a:srgbClr val="55E1DB"/>
+            </a:solidFill>
+          </a:ln>
+        </p:spPr>
+        <p:style>
+          <a:lnRef idx="2">
+            <a:schemeClr val="accent1">
+              <a:shade val="50000"/>
+            </a:schemeClr>
+          </a:lnRef>
+          <a:fillRef idx="1">
+            <a:schemeClr val="accent1"/>
+          </a:fillRef>
+          <a:effectRef idx="0">
+            <a:schemeClr val="accent1"/>
+          </a:effectRef>
+          <a:fontRef idx="minor">
+            <a:schemeClr val="lt1"/>
+          </a:fontRef>
+        </p:style>
+        <p:txBody>
+          <a:bodyPr rtlCol="0" anchor="ctr"/>
+          <a:lstStyle/>
+          <a:p>
+            <a:pPr algn="ctr"/>
+            <a:endParaRPr lang="zh-CN" altLang="en-US"/>
+          </a:p>
+        </p:txBody>
+      </p:sp>
       <p:sp>
         <p:nvSpPr>
           <p:cNvPr id="47" name="弧形 46"/>
@@ -19941,43 +22374,6 @@
           </p:txBody>
         </p:sp>
       </p:grpSp>
-      <p:cxnSp>
-        <p:nvCxnSpPr>
-          <p:cNvPr id="62" name="直接连接符 61"/>
-          <p:cNvCxnSpPr/>
-          <p:nvPr/>
-        </p:nvCxnSpPr>
-        <p:spPr>
-          <a:xfrm flipV="1">
-            <a:off x="5163955" y="364331"/>
-            <a:ext cx="313672" cy="728411"/>
-          </a:xfrm>
-          <a:prstGeom prst="line">
-            <a:avLst/>
-          </a:prstGeom>
-          <a:ln w="19050" cap="rnd">
-            <a:solidFill>
-              <a:schemeClr val="bg1"/>
-            </a:solidFill>
-            <a:round/>
-            <a:headEnd type="oval" w="sm" len="sm"/>
-          </a:ln>
-        </p:spPr>
-        <p:style>
-          <a:lnRef idx="1">
-            <a:schemeClr val="accent1"/>
-          </a:lnRef>
-          <a:fillRef idx="0">
-            <a:schemeClr val="accent1"/>
-          </a:fillRef>
-          <a:effectRef idx="0">
-            <a:schemeClr val="accent1"/>
-          </a:effectRef>
-          <a:fontRef idx="minor">
-            <a:schemeClr val="tx1"/>
-          </a:fontRef>
-        </p:style>
-      </p:cxnSp>
       <p:grpSp>
         <p:nvGrpSpPr>
           <p:cNvPr id="148" name="组合 147"/>
@@ -20494,43 +22890,95 @@
           </a:p>
         </p:txBody>
       </p:sp>
-      <p:cxnSp>
-        <p:nvCxnSpPr>
-          <p:cNvPr id="56" name="直接连接符 55"/>
-          <p:cNvCxnSpPr/>
+      <p:grpSp>
+        <p:nvGrpSpPr>
+          <p:cNvPr id="2" name="组合 1"/>
+          <p:cNvGrpSpPr/>
           <p:nvPr/>
-        </p:nvCxnSpPr>
-        <p:spPr>
+        </p:nvGrpSpPr>
+        <p:grpSpPr>
           <a:xfrm>
-            <a:off x="5479256" y="365045"/>
-            <a:ext cx="1885950" cy="0"/>
+            <a:off x="5163955" y="364331"/>
+            <a:ext cx="2201251" cy="728411"/>
+            <a:chOff x="5163955" y="364331"/>
+            <a:chExt cx="2201251" cy="728411"/>
           </a:xfrm>
-          <a:prstGeom prst="line">
-            <a:avLst/>
-          </a:prstGeom>
-          <a:ln w="19050" cap="rnd">
-            <a:solidFill>
-              <a:schemeClr val="bg1"/>
-            </a:solidFill>
-            <a:round/>
-            <a:tailEnd type="triangle" w="sm" len="sm"/>
-          </a:ln>
-        </p:spPr>
-        <p:style>
-          <a:lnRef idx="1">
-            <a:schemeClr val="accent1"/>
-          </a:lnRef>
-          <a:fillRef idx="0">
-            <a:schemeClr val="accent1"/>
-          </a:fillRef>
-          <a:effectRef idx="0">
-            <a:schemeClr val="accent1"/>
-          </a:effectRef>
-          <a:fontRef idx="minor">
-            <a:schemeClr val="tx1"/>
-          </a:fontRef>
-        </p:style>
-      </p:cxnSp>
+        </p:grpSpPr>
+        <p:cxnSp>
+          <p:nvCxnSpPr>
+            <p:cNvPr id="62" name="直接连接符 61"/>
+            <p:cNvCxnSpPr/>
+            <p:nvPr/>
+          </p:nvCxnSpPr>
+          <p:spPr>
+            <a:xfrm flipV="1">
+              <a:off x="5163955" y="364331"/>
+              <a:ext cx="313672" cy="728411"/>
+            </a:xfrm>
+            <a:prstGeom prst="line">
+              <a:avLst/>
+            </a:prstGeom>
+            <a:ln w="19050" cap="rnd">
+              <a:solidFill>
+                <a:schemeClr val="bg1"/>
+              </a:solidFill>
+              <a:round/>
+              <a:headEnd type="oval" w="sm" len="sm"/>
+            </a:ln>
+          </p:spPr>
+          <p:style>
+            <a:lnRef idx="1">
+              <a:schemeClr val="accent1"/>
+            </a:lnRef>
+            <a:fillRef idx="0">
+              <a:schemeClr val="accent1"/>
+            </a:fillRef>
+            <a:effectRef idx="0">
+              <a:schemeClr val="accent1"/>
+            </a:effectRef>
+            <a:fontRef idx="minor">
+              <a:schemeClr val="tx1"/>
+            </a:fontRef>
+          </p:style>
+        </p:cxnSp>
+        <p:cxnSp>
+          <p:nvCxnSpPr>
+            <p:cNvPr id="56" name="直接连接符 55"/>
+            <p:cNvCxnSpPr/>
+            <p:nvPr/>
+          </p:nvCxnSpPr>
+          <p:spPr>
+            <a:xfrm>
+              <a:off x="5479256" y="365045"/>
+              <a:ext cx="1885950" cy="0"/>
+            </a:xfrm>
+            <a:prstGeom prst="line">
+              <a:avLst/>
+            </a:prstGeom>
+            <a:ln w="19050" cap="rnd">
+              <a:solidFill>
+                <a:schemeClr val="bg1"/>
+              </a:solidFill>
+              <a:round/>
+              <a:tailEnd type="triangle" w="sm" len="sm"/>
+            </a:ln>
+          </p:spPr>
+          <p:style>
+            <a:lnRef idx="1">
+              <a:schemeClr val="accent1"/>
+            </a:lnRef>
+            <a:fillRef idx="0">
+              <a:schemeClr val="accent1"/>
+            </a:fillRef>
+            <a:effectRef idx="0">
+              <a:schemeClr val="accent1"/>
+            </a:effectRef>
+            <a:fontRef idx="minor">
+              <a:schemeClr val="tx1"/>
+            </a:fontRef>
+          </p:style>
+        </p:cxnSp>
+      </p:grpSp>
       <p:sp>
         <p:nvSpPr>
           <p:cNvPr id="13" name="文本框 12"/>
@@ -23221,12 +25669,17 @@
         </p:nvCxnSpPr>
         <p:spPr>
           <a:xfrm flipH="1">
-            <a:off x="2016795" y="6857373"/>
-            <a:ext cx="1805905" cy="2661850"/>
+            <a:off x="473893" y="6857373"/>
+            <a:ext cx="3348808" cy="4936042"/>
           </a:xfrm>
           <a:prstGeom prst="line">
             <a:avLst/>
           </a:prstGeom>
+          <a:ln w="12700">
+            <a:solidFill>
+              <a:srgbClr val="E83766"/>
+            </a:solidFill>
+          </a:ln>
         </p:spPr>
         <p:style>
           <a:lnRef idx="1">
@@ -23253,13 +25706,13 @@
   <p:clrMapOvr>
     <a:masterClrMapping/>
   </p:clrMapOvr>
-  <mc:AlternateContent xmlns:mc="http://schemas.openxmlformats.org/markup-compatibility/2006">
-    <mc:Choice xmlns:p14="http://schemas.microsoft.com/office/powerpoint/2010/main" Requires="p14">
-      <p:transition spd="slow" p14:dur="2000">
+  <mc:AlternateContent xmlns:mc="http://schemas.openxmlformats.org/markup-compatibility/2006" xmlns:p14="http://schemas.microsoft.com/office/powerpoint/2010/main">
+    <mc:Choice Requires="p14">
+      <p:transition spd="slow" p14:dur="2500">
         <p:circle/>
       </p:transition>
     </mc:Choice>
-    <mc:Fallback>
+    <mc:Fallback xmlns="">
       <p:transition spd="slow">
         <p:circle/>
       </p:transition>
@@ -23554,24 +26007,15 @@
                                   </p:childTnLst>
                                 </p:cTn>
                               </p:par>
-                            </p:childTnLst>
-                          </p:cTn>
-                        </p:par>
-                        <p:par>
-                          <p:cTn id="24" fill="hold">
-                            <p:stCondLst>
-                              <p:cond delay="400"/>
-                            </p:stCondLst>
-                            <p:childTnLst>
                               <p:par>
-                                <p:cTn id="25" presetID="22" presetClass="entr" presetSubtype="8" fill="hold" nodeType="afterEffect">
+                                <p:cTn id="24" presetID="22" presetClass="entr" presetSubtype="8" fill="hold" nodeType="withEffect">
                                   <p:stCondLst>
-                                    <p:cond delay="0"/>
+                                    <p:cond delay="300"/>
                                   </p:stCondLst>
                                   <p:childTnLst>
                                     <p:set>
                                       <p:cBhvr>
-                                        <p:cTn id="26" dur="1" fill="hold">
+                                        <p:cTn id="25" dur="1" fill="hold">
                                           <p:stCondLst>
                                             <p:cond delay="0"/>
                                           </p:stCondLst>
@@ -23589,7 +26033,7 @@
                                     </p:set>
                                     <p:animEffect transition="in" filter="wipe(left)">
                                       <p:cBhvr>
-                                        <p:cTn id="27" dur="500"/>
+                                        <p:cTn id="26" dur="200"/>
                                         <p:tgtEl>
                                           <p:spTgt spid="28"/>
                                         </p:tgtEl>
@@ -23598,24 +26042,15 @@
                                   </p:childTnLst>
                                 </p:cTn>
                               </p:par>
-                            </p:childTnLst>
-                          </p:cTn>
-                        </p:par>
-                        <p:par>
-                          <p:cTn id="28" fill="hold">
-                            <p:stCondLst>
-                              <p:cond delay="900"/>
-                            </p:stCondLst>
-                            <p:childTnLst>
                               <p:par>
-                                <p:cTn id="29" presetID="21" presetClass="entr" presetSubtype="1" fill="hold" nodeType="afterEffect">
+                                <p:cTn id="27" presetID="49" presetClass="entr" presetSubtype="0" decel="100000" fill="hold" nodeType="withEffect">
                                   <p:stCondLst>
-                                    <p:cond delay="0"/>
+                                    <p:cond delay="500"/>
                                   </p:stCondLst>
                                   <p:childTnLst>
                                     <p:set>
                                       <p:cBhvr>
-                                        <p:cTn id="30" dur="1" fill="hold">
+                                        <p:cTn id="28" dur="1" fill="hold">
                                           <p:stCondLst>
                                             <p:cond delay="0"/>
                                           </p:stCondLst>
@@ -23631,9 +26066,78 @@
                                         <p:strVal val="visible"/>
                                       </p:to>
                                     </p:set>
-                                    <p:animEffect transition="in" filter="wheel(1)">
+                                    <p:anim calcmode="lin" valueType="num">
                                       <p:cBhvr>
-                                        <p:cTn id="31" dur="1000"/>
+                                        <p:cTn id="29" dur="500" fill="hold"/>
+                                        <p:tgtEl>
+                                          <p:spTgt spid="38"/>
+                                        </p:tgtEl>
+                                        <p:attrNameLst>
+                                          <p:attrName>ppt_w</p:attrName>
+                                        </p:attrNameLst>
+                                      </p:cBhvr>
+                                      <p:tavLst>
+                                        <p:tav tm="0">
+                                          <p:val>
+                                            <p:fltVal val="0"/>
+                                          </p:val>
+                                        </p:tav>
+                                        <p:tav tm="100000">
+                                          <p:val>
+                                            <p:strVal val="#ppt_w"/>
+                                          </p:val>
+                                        </p:tav>
+                                      </p:tavLst>
+                                    </p:anim>
+                                    <p:anim calcmode="lin" valueType="num">
+                                      <p:cBhvr>
+                                        <p:cTn id="30" dur="500" fill="hold"/>
+                                        <p:tgtEl>
+                                          <p:spTgt spid="38"/>
+                                        </p:tgtEl>
+                                        <p:attrNameLst>
+                                          <p:attrName>ppt_h</p:attrName>
+                                        </p:attrNameLst>
+                                      </p:cBhvr>
+                                      <p:tavLst>
+                                        <p:tav tm="0">
+                                          <p:val>
+                                            <p:fltVal val="0"/>
+                                          </p:val>
+                                        </p:tav>
+                                        <p:tav tm="100000">
+                                          <p:val>
+                                            <p:strVal val="#ppt_h"/>
+                                          </p:val>
+                                        </p:tav>
+                                      </p:tavLst>
+                                    </p:anim>
+                                    <p:anim calcmode="lin" valueType="num">
+                                      <p:cBhvr>
+                                        <p:cTn id="31" dur="500" fill="hold"/>
+                                        <p:tgtEl>
+                                          <p:spTgt spid="38"/>
+                                        </p:tgtEl>
+                                        <p:attrNameLst>
+                                          <p:attrName>style.rotation</p:attrName>
+                                        </p:attrNameLst>
+                                      </p:cBhvr>
+                                      <p:tavLst>
+                                        <p:tav tm="0">
+                                          <p:val>
+                                            <p:fltVal val="360"/>
+                                          </p:val>
+                                        </p:tav>
+                                        <p:tav tm="100000">
+                                          <p:val>
+                                            <p:fltVal val="0"/>
+                                          </p:val>
+                                        </p:tav>
+                                      </p:tavLst>
+                                    </p:anim>
+                                    <p:animEffect transition="in" filter="fade">
+                                      <p:cBhvr>
+                                        <p:cTn id="32" dur="500"/>
                                         <p:tgtEl>
                                           <p:spTgt spid="38"/>
                                         </p:tgtEl>
@@ -23642,39 +26146,21 @@
                                   </p:childTnLst>
                                 </p:cTn>
                               </p:par>
-                            </p:childTnLst>
-                          </p:cTn>
-                        </p:par>
-                      </p:childTnLst>
-                    </p:cTn>
-                  </p:par>
-                  <p:par>
-                    <p:cTn id="32" fill="hold">
-                      <p:stCondLst>
-                        <p:cond delay="indefinite"/>
-                      </p:stCondLst>
-                      <p:childTnLst>
-                        <p:par>
-                          <p:cTn id="33" fill="hold">
-                            <p:stCondLst>
-                              <p:cond delay="0"/>
-                            </p:stCondLst>
-                            <p:childTnLst>
                               <p:par>
-                                <p:cTn id="34" presetID="22" presetClass="entr" presetSubtype="2" repeatCount="2000" fill="hold" nodeType="clickEffect">
+                                <p:cTn id="33" presetID="22" presetClass="entr" presetSubtype="2" fill="hold" nodeType="withEffect">
                                   <p:stCondLst>
-                                    <p:cond delay="0"/>
+                                    <p:cond delay="800"/>
                                   </p:stCondLst>
                                   <p:childTnLst>
                                     <p:set>
                                       <p:cBhvr>
-                                        <p:cTn id="35" dur="1" fill="hold">
+                                        <p:cTn id="34" dur="1" fill="hold">
                                           <p:stCondLst>
                                             <p:cond delay="0"/>
                                           </p:stCondLst>
                                         </p:cTn>
                                         <p:tgtEl>
-                                          <p:spTgt spid="56"/>
+                                          <p:spTgt spid="2"/>
                                         </p:tgtEl>
                                         <p:attrNameLst>
                                           <p:attrName>style.visibility</p:attrName>
@@ -23686,9 +26172,9 @@
                                     </p:set>
                                     <p:animEffect transition="in" filter="wipe(right)">
                                       <p:cBhvr>
-                                        <p:cTn id="36" dur="500"/>
+                                        <p:cTn id="35" dur="300"/>
                                         <p:tgtEl>
-                                          <p:spTgt spid="56"/>
+                                          <p:spTgt spid="2"/>
                                         </p:tgtEl>
                                       </p:cBhvr>
                                     </p:animEffect>
@@ -23696,14 +26182,683 @@
                                 </p:cTn>
                               </p:par>
                               <p:par>
-                                <p:cTn id="37" presetID="22" presetClass="entr" presetSubtype="2" repeatCount="2000" fill="hold" nodeType="withEffect">
+                                <p:cTn id="36" presetID="22" presetClass="exit" presetSubtype="8" fill="hold" nodeType="withEffect">
+                                  <p:stCondLst>
+                                    <p:cond delay="1000"/>
+                                  </p:stCondLst>
+                                  <p:childTnLst>
+                                    <p:animEffect transition="out" filter="wipe(left)">
+                                      <p:cBhvr>
+                                        <p:cTn id="37" dur="200"/>
+                                        <p:tgtEl>
+                                          <p:spTgt spid="2"/>
+                                        </p:tgtEl>
+                                      </p:cBhvr>
+                                    </p:animEffect>
+                                    <p:set>
+                                      <p:cBhvr>
+                                        <p:cTn id="38" dur="1" fill="hold">
+                                          <p:stCondLst>
+                                            <p:cond delay="199"/>
+                                          </p:stCondLst>
+                                        </p:cTn>
+                                        <p:tgtEl>
+                                          <p:spTgt spid="2"/>
+                                        </p:tgtEl>
+                                        <p:attrNameLst>
+                                          <p:attrName>style.visibility</p:attrName>
+                                        </p:attrNameLst>
+                                      </p:cBhvr>
+                                      <p:to>
+                                        <p:strVal val="hidden"/>
+                                      </p:to>
+                                    </p:set>
+                                  </p:childTnLst>
+                                </p:cTn>
+                              </p:par>
+                              <p:par>
+                                <p:cTn id="39" presetID="22" presetClass="entr" presetSubtype="2" fill="hold" nodeType="withEffect">
+                                  <p:stCondLst>
+                                    <p:cond delay="1200"/>
+                                  </p:stCondLst>
+                                  <p:childTnLst>
+                                    <p:set>
+                                      <p:cBhvr>
+                                        <p:cTn id="40" dur="1" fill="hold">
+                                          <p:stCondLst>
+                                            <p:cond delay="0"/>
+                                          </p:stCondLst>
+                                        </p:cTn>
+                                        <p:tgtEl>
+                                          <p:spTgt spid="2"/>
+                                        </p:tgtEl>
+                                        <p:attrNameLst>
+                                          <p:attrName>style.visibility</p:attrName>
+                                        </p:attrNameLst>
+                                      </p:cBhvr>
+                                      <p:to>
+                                        <p:strVal val="visible"/>
+                                      </p:to>
+                                    </p:set>
+                                    <p:animEffect transition="in" filter="wipe(right)">
+                                      <p:cBhvr>
+                                        <p:cTn id="41" dur="400"/>
+                                        <p:tgtEl>
+                                          <p:spTgt spid="2"/>
+                                        </p:tgtEl>
+                                      </p:cBhvr>
+                                    </p:animEffect>
+                                  </p:childTnLst>
+                                </p:cTn>
+                              </p:par>
+                            </p:childTnLst>
+                          </p:cTn>
+                        </p:par>
+                        <p:par>
+                          <p:cTn id="42" fill="hold">
+                            <p:stCondLst>
+                              <p:cond delay="1600"/>
+                            </p:stCondLst>
+                            <p:childTnLst>
+                              <p:par>
+                                <p:cTn id="43" presetID="22" presetClass="entr" presetSubtype="1" fill="hold" nodeType="afterEffect">
                                   <p:stCondLst>
                                     <p:cond delay="0"/>
                                   </p:stCondLst>
                                   <p:childTnLst>
                                     <p:set>
                                       <p:cBhvr>
-                                        <p:cTn id="38" dur="1" fill="hold">
+                                        <p:cTn id="44" dur="1" fill="hold">
+                                          <p:stCondLst>
+                                            <p:cond delay="0"/>
+                                          </p:stCondLst>
+                                        </p:cTn>
+                                        <p:tgtEl>
+                                          <p:spTgt spid="148"/>
+                                        </p:tgtEl>
+                                        <p:attrNameLst>
+                                          <p:attrName>style.visibility</p:attrName>
+                                        </p:attrNameLst>
+                                      </p:cBhvr>
+                                      <p:to>
+                                        <p:strVal val="visible"/>
+                                      </p:to>
+                                    </p:set>
+                                    <p:animEffect transition="in" filter="wipe(up)">
+                                      <p:cBhvr>
+                                        <p:cTn id="45" dur="500"/>
+                                        <p:tgtEl>
+                                          <p:spTgt spid="148"/>
+                                        </p:tgtEl>
+                                      </p:cBhvr>
+                                    </p:animEffect>
+                                  </p:childTnLst>
+                                </p:cTn>
+                              </p:par>
+                              <p:par>
+                                <p:cTn id="46" presetID="22" presetClass="entr" presetSubtype="8" fill="hold" nodeType="withEffect">
+                                  <p:stCondLst>
+                                    <p:cond delay="400"/>
+                                  </p:stCondLst>
+                                  <p:childTnLst>
+                                    <p:set>
+                                      <p:cBhvr>
+                                        <p:cTn id="47" dur="1" fill="hold">
+                                          <p:stCondLst>
+                                            <p:cond delay="0"/>
+                                          </p:stCondLst>
+                                        </p:cTn>
+                                        <p:tgtEl>
+                                          <p:spTgt spid="36"/>
+                                        </p:tgtEl>
+                                        <p:attrNameLst>
+                                          <p:attrName>style.visibility</p:attrName>
+                                        </p:attrNameLst>
+                                      </p:cBhvr>
+                                      <p:to>
+                                        <p:strVal val="visible"/>
+                                      </p:to>
+                                    </p:set>
+                                    <p:animEffect transition="in" filter="wipe(left)">
+                                      <p:cBhvr>
+                                        <p:cTn id="48" dur="200"/>
+                                        <p:tgtEl>
+                                          <p:spTgt spid="36"/>
+                                        </p:tgtEl>
+                                      </p:cBhvr>
+                                    </p:animEffect>
+                                  </p:childTnLst>
+                                </p:cTn>
+                              </p:par>
+                              <p:par>
+                                <p:cTn id="49" presetID="49" presetClass="entr" presetSubtype="0" decel="100000" fill="hold" grpId="0" nodeType="withEffect">
+                                  <p:stCondLst>
+                                    <p:cond delay="600"/>
+                                  </p:stCondLst>
+                                  <p:childTnLst>
+                                    <p:set>
+                                      <p:cBhvr>
+                                        <p:cTn id="50" dur="1" fill="hold">
+                                          <p:stCondLst>
+                                            <p:cond delay="0"/>
+                                          </p:stCondLst>
+                                        </p:cTn>
+                                        <p:tgtEl>
+                                          <p:spTgt spid="37"/>
+                                        </p:tgtEl>
+                                        <p:attrNameLst>
+                                          <p:attrName>style.visibility</p:attrName>
+                                        </p:attrNameLst>
+                                      </p:cBhvr>
+                                      <p:to>
+                                        <p:strVal val="visible"/>
+                                      </p:to>
+                                    </p:set>
+                                    <p:anim calcmode="lin" valueType="num">
+                                      <p:cBhvr>
+                                        <p:cTn id="51" dur="200" fill="hold"/>
+                                        <p:tgtEl>
+                                          <p:spTgt spid="37"/>
+                                        </p:tgtEl>
+                                        <p:attrNameLst>
+                                          <p:attrName>ppt_w</p:attrName>
+                                        </p:attrNameLst>
+                                      </p:cBhvr>
+                                      <p:tavLst>
+                                        <p:tav tm="0">
+                                          <p:val>
+                                            <p:fltVal val="0"/>
+                                          </p:val>
+                                        </p:tav>
+                                        <p:tav tm="100000">
+                                          <p:val>
+                                            <p:strVal val="#ppt_w"/>
+                                          </p:val>
+                                        </p:tav>
+                                      </p:tavLst>
+                                    </p:anim>
+                                    <p:anim calcmode="lin" valueType="num">
+                                      <p:cBhvr>
+                                        <p:cTn id="52" dur="200" fill="hold"/>
+                                        <p:tgtEl>
+                                          <p:spTgt spid="37"/>
+                                        </p:tgtEl>
+                                        <p:attrNameLst>
+                                          <p:attrName>ppt_h</p:attrName>
+                                        </p:attrNameLst>
+                                      </p:cBhvr>
+                                      <p:tavLst>
+                                        <p:tav tm="0">
+                                          <p:val>
+                                            <p:fltVal val="0"/>
+                                          </p:val>
+                                        </p:tav>
+                                        <p:tav tm="100000">
+                                          <p:val>
+                                            <p:strVal val="#ppt_h"/>
+                                          </p:val>
+                                        </p:tav>
+                                      </p:tavLst>
+                                    </p:anim>
+                                    <p:anim calcmode="lin" valueType="num">
+                                      <p:cBhvr>
+                                        <p:cTn id="53" dur="200" fill="hold"/>
+                                        <p:tgtEl>
+                                          <p:spTgt spid="37"/>
+                                        </p:tgtEl>
+                                        <p:attrNameLst>
+                                          <p:attrName>style.rotation</p:attrName>
+                                        </p:attrNameLst>
+                                      </p:cBhvr>
+                                      <p:tavLst>
+                                        <p:tav tm="0">
+                                          <p:val>
+                                            <p:fltVal val="360"/>
+                                          </p:val>
+                                        </p:tav>
+                                        <p:tav tm="100000">
+                                          <p:val>
+                                            <p:fltVal val="0"/>
+                                          </p:val>
+                                        </p:tav>
+                                      </p:tavLst>
+                                    </p:anim>
+                                    <p:animEffect transition="in" filter="fade">
+                                      <p:cBhvr>
+                                        <p:cTn id="54" dur="200"/>
+                                        <p:tgtEl>
+                                          <p:spTgt spid="37"/>
+                                        </p:tgtEl>
+                                      </p:cBhvr>
+                                    </p:animEffect>
+                                  </p:childTnLst>
+                                </p:cTn>
+                              </p:par>
+                              <p:par>
+                                <p:cTn id="55" presetID="49" presetClass="entr" presetSubtype="0" decel="100000" fill="hold" grpId="0" nodeType="withEffect">
+                                  <p:stCondLst>
+                                    <p:cond delay="800"/>
+                                  </p:stCondLst>
+                                  <p:childTnLst>
+                                    <p:set>
+                                      <p:cBhvr>
+                                        <p:cTn id="56" dur="1" fill="hold">
+                                          <p:stCondLst>
+                                            <p:cond delay="0"/>
+                                          </p:stCondLst>
+                                        </p:cTn>
+                                        <p:tgtEl>
+                                          <p:spTgt spid="35"/>
+                                        </p:tgtEl>
+                                        <p:attrNameLst>
+                                          <p:attrName>style.visibility</p:attrName>
+                                        </p:attrNameLst>
+                                      </p:cBhvr>
+                                      <p:to>
+                                        <p:strVal val="visible"/>
+                                      </p:to>
+                                    </p:set>
+                                    <p:anim calcmode="lin" valueType="num">
+                                      <p:cBhvr>
+                                        <p:cTn id="57" dur="500" fill="hold"/>
+                                        <p:tgtEl>
+                                          <p:spTgt spid="35"/>
+                                        </p:tgtEl>
+                                        <p:attrNameLst>
+                                          <p:attrName>ppt_w</p:attrName>
+                                        </p:attrNameLst>
+                                      </p:cBhvr>
+                                      <p:tavLst>
+                                        <p:tav tm="0">
+                                          <p:val>
+                                            <p:fltVal val="0"/>
+                                          </p:val>
+                                        </p:tav>
+                                        <p:tav tm="100000">
+                                          <p:val>
+                                            <p:strVal val="#ppt_w"/>
+                                          </p:val>
+                                        </p:tav>
+                                      </p:tavLst>
+                                    </p:anim>
+                                    <p:anim calcmode="lin" valueType="num">
+                                      <p:cBhvr>
+                                        <p:cTn id="58" dur="500" fill="hold"/>
+                                        <p:tgtEl>
+                                          <p:spTgt spid="35"/>
+                                        </p:tgtEl>
+                                        <p:attrNameLst>
+                                          <p:attrName>ppt_h</p:attrName>
+                                        </p:attrNameLst>
+                                      </p:cBhvr>
+                                      <p:tavLst>
+                                        <p:tav tm="0">
+                                          <p:val>
+                                            <p:fltVal val="0"/>
+                                          </p:val>
+                                        </p:tav>
+                                        <p:tav tm="100000">
+                                          <p:val>
+                                            <p:strVal val="#ppt_h"/>
+                                          </p:val>
+                                        </p:tav>
+                                      </p:tavLst>
+                                    </p:anim>
+                                    <p:anim calcmode="lin" valueType="num">
+                                      <p:cBhvr>
+                                        <p:cTn id="59" dur="500" fill="hold"/>
+                                        <p:tgtEl>
+                                          <p:spTgt spid="35"/>
+                                        </p:tgtEl>
+                                        <p:attrNameLst>
+                                          <p:attrName>style.rotation</p:attrName>
+                                        </p:attrNameLst>
+                                      </p:cBhvr>
+                                      <p:tavLst>
+                                        <p:tav tm="0">
+                                          <p:val>
+                                            <p:fltVal val="360"/>
+                                          </p:val>
+                                        </p:tav>
+                                        <p:tav tm="100000">
+                                          <p:val>
+                                            <p:fltVal val="0"/>
+                                          </p:val>
+                                        </p:tav>
+                                      </p:tavLst>
+                                    </p:anim>
+                                    <p:animEffect transition="in" filter="fade">
+                                      <p:cBhvr>
+                                        <p:cTn id="60" dur="500"/>
+                                        <p:tgtEl>
+                                          <p:spTgt spid="35"/>
+                                        </p:tgtEl>
+                                      </p:cBhvr>
+                                    </p:animEffect>
+                                  </p:childTnLst>
+                                </p:cTn>
+                              </p:par>
+                              <p:par>
+                                <p:cTn id="61" presetID="49" presetClass="entr" presetSubtype="0" decel="100000" fill="hold" grpId="0" nodeType="withEffect">
+                                  <p:stCondLst>
+                                    <p:cond delay="1000"/>
+                                  </p:stCondLst>
+                                  <p:childTnLst>
+                                    <p:set>
+                                      <p:cBhvr>
+                                        <p:cTn id="62" dur="1" fill="hold">
+                                          <p:stCondLst>
+                                            <p:cond delay="0"/>
+                                          </p:stCondLst>
+                                        </p:cTn>
+                                        <p:tgtEl>
+                                          <p:spTgt spid="47"/>
+                                        </p:tgtEl>
+                                        <p:attrNameLst>
+                                          <p:attrName>style.visibility</p:attrName>
+                                        </p:attrNameLst>
+                                      </p:cBhvr>
+                                      <p:to>
+                                        <p:strVal val="visible"/>
+                                      </p:to>
+                                    </p:set>
+                                    <p:anim calcmode="lin" valueType="num">
+                                      <p:cBhvr>
+                                        <p:cTn id="63" dur="500" fill="hold"/>
+                                        <p:tgtEl>
+                                          <p:spTgt spid="47"/>
+                                        </p:tgtEl>
+                                        <p:attrNameLst>
+                                          <p:attrName>ppt_w</p:attrName>
+                                        </p:attrNameLst>
+                                      </p:cBhvr>
+                                      <p:tavLst>
+                                        <p:tav tm="0">
+                                          <p:val>
+                                            <p:fltVal val="0"/>
+                                          </p:val>
+                                        </p:tav>
+                                        <p:tav tm="100000">
+                                          <p:val>
+                                            <p:strVal val="#ppt_w"/>
+                                          </p:val>
+                                        </p:tav>
+                                      </p:tavLst>
+                                    </p:anim>
+                                    <p:anim calcmode="lin" valueType="num">
+                                      <p:cBhvr>
+                                        <p:cTn id="64" dur="500" fill="hold"/>
+                                        <p:tgtEl>
+                                          <p:spTgt spid="47"/>
+                                        </p:tgtEl>
+                                        <p:attrNameLst>
+                                          <p:attrName>ppt_h</p:attrName>
+                                        </p:attrNameLst>
+                                      </p:cBhvr>
+                                      <p:tavLst>
+                                        <p:tav tm="0">
+                                          <p:val>
+                                            <p:fltVal val="0"/>
+                                          </p:val>
+                                        </p:tav>
+                                        <p:tav tm="100000">
+                                          <p:val>
+                                            <p:strVal val="#ppt_h"/>
+                                          </p:val>
+                                        </p:tav>
+                                      </p:tavLst>
+                                    </p:anim>
+                                    <p:anim calcmode="lin" valueType="num">
+                                      <p:cBhvr>
+                                        <p:cTn id="65" dur="500" fill="hold"/>
+                                        <p:tgtEl>
+                                          <p:spTgt spid="47"/>
+                                        </p:tgtEl>
+                                        <p:attrNameLst>
+                                          <p:attrName>style.rotation</p:attrName>
+                                        </p:attrNameLst>
+                                      </p:cBhvr>
+                                      <p:tavLst>
+                                        <p:tav tm="0">
+                                          <p:val>
+                                            <p:fltVal val="360"/>
+                                          </p:val>
+                                        </p:tav>
+                                        <p:tav tm="100000">
+                                          <p:val>
+                                            <p:fltVal val="0"/>
+                                          </p:val>
+                                        </p:tav>
+                                      </p:tavLst>
+                                    </p:anim>
+                                    <p:animEffect transition="in" filter="fade">
+                                      <p:cBhvr>
+                                        <p:cTn id="66" dur="500"/>
+                                        <p:tgtEl>
+                                          <p:spTgt spid="47"/>
+                                        </p:tgtEl>
+                                      </p:cBhvr>
+                                    </p:animEffect>
+                                  </p:childTnLst>
+                                </p:cTn>
+                              </p:par>
+                              <p:par>
+                                <p:cTn id="67" presetID="49" presetClass="entr" presetSubtype="0" decel="100000" fill="hold" nodeType="withEffect">
+                                  <p:stCondLst>
+                                    <p:cond delay="1000"/>
+                                  </p:stCondLst>
+                                  <p:childTnLst>
+                                    <p:set>
+                                      <p:cBhvr>
+                                        <p:cTn id="68" dur="1" fill="hold">
+                                          <p:stCondLst>
+                                            <p:cond delay="0"/>
+                                          </p:stCondLst>
+                                        </p:cTn>
+                                        <p:tgtEl>
+                                          <p:spTgt spid="39"/>
+                                        </p:tgtEl>
+                                        <p:attrNameLst>
+                                          <p:attrName>style.visibility</p:attrName>
+                                        </p:attrNameLst>
+                                      </p:cBhvr>
+                                      <p:to>
+                                        <p:strVal val="visible"/>
+                                      </p:to>
+                                    </p:set>
+                                    <p:anim calcmode="lin" valueType="num">
+                                      <p:cBhvr>
+                                        <p:cTn id="69" dur="500" fill="hold"/>
+                                        <p:tgtEl>
+                                          <p:spTgt spid="39"/>
+                                        </p:tgtEl>
+                                        <p:attrNameLst>
+                                          <p:attrName>ppt_w</p:attrName>
+                                        </p:attrNameLst>
+                                      </p:cBhvr>
+                                      <p:tavLst>
+                                        <p:tav tm="0">
+                                          <p:val>
+                                            <p:fltVal val="0"/>
+                                          </p:val>
+                                        </p:tav>
+                                        <p:tav tm="100000">
+                                          <p:val>
+                                            <p:strVal val="#ppt_w"/>
+                                          </p:val>
+                                        </p:tav>
+                                      </p:tavLst>
+                                    </p:anim>
+                                    <p:anim calcmode="lin" valueType="num">
+                                      <p:cBhvr>
+                                        <p:cTn id="70" dur="500" fill="hold"/>
+                                        <p:tgtEl>
+                                          <p:spTgt spid="39"/>
+                                        </p:tgtEl>
+                                        <p:attrNameLst>
+                                          <p:attrName>ppt_h</p:attrName>
+                                        </p:attrNameLst>
+                                      </p:cBhvr>
+                                      <p:tavLst>
+                                        <p:tav tm="0">
+                                          <p:val>
+                                            <p:fltVal val="0"/>
+                                          </p:val>
+                                        </p:tav>
+                                        <p:tav tm="100000">
+                                          <p:val>
+                                            <p:strVal val="#ppt_h"/>
+                                          </p:val>
+                                        </p:tav>
+                                      </p:tavLst>
+                                    </p:anim>
+                                    <p:anim calcmode="lin" valueType="num">
+                                      <p:cBhvr>
+                                        <p:cTn id="71" dur="500" fill="hold"/>
+                                        <p:tgtEl>
+                                          <p:spTgt spid="39"/>
+                                        </p:tgtEl>
+                                        <p:attrNameLst>
+                                          <p:attrName>style.rotation</p:attrName>
+                                        </p:attrNameLst>
+                                      </p:cBhvr>
+                                      <p:tavLst>
+                                        <p:tav tm="0">
+                                          <p:val>
+                                            <p:fltVal val="360"/>
+                                          </p:val>
+                                        </p:tav>
+                                        <p:tav tm="100000">
+                                          <p:val>
+                                            <p:fltVal val="0"/>
+                                          </p:val>
+                                        </p:tav>
+                                      </p:tavLst>
+                                    </p:anim>
+                                    <p:animEffect transition="in" filter="fade">
+                                      <p:cBhvr>
+                                        <p:cTn id="72" dur="500"/>
+                                        <p:tgtEl>
+                                          <p:spTgt spid="39"/>
+                                        </p:tgtEl>
+                                      </p:cBhvr>
+                                    </p:animEffect>
+                                  </p:childTnLst>
+                                </p:cTn>
+                              </p:par>
+                              <p:par>
+                                <p:cTn id="73" presetID="49" presetClass="entr" presetSubtype="0" decel="100000" fill="hold" nodeType="withEffect">
+                                  <p:stCondLst>
+                                    <p:cond delay="1000"/>
+                                  </p:stCondLst>
+                                  <p:childTnLst>
+                                    <p:set>
+                                      <p:cBhvr>
+                                        <p:cTn id="74" dur="1" fill="hold">
+                                          <p:stCondLst>
+                                            <p:cond delay="0"/>
+                                          </p:stCondLst>
+                                        </p:cTn>
+                                        <p:tgtEl>
+                                          <p:spTgt spid="50"/>
+                                        </p:tgtEl>
+                                        <p:attrNameLst>
+                                          <p:attrName>style.visibility</p:attrName>
+                                        </p:attrNameLst>
+                                      </p:cBhvr>
+                                      <p:to>
+                                        <p:strVal val="visible"/>
+                                      </p:to>
+                                    </p:set>
+                                    <p:anim calcmode="lin" valueType="num">
+                                      <p:cBhvr>
+                                        <p:cTn id="75" dur="500" fill="hold"/>
+                                        <p:tgtEl>
+                                          <p:spTgt spid="50"/>
+                                        </p:tgtEl>
+                                        <p:attrNameLst>
+                                          <p:attrName>ppt_w</p:attrName>
+                                        </p:attrNameLst>
+                                      </p:cBhvr>
+                                      <p:tavLst>
+                                        <p:tav tm="0">
+                                          <p:val>
+                                            <p:fltVal val="0"/>
+                                          </p:val>
+                                        </p:tav>
+                                        <p:tav tm="100000">
+                                          <p:val>
+                                            <p:strVal val="#ppt_w"/>
+                                          </p:val>
+                                        </p:tav>
+                                      </p:tavLst>
+                                    </p:anim>
+                                    <p:anim calcmode="lin" valueType="num">
+                                      <p:cBhvr>
+                                        <p:cTn id="76" dur="500" fill="hold"/>
+                                        <p:tgtEl>
+                                          <p:spTgt spid="50"/>
+                                        </p:tgtEl>
+                                        <p:attrNameLst>
+                                          <p:attrName>ppt_h</p:attrName>
+                                        </p:attrNameLst>
+                                      </p:cBhvr>
+                                      <p:tavLst>
+                                        <p:tav tm="0">
+                                          <p:val>
+                                            <p:fltVal val="0"/>
+                                          </p:val>
+                                        </p:tav>
+                                        <p:tav tm="100000">
+                                          <p:val>
+                                            <p:strVal val="#ppt_h"/>
+                                          </p:val>
+                                        </p:tav>
+                                      </p:tavLst>
+                                    </p:anim>
+                                    <p:anim calcmode="lin" valueType="num">
+                                      <p:cBhvr>
+                                        <p:cTn id="77" dur="500" fill="hold"/>
+                                        <p:tgtEl>
+                                          <p:spTgt spid="50"/>
+                                        </p:tgtEl>
+                                        <p:attrNameLst>
+                                          <p:attrName>style.rotation</p:attrName>
+                                        </p:attrNameLst>
+                                      </p:cBhvr>
+                                      <p:tavLst>
+                                        <p:tav tm="0">
+                                          <p:val>
+                                            <p:fltVal val="360"/>
+                                          </p:val>
+                                        </p:tav>
+                                        <p:tav tm="100000">
+                                          <p:val>
+                                            <p:fltVal val="0"/>
+                                          </p:val>
+                                        </p:tav>
+                                      </p:tavLst>
+                                    </p:anim>
+                                    <p:animEffect transition="in" filter="fade">
+                                      <p:cBhvr>
+                                        <p:cTn id="78" dur="500"/>
+                                        <p:tgtEl>
+                                          <p:spTgt spid="50"/>
+                                        </p:tgtEl>
+                                      </p:cBhvr>
+                                    </p:animEffect>
+                                  </p:childTnLst>
+                                </p:cTn>
+                              </p:par>
+                              <p:par>
+                                <p:cTn id="79" presetID="22" presetClass="entr" presetSubtype="2" fill="hold" nodeType="withEffect">
+                                  <p:stCondLst>
+                                    <p:cond delay="1400"/>
+                                  </p:stCondLst>
+                                  <p:childTnLst>
+                                    <p:set>
+                                      <p:cBhvr>
+                                        <p:cTn id="80" dur="1" fill="hold">
                                           <p:stCondLst>
                                             <p:cond delay="0"/>
                                           </p:stCondLst>
@@ -23721,7 +26876,7 @@
                                     </p:set>
                                     <p:animEffect transition="in" filter="wipe(right)">
                                       <p:cBhvr>
-                                        <p:cTn id="39" dur="500"/>
+                                        <p:cTn id="81" dur="300"/>
                                         <p:tgtEl>
                                           <p:spTgt spid="68"/>
                                         </p:tgtEl>
@@ -23730,30 +26885,78 @@
                                   </p:childTnLst>
                                 </p:cTn>
                               </p:par>
-                            </p:childTnLst>
-                          </p:cTn>
-                        </p:par>
-                        <p:par>
-                          <p:cTn id="40" fill="hold">
-                            <p:stCondLst>
-                              <p:cond delay="1000"/>
-                            </p:stCondLst>
-                            <p:childTnLst>
                               <p:par>
-                                <p:cTn id="41" presetID="22" presetClass="entr" presetSubtype="1" fill="hold" nodeType="afterEffect">
+                                <p:cTn id="82" presetID="42" presetClass="path" presetSubtype="0" accel="50000" decel="50000" fill="hold" nodeType="withEffect">
                                   <p:stCondLst>
-                                    <p:cond delay="0"/>
+                                    <p:cond delay="1700"/>
+                                  </p:stCondLst>
+                                  <p:childTnLst>
+                                    <p:animMotion origin="layout" path="M 0.13737 -0.35972 L 0.3211 -0.83866 " pathEditMode="relative" rAng="0" ptsTypes="AA">
+                                      <p:cBhvr>
+                                        <p:cTn id="83" dur="500" fill="hold"/>
+                                        <p:tgtEl>
+                                          <p:spTgt spid="43"/>
+                                        </p:tgtEl>
+                                        <p:attrNameLst>
+                                          <p:attrName>ppt_x</p:attrName>
+                                          <p:attrName>ppt_y</p:attrName>
+                                        </p:attrNameLst>
+                                      </p:cBhvr>
+                                      <p:rCtr x="9180" y="-23958"/>
+                                    </p:animMotion>
+                                  </p:childTnLst>
+                                </p:cTn>
+                              </p:par>
+                              <p:par>
+                                <p:cTn id="84" presetID="22" presetClass="exit" presetSubtype="1" fill="hold" nodeType="withEffect">
+                                  <p:stCondLst>
+                                    <p:cond delay="2100"/>
+                                  </p:stCondLst>
+                                  <p:childTnLst>
+                                    <p:animEffect transition="out" filter="wipe(up)">
+                                      <p:cBhvr>
+                                        <p:cTn id="85" dur="200"/>
+                                        <p:tgtEl>
+                                          <p:spTgt spid="43"/>
+                                        </p:tgtEl>
+                                      </p:cBhvr>
+                                    </p:animEffect>
+                                    <p:set>
+                                      <p:cBhvr>
+                                        <p:cTn id="86" dur="1" fill="hold">
+                                          <p:stCondLst>
+                                            <p:cond delay="199"/>
+                                          </p:stCondLst>
+                                        </p:cTn>
+                                        <p:tgtEl>
+                                          <p:spTgt spid="43"/>
+                                        </p:tgtEl>
+                                        <p:attrNameLst>
+                                          <p:attrName>style.visibility</p:attrName>
+                                        </p:attrNameLst>
+                                      </p:cBhvr>
+                                      <p:to>
+                                        <p:strVal val="hidden"/>
+                                      </p:to>
+                                    </p:set>
+                                  </p:childTnLst>
+                                </p:cTn>
+                              </p:par>
+                              <p:par>
+                                <p:cTn id="87" presetID="22" presetClass="entr" presetSubtype="4" fill="hold" nodeType="withEffect">
+                                  <p:stCondLst>
+                                    <p:cond delay="2300"/>
                                   </p:stCondLst>
                                   <p:childTnLst>
                                     <p:set>
                                       <p:cBhvr>
-                                        <p:cTn id="42" dur="1" fill="hold">
+                                        <p:cTn id="88" dur="1" fill="hold">
                                           <p:stCondLst>
                                             <p:cond delay="0"/>
                                           </p:stCondLst>
                                         </p:cTn>
                                         <p:tgtEl>
-                                          <p:spTgt spid="148"/>
+                                          <p:spTgt spid="43"/>
                                         </p:tgtEl>
                                         <p:attrNameLst>
                                           <p:attrName>style.visibility</p:attrName>
@@ -23763,108 +26966,11 @@
                                         <p:strVal val="visible"/>
                                       </p:to>
                                     </p:set>
-                                    <p:animEffect transition="in" filter="wipe(up)">
+                                    <p:animEffect transition="in" filter="wipe(down)">
                                       <p:cBhvr>
-                                        <p:cTn id="43" dur="500"/>
+                                        <p:cTn id="89" dur="500"/>
                                         <p:tgtEl>
-                                          <p:spTgt spid="148"/>
-                                        </p:tgtEl>
-                                      </p:cBhvr>
-                                    </p:animEffect>
-                                  </p:childTnLst>
-                                </p:cTn>
-                              </p:par>
-                            </p:childTnLst>
-                          </p:cTn>
-                        </p:par>
-                        <p:par>
-                          <p:cTn id="44" fill="hold">
-                            <p:stCondLst>
-                              <p:cond delay="1500"/>
-                            </p:stCondLst>
-                            <p:childTnLst>
-                              <p:par>
-                                <p:cTn id="45" presetID="22" presetClass="entr" presetSubtype="8" fill="hold" nodeType="afterEffect">
-                                  <p:stCondLst>
-                                    <p:cond delay="0"/>
-                                  </p:stCondLst>
-                                  <p:childTnLst>
-                                    <p:set>
-                                      <p:cBhvr>
-                                        <p:cTn id="46" dur="1" fill="hold">
-                                          <p:stCondLst>
-                                            <p:cond delay="0"/>
-                                          </p:stCondLst>
-                                        </p:cTn>
-                                        <p:tgtEl>
-                                          <p:spTgt spid="149"/>
-                                        </p:tgtEl>
-                                        <p:attrNameLst>
-                                          <p:attrName>style.visibility</p:attrName>
-                                        </p:attrNameLst>
-                                      </p:cBhvr>
-                                      <p:to>
-                                        <p:strVal val="visible"/>
-                                      </p:to>
-                                    </p:set>
-                                    <p:animEffect transition="in" filter="wipe(left)">
-                                      <p:cBhvr>
-                                        <p:cTn id="47" dur="500"/>
-                                        <p:tgtEl>
-                                          <p:spTgt spid="149"/>
-                                        </p:tgtEl>
-                                      </p:cBhvr>
-                                    </p:animEffect>
-                                  </p:childTnLst>
-                                </p:cTn>
-                              </p:par>
-                            </p:childTnLst>
-                          </p:cTn>
-                        </p:par>
-                      </p:childTnLst>
-                    </p:cTn>
-                  </p:par>
-                  <p:par>
-                    <p:cTn id="48" fill="hold">
-                      <p:stCondLst>
-                        <p:cond delay="indefinite"/>
-                      </p:stCondLst>
-                      <p:childTnLst>
-                        <p:par>
-                          <p:cTn id="49" fill="hold">
-                            <p:stCondLst>
-                              <p:cond delay="0"/>
-                            </p:stCondLst>
-                            <p:childTnLst>
-                              <p:par>
-                                <p:cTn id="50" presetID="21" presetClass="entr" presetSubtype="1" fill="hold" grpId="0" nodeType="clickEffect">
-                                  <p:stCondLst>
-                                    <p:cond delay="0"/>
-                                  </p:stCondLst>
-                                  <p:childTnLst>
-                                    <p:set>
-                                      <p:cBhvr>
-                                        <p:cTn id="51" dur="1" fill="hold">
-                                          <p:stCondLst>
-                                            <p:cond delay="0"/>
-                                          </p:stCondLst>
-                                        </p:cTn>
-                                        <p:tgtEl>
-                                          <p:spTgt spid="35"/>
-                                        </p:tgtEl>
-                                        <p:attrNameLst>
-                                          <p:attrName>style.visibility</p:attrName>
-                                        </p:attrNameLst>
-                                      </p:cBhvr>
-                                      <p:to>
-                                        <p:strVal val="visible"/>
-                                      </p:to>
-                                    </p:set>
-                                    <p:animEffect transition="in" filter="wheel(1)">
-                                      <p:cBhvr>
-                                        <p:cTn id="52" dur="1000"/>
-                                        <p:tgtEl>
-                                          <p:spTgt spid="35"/>
+                                          <p:spTgt spid="43"/>
                                         </p:tgtEl>
                                       </p:cBhvr>
                                     </p:animEffect>
@@ -23872,67 +26978,14 @@
                                 </p:cTn>
                               </p:par>
                               <p:par>
-                                <p:cTn id="53" presetID="21" presetClass="entr" presetSubtype="1" repeatCount="2000" fill="hold" grpId="0" nodeType="withEffect">
+                                <p:cTn id="90" presetID="49" presetClass="entr" presetSubtype="0" decel="100000" fill="hold" nodeType="withEffect">
                                   <p:stCondLst>
-                                    <p:cond delay="0"/>
+                                    <p:cond delay="2300"/>
                                   </p:stCondLst>
                                   <p:childTnLst>
                                     <p:set>
                                       <p:cBhvr>
-                                        <p:cTn id="54" dur="1" fill="hold">
-                                          <p:stCondLst>
-                                            <p:cond delay="0"/>
-                                          </p:stCondLst>
-                                        </p:cTn>
-                                        <p:tgtEl>
-                                          <p:spTgt spid="47"/>
-                                        </p:tgtEl>
-                                        <p:attrNameLst>
-                                          <p:attrName>style.visibility</p:attrName>
-                                        </p:attrNameLst>
-                                      </p:cBhvr>
-                                      <p:to>
-                                        <p:strVal val="visible"/>
-                                      </p:to>
-                                    </p:set>
-                                    <p:animEffect transition="in" filter="wheel(1)">
-                                      <p:cBhvr>
-                                        <p:cTn id="55" dur="1000"/>
-                                        <p:tgtEl>
-                                          <p:spTgt spid="47"/>
-                                        </p:tgtEl>
-                                      </p:cBhvr>
-                                    </p:animEffect>
-                                  </p:childTnLst>
-                                </p:cTn>
-                              </p:par>
-                            </p:childTnLst>
-                          </p:cTn>
-                        </p:par>
-                      </p:childTnLst>
-                    </p:cTn>
-                  </p:par>
-                  <p:par>
-                    <p:cTn id="56" fill="hold">
-                      <p:stCondLst>
-                        <p:cond delay="indefinite"/>
-                      </p:stCondLst>
-                      <p:childTnLst>
-                        <p:par>
-                          <p:cTn id="57" fill="hold">
-                            <p:stCondLst>
-                              <p:cond delay="0"/>
-                            </p:stCondLst>
-                            <p:childTnLst>
-                              <p:par>
-                                <p:cTn id="58" presetID="49" presetClass="entr" presetSubtype="0" decel="100000" fill="hold" nodeType="clickEffect">
-                                  <p:stCondLst>
-                                    <p:cond delay="0"/>
-                                  </p:stCondLst>
-                                  <p:childTnLst>
-                                    <p:set>
-                                      <p:cBhvr>
-                                        <p:cTn id="59" dur="1" fill="hold">
+                                        <p:cTn id="91" dur="1" fill="hold">
                                           <p:stCondLst>
                                             <p:cond delay="0"/>
                                           </p:stCondLst>
@@ -23950,7 +27003,7 @@
                                     </p:set>
                                     <p:anim calcmode="lin" valueType="num">
                                       <p:cBhvr>
-                                        <p:cTn id="60" dur="500" fill="hold"/>
+                                        <p:cTn id="92" dur="500" fill="hold"/>
                                         <p:tgtEl>
                                           <p:spTgt spid="51"/>
                                         </p:tgtEl>
@@ -23973,7 +27026,7 @@
                                     </p:anim>
                                     <p:anim calcmode="lin" valueType="num">
                                       <p:cBhvr>
-                                        <p:cTn id="61" dur="500" fill="hold"/>
+                                        <p:cTn id="93" dur="500" fill="hold"/>
                                         <p:tgtEl>
                                           <p:spTgt spid="51"/>
                                         </p:tgtEl>
@@ -23996,7 +27049,7 @@
                                     </p:anim>
                                     <p:anim calcmode="lin" valueType="num">
                                       <p:cBhvr>
-                                        <p:cTn id="62" dur="500" fill="hold"/>
+                                        <p:cTn id="94" dur="500" fill="hold"/>
                                         <p:tgtEl>
                                           <p:spTgt spid="51"/>
                                         </p:tgtEl>
@@ -24019,7 +27072,7 @@
                                     </p:anim>
                                     <p:animEffect transition="in" filter="fade">
                                       <p:cBhvr>
-                                        <p:cTn id="63" dur="500"/>
+                                        <p:cTn id="95" dur="500"/>
                                         <p:tgtEl>
                                           <p:spTgt spid="51"/>
                                         </p:tgtEl>
@@ -24028,208 +27081,15 @@
                                   </p:childTnLst>
                                 </p:cTn>
                               </p:par>
-                            </p:childTnLst>
-                          </p:cTn>
-                        </p:par>
-                      </p:childTnLst>
-                    </p:cTn>
-                  </p:par>
-                  <p:par>
-                    <p:cTn id="64" fill="hold">
-                      <p:stCondLst>
-                        <p:cond delay="indefinite"/>
-                      </p:stCondLst>
-                      <p:childTnLst>
-                        <p:par>
-                          <p:cTn id="65" fill="hold">
-                            <p:stCondLst>
-                              <p:cond delay="0"/>
-                            </p:stCondLst>
-                            <p:childTnLst>
                               <p:par>
-                                <p:cTn id="66" presetID="21" presetClass="entr" presetSubtype="1" fill="hold" nodeType="clickEffect">
+                                <p:cTn id="96" presetID="12" presetClass="entr" presetSubtype="2" fill="hold" nodeType="withEffect">
                                   <p:stCondLst>
-                                    <p:cond delay="0"/>
+                                    <p:cond delay="2700"/>
                                   </p:stCondLst>
                                   <p:childTnLst>
                                     <p:set>
                                       <p:cBhvr>
-                                        <p:cTn id="67" dur="1" fill="hold">
-                                          <p:stCondLst>
-                                            <p:cond delay="0"/>
-                                          </p:stCondLst>
-                                        </p:cTn>
-                                        <p:tgtEl>
-                                          <p:spTgt spid="39"/>
-                                        </p:tgtEl>
-                                        <p:attrNameLst>
-                                          <p:attrName>style.visibility</p:attrName>
-                                        </p:attrNameLst>
-                                      </p:cBhvr>
-                                      <p:to>
-                                        <p:strVal val="visible"/>
-                                      </p:to>
-                                    </p:set>
-                                    <p:animEffect transition="in" filter="wheel(1)">
-                                      <p:cBhvr>
-                                        <p:cTn id="68" dur="1000"/>
-                                        <p:tgtEl>
-                                          <p:spTgt spid="39"/>
-                                        </p:tgtEl>
-                                      </p:cBhvr>
-                                    </p:animEffect>
-                                  </p:childTnLst>
-                                </p:cTn>
-                              </p:par>
-                            </p:childTnLst>
-                          </p:cTn>
-                        </p:par>
-                      </p:childTnLst>
-                    </p:cTn>
-                  </p:par>
-                  <p:par>
-                    <p:cTn id="69" fill="hold">
-                      <p:stCondLst>
-                        <p:cond delay="indefinite"/>
-                      </p:stCondLst>
-                      <p:childTnLst>
-                        <p:par>
-                          <p:cTn id="70" fill="hold">
-                            <p:stCondLst>
-                              <p:cond delay="0"/>
-                            </p:stCondLst>
-                            <p:childTnLst>
-                              <p:par>
-                                <p:cTn id="71" presetID="49" presetClass="entr" presetSubtype="0" decel="100000" fill="hold" nodeType="clickEffect">
-                                  <p:stCondLst>
-                                    <p:cond delay="0"/>
-                                  </p:stCondLst>
-                                  <p:childTnLst>
-                                    <p:set>
-                                      <p:cBhvr>
-                                        <p:cTn id="72" dur="1" fill="hold">
-                                          <p:stCondLst>
-                                            <p:cond delay="0"/>
-                                          </p:stCondLst>
-                                        </p:cTn>
-                                        <p:tgtEl>
-                                          <p:spTgt spid="50"/>
-                                        </p:tgtEl>
-                                        <p:attrNameLst>
-                                          <p:attrName>style.visibility</p:attrName>
-                                        </p:attrNameLst>
-                                      </p:cBhvr>
-                                      <p:to>
-                                        <p:strVal val="visible"/>
-                                      </p:to>
-                                    </p:set>
-                                    <p:anim calcmode="lin" valueType="num">
-                                      <p:cBhvr>
-                                        <p:cTn id="73" dur="500" fill="hold"/>
-                                        <p:tgtEl>
-                                          <p:spTgt spid="50"/>
-                                        </p:tgtEl>
-                                        <p:attrNameLst>
-                                          <p:attrName>ppt_w</p:attrName>
-                                        </p:attrNameLst>
-                                      </p:cBhvr>
-                                      <p:tavLst>
-                                        <p:tav tm="0">
-                                          <p:val>
-                                            <p:fltVal val="0"/>
-                                          </p:val>
-                                        </p:tav>
-                                        <p:tav tm="100000">
-                                          <p:val>
-                                            <p:strVal val="#ppt_w"/>
-                                          </p:val>
-                                        </p:tav>
-                                      </p:tavLst>
-                                    </p:anim>
-                                    <p:anim calcmode="lin" valueType="num">
-                                      <p:cBhvr>
-                                        <p:cTn id="74" dur="500" fill="hold"/>
-                                        <p:tgtEl>
-                                          <p:spTgt spid="50"/>
-                                        </p:tgtEl>
-                                        <p:attrNameLst>
-                                          <p:attrName>ppt_h</p:attrName>
-                                        </p:attrNameLst>
-                                      </p:cBhvr>
-                                      <p:tavLst>
-                                        <p:tav tm="0">
-                                          <p:val>
-                                            <p:fltVal val="0"/>
-                                          </p:val>
-                                        </p:tav>
-                                        <p:tav tm="100000">
-                                          <p:val>
-                                            <p:strVal val="#ppt_h"/>
-                                          </p:val>
-                                        </p:tav>
-                                      </p:tavLst>
-                                    </p:anim>
-                                    <p:anim calcmode="lin" valueType="num">
-                                      <p:cBhvr>
-                                        <p:cTn id="75" dur="500" fill="hold"/>
-                                        <p:tgtEl>
-                                          <p:spTgt spid="50"/>
-                                        </p:tgtEl>
-                                        <p:attrNameLst>
-                                          <p:attrName>style.rotation</p:attrName>
-                                        </p:attrNameLst>
-                                      </p:cBhvr>
-                                      <p:tavLst>
-                                        <p:tav tm="0">
-                                          <p:val>
-                                            <p:fltVal val="360"/>
-                                          </p:val>
-                                        </p:tav>
-                                        <p:tav tm="100000">
-                                          <p:val>
-                                            <p:fltVal val="0"/>
-                                          </p:val>
-                                        </p:tav>
-                                      </p:tavLst>
-                                    </p:anim>
-                                    <p:animEffect transition="in" filter="fade">
-                                      <p:cBhvr>
-                                        <p:cTn id="76" dur="500"/>
-                                        <p:tgtEl>
-                                          <p:spTgt spid="50"/>
-                                        </p:tgtEl>
-                                      </p:cBhvr>
-                                    </p:animEffect>
-                                  </p:childTnLst>
-                                </p:cTn>
-                              </p:par>
-                            </p:childTnLst>
-                          </p:cTn>
-                        </p:par>
-                      </p:childTnLst>
-                    </p:cTn>
-                  </p:par>
-                  <p:par>
-                    <p:cTn id="77" fill="hold">
-                      <p:stCondLst>
-                        <p:cond delay="indefinite"/>
-                      </p:stCondLst>
-                      <p:childTnLst>
-                        <p:par>
-                          <p:cTn id="78" fill="hold">
-                            <p:stCondLst>
-                              <p:cond delay="0"/>
-                            </p:stCondLst>
-                            <p:childTnLst>
-                              <p:par>
-                                <p:cTn id="79" presetID="12" presetClass="entr" presetSubtype="2" fill="hold" nodeType="clickEffect">
-                                  <p:stCondLst>
-                                    <p:cond delay="0"/>
-                                  </p:stCondLst>
-                                  <p:childTnLst>
-                                    <p:set>
-                                      <p:cBhvr>
-                                        <p:cTn id="80" dur="1" fill="hold">
+                                        <p:cTn id="97" dur="1" fill="hold">
                                           <p:stCondLst>
                                             <p:cond delay="0"/>
                                           </p:stCondLst>
@@ -24247,7 +27107,7 @@
                                     </p:set>
                                     <p:anim calcmode="lin" valueType="num">
                                       <p:cBhvr additive="base">
-                                        <p:cTn id="81" dur="500"/>
+                                        <p:cTn id="98" dur="500"/>
                                         <p:tgtEl>
                                           <p:spTgt spid="147"/>
                                         </p:tgtEl>
@@ -24270,9 +27130,289 @@
                                     </p:anim>
                                     <p:animEffect transition="in" filter="wipe(left)">
                                       <p:cBhvr>
-                                        <p:cTn id="82" dur="500"/>
+                                        <p:cTn id="99" dur="500"/>
                                         <p:tgtEl>
                                           <p:spTgt spid="147"/>
+                                        </p:tgtEl>
+                                      </p:cBhvr>
+                                    </p:animEffect>
+                                  </p:childTnLst>
+                                </p:cTn>
+                              </p:par>
+                            </p:childTnLst>
+                          </p:cTn>
+                        </p:par>
+                      </p:childTnLst>
+                    </p:cTn>
+                  </p:par>
+                  <p:par>
+                    <p:cTn id="100" fill="hold">
+                      <p:stCondLst>
+                        <p:cond delay="indefinite"/>
+                      </p:stCondLst>
+                      <p:childTnLst>
+                        <p:par>
+                          <p:cTn id="101" fill="hold">
+                            <p:stCondLst>
+                              <p:cond delay="0"/>
+                            </p:stCondLst>
+                            <p:childTnLst>
+                              <p:par>
+                                <p:cTn id="102" presetID="50" presetClass="entr" presetSubtype="0" decel="100000" fill="hold" grpId="0" nodeType="clickEffect">
+                                  <p:stCondLst>
+                                    <p:cond delay="0"/>
+                                  </p:stCondLst>
+                                  <p:childTnLst>
+                                    <p:set>
+                                      <p:cBhvr>
+                                        <p:cTn id="103" dur="1" fill="hold">
+                                          <p:stCondLst>
+                                            <p:cond delay="0"/>
+                                          </p:stCondLst>
+                                        </p:cTn>
+                                        <p:tgtEl>
+                                          <p:spTgt spid="13"/>
+                                        </p:tgtEl>
+                                        <p:attrNameLst>
+                                          <p:attrName>style.visibility</p:attrName>
+                                        </p:attrNameLst>
+                                      </p:cBhvr>
+                                      <p:to>
+                                        <p:strVal val="visible"/>
+                                      </p:to>
+                                    </p:set>
+                                    <p:anim calcmode="lin" valueType="num">
+                                      <p:cBhvr>
+                                        <p:cTn id="104" dur="1000" fill="hold"/>
+                                        <p:tgtEl>
+                                          <p:spTgt spid="13"/>
+                                        </p:tgtEl>
+                                        <p:attrNameLst>
+                                          <p:attrName>ppt_w</p:attrName>
+                                        </p:attrNameLst>
+                                      </p:cBhvr>
+                                      <p:tavLst>
+                                        <p:tav tm="0">
+                                          <p:val>
+                                            <p:strVal val="#ppt_w+.3"/>
+                                          </p:val>
+                                        </p:tav>
+                                        <p:tav tm="100000">
+                                          <p:val>
+                                            <p:strVal val="#ppt_w"/>
+                                          </p:val>
+                                        </p:tav>
+                                      </p:tavLst>
+                                    </p:anim>
+                                    <p:anim calcmode="lin" valueType="num">
+                                      <p:cBhvr>
+                                        <p:cTn id="105" dur="1000" fill="hold"/>
+                                        <p:tgtEl>
+                                          <p:spTgt spid="13"/>
+                                        </p:tgtEl>
+                                        <p:attrNameLst>
+                                          <p:attrName>ppt_h</p:attrName>
+                                        </p:attrNameLst>
+                                      </p:cBhvr>
+                                      <p:tavLst>
+                                        <p:tav tm="0">
+                                          <p:val>
+                                            <p:strVal val="#ppt_h"/>
+                                          </p:val>
+                                        </p:tav>
+                                        <p:tav tm="100000">
+                                          <p:val>
+                                            <p:strVal val="#ppt_h"/>
+                                          </p:val>
+                                        </p:tav>
+                                      </p:tavLst>
+                                    </p:anim>
+                                    <p:animEffect transition="in" filter="fade">
+                                      <p:cBhvr>
+                                        <p:cTn id="106" dur="1000"/>
+                                        <p:tgtEl>
+                                          <p:spTgt spid="13"/>
+                                        </p:tgtEl>
+                                      </p:cBhvr>
+                                    </p:animEffect>
+                                  </p:childTnLst>
+                                </p:cTn>
+                              </p:par>
+                            </p:childTnLst>
+                          </p:cTn>
+                        </p:par>
+                      </p:childTnLst>
+                    </p:cTn>
+                  </p:par>
+                  <p:par>
+                    <p:cTn id="107" fill="hold">
+                      <p:stCondLst>
+                        <p:cond delay="indefinite"/>
+                      </p:stCondLst>
+                      <p:childTnLst>
+                        <p:par>
+                          <p:cTn id="108" fill="hold">
+                            <p:stCondLst>
+                              <p:cond delay="0"/>
+                            </p:stCondLst>
+                            <p:childTnLst>
+                              <p:par>
+                                <p:cTn id="109" presetID="47" presetClass="entr" presetSubtype="0" fill="hold" grpId="0" nodeType="clickEffect">
+                                  <p:stCondLst>
+                                    <p:cond delay="0"/>
+                                  </p:stCondLst>
+                                  <p:iterate type="lt">
+                                    <p:tmPct val="4545"/>
+                                  </p:iterate>
+                                  <p:childTnLst>
+                                    <p:set>
+                                      <p:cBhvr>
+                                        <p:cTn id="110" dur="1" fill="hold">
+                                          <p:stCondLst>
+                                            <p:cond delay="0"/>
+                                          </p:stCondLst>
+                                        </p:cTn>
+                                        <p:tgtEl>
+                                          <p:spTgt spid="20"/>
+                                        </p:tgtEl>
+                                        <p:attrNameLst>
+                                          <p:attrName>style.visibility</p:attrName>
+                                        </p:attrNameLst>
+                                      </p:cBhvr>
+                                      <p:to>
+                                        <p:strVal val="visible"/>
+                                      </p:to>
+                                    </p:set>
+                                    <p:animEffect transition="in" filter="fade">
+                                      <p:cBhvr>
+                                        <p:cTn id="111" dur="1000"/>
+                                        <p:tgtEl>
+                                          <p:spTgt spid="20"/>
+                                        </p:tgtEl>
+                                      </p:cBhvr>
+                                    </p:animEffect>
+                                    <p:anim calcmode="lin" valueType="num">
+                                      <p:cBhvr>
+                                        <p:cTn id="112" dur="1000" fill="hold"/>
+                                        <p:tgtEl>
+                                          <p:spTgt spid="20"/>
+                                        </p:tgtEl>
+                                        <p:attrNameLst>
+                                          <p:attrName>ppt_x</p:attrName>
+                                        </p:attrNameLst>
+                                      </p:cBhvr>
+                                      <p:tavLst>
+                                        <p:tav tm="0">
+                                          <p:val>
+                                            <p:strVal val="#ppt_x"/>
+                                          </p:val>
+                                        </p:tav>
+                                        <p:tav tm="100000">
+                                          <p:val>
+                                            <p:strVal val="#ppt_x"/>
+                                          </p:val>
+                                        </p:tav>
+                                      </p:tavLst>
+                                    </p:anim>
+                                    <p:anim calcmode="lin" valueType="num">
+                                      <p:cBhvr>
+                                        <p:cTn id="113" dur="1000" fill="hold"/>
+                                        <p:tgtEl>
+                                          <p:spTgt spid="20"/>
+                                        </p:tgtEl>
+                                        <p:attrNameLst>
+                                          <p:attrName>ppt_y</p:attrName>
+                                        </p:attrNameLst>
+                                      </p:cBhvr>
+                                      <p:tavLst>
+                                        <p:tav tm="0">
+                                          <p:val>
+                                            <p:strVal val="#ppt_y-.1"/>
+                                          </p:val>
+                                        </p:tav>
+                                        <p:tav tm="100000">
+                                          <p:val>
+                                            <p:strVal val="#ppt_y"/>
+                                          </p:val>
+                                        </p:tav>
+                                      </p:tavLst>
+                                    </p:anim>
+                                  </p:childTnLst>
+                                </p:cTn>
+                              </p:par>
+                              <p:par>
+                                <p:cTn id="114" presetID="16" presetClass="entr" presetSubtype="37" fill="hold" nodeType="withEffect">
+                                  <p:stCondLst>
+                                    <p:cond delay="1000"/>
+                                  </p:stCondLst>
+                                  <p:childTnLst>
+                                    <p:set>
+                                      <p:cBhvr>
+                                        <p:cTn id="115" dur="1" fill="hold">
+                                          <p:stCondLst>
+                                            <p:cond delay="0"/>
+                                          </p:stCondLst>
+                                        </p:cTn>
+                                        <p:tgtEl>
+                                          <p:spTgt spid="24"/>
+                                        </p:tgtEl>
+                                        <p:attrNameLst>
+                                          <p:attrName>style.visibility</p:attrName>
+                                        </p:attrNameLst>
+                                      </p:cBhvr>
+                                      <p:to>
+                                        <p:strVal val="visible"/>
+                                      </p:to>
+                                    </p:set>
+                                    <p:animEffect transition="in" filter="barn(outVertical)">
+                                      <p:cBhvr>
+                                        <p:cTn id="116" dur="500"/>
+                                        <p:tgtEl>
+                                          <p:spTgt spid="24"/>
+                                        </p:tgtEl>
+                                      </p:cBhvr>
+                                    </p:animEffect>
+                                  </p:childTnLst>
+                                </p:cTn>
+                              </p:par>
+                            </p:childTnLst>
+                          </p:cTn>
+                        </p:par>
+                        <p:par>
+                          <p:cTn id="117" fill="hold">
+                            <p:stCondLst>
+                              <p:cond delay="1500"/>
+                            </p:stCondLst>
+                            <p:childTnLst>
+                              <p:par>
+                                <p:cTn id="118" presetID="16" presetClass="entr" presetSubtype="37" fill="hold" grpId="0" nodeType="afterEffect">
+                                  <p:stCondLst>
+                                    <p:cond delay="0"/>
+                                  </p:stCondLst>
+                                  <p:childTnLst>
+                                    <p:set>
+                                      <p:cBhvr>
+                                        <p:cTn id="119" dur="1" fill="hold">
+                                          <p:stCondLst>
+                                            <p:cond delay="0"/>
+                                          </p:stCondLst>
+                                        </p:cTn>
+                                        <p:tgtEl>
+                                          <p:spTgt spid="25"/>
+                                        </p:tgtEl>
+                                        <p:attrNameLst>
+                                          <p:attrName>style.visibility</p:attrName>
+                                        </p:attrNameLst>
+                                      </p:cBhvr>
+                                      <p:to>
+                                        <p:strVal val="visible"/>
+                                      </p:to>
+                                    </p:set>
+                                    <p:animEffect transition="in" filter="barn(outVertical)">
+                                      <p:cBhvr>
+                                        <p:cTn id="120" dur="2000"/>
+                                        <p:tgtEl>
+                                          <p:spTgt spid="25"/>
                                         </p:tgtEl>
                                       </p:cBhvr>
                                     </p:animEffect>
@@ -24309,8 +27449,3810 @@
     <p:bldLst>
       <p:bldP spid="15" grpId="0" animBg="1"/>
       <p:bldP spid="35" grpId="0" animBg="1"/>
+      <p:bldP spid="37" grpId="0" animBg="1"/>
       <p:bldP spid="47" grpId="0" animBg="1"/>
+      <p:bldP spid="13" grpId="0"/>
+      <p:bldP spid="20" grpId="0"/>
+      <p:bldP spid="25" grpId="0"/>
     </p:bldLst>
+  </p:timing>
+</p:sld>
+</file>
+
+<file path=ppt/slides/slide3.xml><?xml version="1.0" encoding="utf-8"?>
+<p:sld xmlns:a="http://schemas.openxmlformats.org/drawingml/2006/main" xmlns:r="http://schemas.openxmlformats.org/officeDocument/2006/relationships" xmlns:p="http://schemas.openxmlformats.org/presentationml/2006/main">
+  <p:cSld>
+    <p:spTree>
+      <p:nvGrpSpPr>
+        <p:cNvPr id="1" name=""/>
+        <p:cNvGrpSpPr/>
+        <p:nvPr/>
+      </p:nvGrpSpPr>
+      <p:grpSpPr>
+        <a:xfrm>
+          <a:off x="0" y="0"/>
+          <a:ext cx="0" cy="0"/>
+          <a:chOff x="0" y="0"/>
+          <a:chExt cx="0" cy="0"/>
+        </a:xfrm>
+      </p:grpSpPr>
+      <p:pic>
+        <p:nvPicPr>
+          <p:cNvPr id="64" name="图片 63"/>
+          <p:cNvPicPr>
+            <a:picLocks noChangeAspect="1"/>
+          </p:cNvPicPr>
+          <p:nvPr/>
+        </p:nvPicPr>
+        <p:blipFill rotWithShape="1">
+          <a:blip r:embed="rId3">
+            <a:extLst>
+              <a:ext uri="{28A0092B-C50C-407E-A947-70E740481C1C}">
+                <a14:useLocalDpi xmlns:a14="http://schemas.microsoft.com/office/drawing/2010/main" val="0"/>
+              </a:ext>
+            </a:extLst>
+          </a:blip>
+          <a:srcRect t="5000" b="5000"/>
+          <a:stretch/>
+        </p:blipFill>
+        <p:spPr>
+          <a:xfrm>
+            <a:off x="0" y="-1"/>
+            <a:ext cx="12191998" cy="6857999"/>
+          </a:xfrm>
+          <a:prstGeom prst="rect">
+            <a:avLst/>
+          </a:prstGeom>
+        </p:spPr>
+      </p:pic>
+      <p:sp>
+        <p:nvSpPr>
+          <p:cNvPr id="63" name="矩形 62"/>
+          <p:cNvSpPr/>
+          <p:nvPr/>
+        </p:nvSpPr>
+        <p:spPr>
+          <a:xfrm>
+            <a:off x="1769" y="-7002"/>
+            <a:ext cx="12192000" cy="6860933"/>
+          </a:xfrm>
+          <a:prstGeom prst="rect">
+            <a:avLst/>
+          </a:prstGeom>
+          <a:solidFill>
+            <a:schemeClr val="tx1">
+              <a:alpha val="70000"/>
+            </a:schemeClr>
+          </a:solidFill>
+          <a:ln>
+            <a:noFill/>
+          </a:ln>
+        </p:spPr>
+        <p:style>
+          <a:lnRef idx="2">
+            <a:schemeClr val="accent1">
+              <a:shade val="50000"/>
+            </a:schemeClr>
+          </a:lnRef>
+          <a:fillRef idx="1">
+            <a:schemeClr val="accent1"/>
+          </a:fillRef>
+          <a:effectRef idx="0">
+            <a:schemeClr val="accent1"/>
+          </a:effectRef>
+          <a:fontRef idx="minor">
+            <a:schemeClr val="lt1"/>
+          </a:fontRef>
+        </p:style>
+        <p:txBody>
+          <a:bodyPr rtlCol="0" anchor="ctr"/>
+          <a:lstStyle/>
+          <a:p>
+            <a:pPr algn="ctr"/>
+            <a:endParaRPr lang="zh-CN" altLang="en-US" dirty="0"/>
+          </a:p>
+        </p:txBody>
+      </p:sp>
+      <p:sp>
+        <p:nvSpPr>
+          <p:cNvPr id="51" name="文本框 50"/>
+          <p:cNvSpPr txBox="1"/>
+          <p:nvPr/>
+        </p:nvSpPr>
+        <p:spPr>
+          <a:xfrm>
+            <a:off x="6263950" y="2249476"/>
+            <a:ext cx="2751074" cy="769441"/>
+          </a:xfrm>
+          <a:prstGeom prst="rect">
+            <a:avLst/>
+          </a:prstGeom>
+          <a:noFill/>
+        </p:spPr>
+        <p:txBody>
+          <a:bodyPr wrap="none" rtlCol="0">
+            <a:spAutoFit/>
+          </a:bodyPr>
+          <a:lstStyle/>
+          <a:p>
+            <a:r>
+              <a:rPr lang="en-US" altLang="zh-CN" sz="4400" dirty="0" smtClean="0">
+                <a:solidFill>
+                  <a:schemeClr val="bg1"/>
+                </a:solidFill>
+                <a:latin typeface="方正兰亭超细黑简体" panose="02000000000000000000" pitchFamily="2" charset="-122"/>
+                <a:ea typeface="方正兰亭超细黑简体" panose="02000000000000000000" pitchFamily="2" charset="-122"/>
+              </a:rPr>
+              <a:t>NTENTS</a:t>
+            </a:r>
+            <a:endParaRPr lang="zh-CN" altLang="en-US" sz="4400" dirty="0">
+              <a:solidFill>
+                <a:schemeClr val="bg1"/>
+              </a:solidFill>
+              <a:latin typeface="方正兰亭超细黑简体" panose="02000000000000000000" pitchFamily="2" charset="-122"/>
+              <a:ea typeface="方正兰亭超细黑简体" panose="02000000000000000000" pitchFamily="2" charset="-122"/>
+            </a:endParaRPr>
+          </a:p>
+        </p:txBody>
+      </p:sp>
+      <p:grpSp>
+        <p:nvGrpSpPr>
+          <p:cNvPr id="14" name="组合 13"/>
+          <p:cNvGrpSpPr/>
+          <p:nvPr/>
+        </p:nvGrpSpPr>
+        <p:grpSpPr>
+          <a:xfrm>
+            <a:off x="9802794" y="1126055"/>
+            <a:ext cx="914400" cy="914400"/>
+            <a:chOff x="1699892" y="1633027"/>
+            <a:chExt cx="914400" cy="914400"/>
+          </a:xfrm>
+        </p:grpSpPr>
+        <p:sp>
+          <p:nvSpPr>
+            <p:cNvPr id="2" name="椭圆 1"/>
+            <p:cNvSpPr/>
+            <p:nvPr/>
+          </p:nvSpPr>
+          <p:spPr>
+            <a:xfrm>
+              <a:off x="1699892" y="1633027"/>
+              <a:ext cx="914400" cy="914400"/>
+            </a:xfrm>
+            <a:prstGeom prst="ellipse">
+              <a:avLst/>
+            </a:prstGeom>
+            <a:noFill/>
+            <a:ln w="6350">
+              <a:solidFill>
+                <a:srgbClr val="55E1DB">
+                  <a:alpha val="35000"/>
+                </a:srgbClr>
+              </a:solidFill>
+            </a:ln>
+          </p:spPr>
+          <p:style>
+            <a:lnRef idx="2">
+              <a:schemeClr val="accent1">
+                <a:shade val="50000"/>
+              </a:schemeClr>
+            </a:lnRef>
+            <a:fillRef idx="1">
+              <a:schemeClr val="accent1"/>
+            </a:fillRef>
+            <a:effectRef idx="0">
+              <a:schemeClr val="accent1"/>
+            </a:effectRef>
+            <a:fontRef idx="minor">
+              <a:schemeClr val="lt1"/>
+            </a:fontRef>
+          </p:style>
+          <p:txBody>
+            <a:bodyPr rtlCol="0" anchor="ctr"/>
+            <a:lstStyle/>
+            <a:p>
+              <a:pPr algn="ctr"/>
+              <a:endParaRPr lang="zh-CN" altLang="en-US"/>
+            </a:p>
+          </p:txBody>
+        </p:sp>
+        <p:sp>
+          <p:nvSpPr>
+            <p:cNvPr id="16" name="椭圆 15"/>
+            <p:cNvSpPr/>
+            <p:nvPr/>
+          </p:nvSpPr>
+          <p:spPr>
+            <a:xfrm>
+              <a:off x="1792657" y="1725792"/>
+              <a:ext cx="728869" cy="728869"/>
+            </a:xfrm>
+            <a:prstGeom prst="ellipse">
+              <a:avLst/>
+            </a:prstGeom>
+            <a:noFill/>
+            <a:ln w="6350" cap="flat" cmpd="sng" algn="ctr">
+              <a:solidFill>
+                <a:srgbClr val="55E1DB">
+                  <a:alpha val="50000"/>
+                </a:srgbClr>
+              </a:solidFill>
+              <a:prstDash val="solid"/>
+              <a:miter lim="800000"/>
+              <a:headEnd type="none" w="med" len="med"/>
+              <a:tailEnd type="none" w="med" len="med"/>
+            </a:ln>
+            <a:effectLst/>
+          </p:spPr>
+          <p:style>
+            <a:lnRef idx="2">
+              <a:schemeClr val="accent1">
+                <a:shade val="50000"/>
+              </a:schemeClr>
+            </a:lnRef>
+            <a:fillRef idx="1">
+              <a:schemeClr val="accent1"/>
+            </a:fillRef>
+            <a:effectRef idx="0">
+              <a:schemeClr val="accent1"/>
+            </a:effectRef>
+            <a:fontRef idx="minor">
+              <a:schemeClr val="lt1"/>
+            </a:fontRef>
+          </p:style>
+          <p:txBody>
+            <a:bodyPr rtlCol="0" anchor="ctr"/>
+            <a:lstStyle/>
+            <a:p>
+              <a:pPr algn="ctr"/>
+              <a:endParaRPr lang="zh-CN" altLang="en-US">
+                <a:solidFill>
+                  <a:schemeClr val="lt1">
+                    <a:lumMod val="100000"/>
+                  </a:schemeClr>
+                </a:solidFill>
+              </a:endParaRPr>
+            </a:p>
+          </p:txBody>
+        </p:sp>
+        <p:sp>
+          <p:nvSpPr>
+            <p:cNvPr id="3" name="椭圆 2"/>
+            <p:cNvSpPr/>
+            <p:nvPr/>
+          </p:nvSpPr>
+          <p:spPr>
+            <a:xfrm>
+              <a:off x="1978188" y="1911323"/>
+              <a:ext cx="357808" cy="357808"/>
+            </a:xfrm>
+            <a:prstGeom prst="ellipse">
+              <a:avLst/>
+            </a:prstGeom>
+            <a:noFill/>
+            <a:ln w="6350">
+              <a:solidFill>
+                <a:srgbClr val="55E1DB"/>
+              </a:solidFill>
+            </a:ln>
+          </p:spPr>
+          <p:style>
+            <a:lnRef idx="2">
+              <a:schemeClr val="accent1">
+                <a:shade val="50000"/>
+              </a:schemeClr>
+            </a:lnRef>
+            <a:fillRef idx="1">
+              <a:schemeClr val="accent1"/>
+            </a:fillRef>
+            <a:effectRef idx="0">
+              <a:schemeClr val="accent1"/>
+            </a:effectRef>
+            <a:fontRef idx="minor">
+              <a:schemeClr val="lt1"/>
+            </a:fontRef>
+          </p:style>
+          <p:txBody>
+            <a:bodyPr rtlCol="0" anchor="ctr"/>
+            <a:lstStyle/>
+            <a:p>
+              <a:pPr algn="ctr"/>
+              <a:endParaRPr lang="zh-CN" altLang="en-US"/>
+            </a:p>
+          </p:txBody>
+        </p:sp>
+        <p:sp>
+          <p:nvSpPr>
+            <p:cNvPr id="4" name="椭圆 3"/>
+            <p:cNvSpPr>
+              <a:spLocks noChangeAspect="1"/>
+            </p:cNvSpPr>
+            <p:nvPr/>
+          </p:nvSpPr>
+          <p:spPr>
+            <a:xfrm>
+              <a:off x="2133692" y="2066827"/>
+              <a:ext cx="72000" cy="72000"/>
+            </a:xfrm>
+            <a:prstGeom prst="ellipse">
+              <a:avLst/>
+            </a:prstGeom>
+            <a:solidFill>
+              <a:srgbClr val="55E1DB"/>
+            </a:solidFill>
+            <a:ln>
+              <a:noFill/>
+            </a:ln>
+          </p:spPr>
+          <p:style>
+            <a:lnRef idx="2">
+              <a:schemeClr val="accent1">
+                <a:shade val="50000"/>
+              </a:schemeClr>
+            </a:lnRef>
+            <a:fillRef idx="1">
+              <a:schemeClr val="accent1"/>
+            </a:fillRef>
+            <a:effectRef idx="0">
+              <a:schemeClr val="accent1"/>
+            </a:effectRef>
+            <a:fontRef idx="minor">
+              <a:schemeClr val="lt1"/>
+            </a:fontRef>
+          </p:style>
+          <p:txBody>
+            <a:bodyPr rtlCol="0" anchor="ctr"/>
+            <a:lstStyle/>
+            <a:p>
+              <a:pPr algn="ctr"/>
+              <a:endParaRPr lang="zh-CN" altLang="en-US"/>
+            </a:p>
+          </p:txBody>
+        </p:sp>
+        <p:sp>
+          <p:nvSpPr>
+            <p:cNvPr id="5" name="弧形 4"/>
+            <p:cNvSpPr>
+              <a:spLocks noChangeAspect="1"/>
+            </p:cNvSpPr>
+            <p:nvPr/>
+          </p:nvSpPr>
+          <p:spPr>
+            <a:xfrm>
+              <a:off x="1878043" y="1818297"/>
+              <a:ext cx="543600" cy="543600"/>
+            </a:xfrm>
+            <a:prstGeom prst="arc">
+              <a:avLst>
+                <a:gd name="adj1" fmla="val 17231185"/>
+                <a:gd name="adj2" fmla="val 4852063"/>
+              </a:avLst>
+            </a:prstGeom>
+            <a:ln w="6350">
+              <a:solidFill>
+                <a:srgbClr val="55E1DB"/>
+              </a:solidFill>
+              <a:tailEnd type="oval" w="sm" len="sm"/>
+            </a:ln>
+          </p:spPr>
+          <p:style>
+            <a:lnRef idx="1">
+              <a:schemeClr val="accent1"/>
+            </a:lnRef>
+            <a:fillRef idx="0">
+              <a:schemeClr val="accent1"/>
+            </a:fillRef>
+            <a:effectRef idx="0">
+              <a:schemeClr val="accent1"/>
+            </a:effectRef>
+            <a:fontRef idx="minor">
+              <a:schemeClr val="tx1"/>
+            </a:fontRef>
+          </p:style>
+          <p:txBody>
+            <a:bodyPr rtlCol="0" anchor="ctr"/>
+            <a:lstStyle/>
+            <a:p>
+              <a:pPr algn="ctr"/>
+              <a:endParaRPr lang="zh-CN" altLang="en-US"/>
+            </a:p>
+          </p:txBody>
+        </p:sp>
+      </p:grpSp>
+      <p:grpSp>
+        <p:nvGrpSpPr>
+          <p:cNvPr id="13" name="组合 12"/>
+          <p:cNvGrpSpPr/>
+          <p:nvPr/>
+        </p:nvGrpSpPr>
+        <p:grpSpPr>
+          <a:xfrm>
+            <a:off x="7884215" y="2982673"/>
+            <a:ext cx="914400" cy="914400"/>
+            <a:chOff x="7166414" y="4376227"/>
+            <a:chExt cx="914400" cy="914400"/>
+          </a:xfrm>
+        </p:grpSpPr>
+        <p:sp>
+          <p:nvSpPr>
+            <p:cNvPr id="24" name="椭圆 23"/>
+            <p:cNvSpPr/>
+            <p:nvPr/>
+          </p:nvSpPr>
+          <p:spPr>
+            <a:xfrm>
+              <a:off x="7166414" y="4376227"/>
+              <a:ext cx="914400" cy="914400"/>
+            </a:xfrm>
+            <a:prstGeom prst="ellipse">
+              <a:avLst/>
+            </a:prstGeom>
+            <a:noFill/>
+            <a:ln w="6350">
+              <a:solidFill>
+                <a:srgbClr val="E83766">
+                  <a:alpha val="35000"/>
+                </a:srgbClr>
+              </a:solidFill>
+            </a:ln>
+          </p:spPr>
+          <p:style>
+            <a:lnRef idx="2">
+              <a:schemeClr val="accent1">
+                <a:shade val="50000"/>
+              </a:schemeClr>
+            </a:lnRef>
+            <a:fillRef idx="1">
+              <a:schemeClr val="accent1"/>
+            </a:fillRef>
+            <a:effectRef idx="0">
+              <a:schemeClr val="accent1"/>
+            </a:effectRef>
+            <a:fontRef idx="minor">
+              <a:schemeClr val="lt1"/>
+            </a:fontRef>
+          </p:style>
+          <p:txBody>
+            <a:bodyPr rtlCol="0" anchor="ctr"/>
+            <a:lstStyle/>
+            <a:p>
+              <a:pPr algn="ctr"/>
+              <a:endParaRPr lang="zh-CN" altLang="en-US"/>
+            </a:p>
+          </p:txBody>
+        </p:sp>
+        <p:sp>
+          <p:nvSpPr>
+            <p:cNvPr id="25" name="椭圆 24"/>
+            <p:cNvSpPr/>
+            <p:nvPr/>
+          </p:nvSpPr>
+          <p:spPr>
+            <a:xfrm>
+              <a:off x="7259179" y="4468992"/>
+              <a:ext cx="728869" cy="728869"/>
+            </a:xfrm>
+            <a:prstGeom prst="ellipse">
+              <a:avLst/>
+            </a:prstGeom>
+            <a:noFill/>
+            <a:ln w="6350" cap="flat" cmpd="sng" algn="ctr">
+              <a:solidFill>
+                <a:srgbClr val="E83766">
+                  <a:alpha val="50000"/>
+                </a:srgbClr>
+              </a:solidFill>
+              <a:prstDash val="solid"/>
+              <a:miter lim="800000"/>
+              <a:headEnd type="none" w="med" len="med"/>
+              <a:tailEnd type="none" w="med" len="med"/>
+            </a:ln>
+            <a:effectLst/>
+          </p:spPr>
+          <p:style>
+            <a:lnRef idx="2">
+              <a:schemeClr val="accent1">
+                <a:shade val="50000"/>
+              </a:schemeClr>
+            </a:lnRef>
+            <a:fillRef idx="1">
+              <a:schemeClr val="accent1"/>
+            </a:fillRef>
+            <a:effectRef idx="0">
+              <a:schemeClr val="accent1"/>
+            </a:effectRef>
+            <a:fontRef idx="minor">
+              <a:schemeClr val="lt1"/>
+            </a:fontRef>
+          </p:style>
+          <p:txBody>
+            <a:bodyPr rtlCol="0" anchor="ctr"/>
+            <a:lstStyle/>
+            <a:p>
+              <a:pPr algn="ctr"/>
+              <a:endParaRPr lang="zh-CN" altLang="en-US">
+                <a:solidFill>
+                  <a:schemeClr val="lt1">
+                    <a:lumMod val="100000"/>
+                  </a:schemeClr>
+                </a:solidFill>
+              </a:endParaRPr>
+            </a:p>
+          </p:txBody>
+        </p:sp>
+        <p:sp>
+          <p:nvSpPr>
+            <p:cNvPr id="31" name="椭圆 30"/>
+            <p:cNvSpPr/>
+            <p:nvPr/>
+          </p:nvSpPr>
+          <p:spPr>
+            <a:xfrm>
+              <a:off x="7444710" y="4654523"/>
+              <a:ext cx="357808" cy="357808"/>
+            </a:xfrm>
+            <a:prstGeom prst="ellipse">
+              <a:avLst/>
+            </a:prstGeom>
+            <a:noFill/>
+            <a:ln w="6350">
+              <a:solidFill>
+                <a:srgbClr val="E83766"/>
+              </a:solidFill>
+            </a:ln>
+          </p:spPr>
+          <p:style>
+            <a:lnRef idx="2">
+              <a:schemeClr val="accent1">
+                <a:shade val="50000"/>
+              </a:schemeClr>
+            </a:lnRef>
+            <a:fillRef idx="1">
+              <a:schemeClr val="accent1"/>
+            </a:fillRef>
+            <a:effectRef idx="0">
+              <a:schemeClr val="accent1"/>
+            </a:effectRef>
+            <a:fontRef idx="minor">
+              <a:schemeClr val="lt1"/>
+            </a:fontRef>
+          </p:style>
+          <p:txBody>
+            <a:bodyPr rtlCol="0" anchor="ctr"/>
+            <a:lstStyle/>
+            <a:p>
+              <a:pPr algn="ctr"/>
+              <a:endParaRPr lang="zh-CN" altLang="en-US"/>
+            </a:p>
+          </p:txBody>
+        </p:sp>
+        <p:sp>
+          <p:nvSpPr>
+            <p:cNvPr id="32" name="椭圆 31"/>
+            <p:cNvSpPr>
+              <a:spLocks noChangeAspect="1"/>
+            </p:cNvSpPr>
+            <p:nvPr/>
+          </p:nvSpPr>
+          <p:spPr>
+            <a:xfrm>
+              <a:off x="7600214" y="4810027"/>
+              <a:ext cx="72000" cy="72000"/>
+            </a:xfrm>
+            <a:prstGeom prst="ellipse">
+              <a:avLst/>
+            </a:prstGeom>
+            <a:solidFill>
+              <a:srgbClr val="E83766"/>
+            </a:solidFill>
+            <a:ln>
+              <a:noFill/>
+            </a:ln>
+          </p:spPr>
+          <p:style>
+            <a:lnRef idx="2">
+              <a:schemeClr val="accent1">
+                <a:shade val="50000"/>
+              </a:schemeClr>
+            </a:lnRef>
+            <a:fillRef idx="1">
+              <a:schemeClr val="accent1"/>
+            </a:fillRef>
+            <a:effectRef idx="0">
+              <a:schemeClr val="accent1"/>
+            </a:effectRef>
+            <a:fontRef idx="minor">
+              <a:schemeClr val="lt1"/>
+            </a:fontRef>
+          </p:style>
+          <p:txBody>
+            <a:bodyPr rtlCol="0" anchor="ctr"/>
+            <a:lstStyle/>
+            <a:p>
+              <a:pPr algn="ctr"/>
+              <a:endParaRPr lang="zh-CN" altLang="en-US"/>
+            </a:p>
+          </p:txBody>
+        </p:sp>
+        <p:sp>
+          <p:nvSpPr>
+            <p:cNvPr id="33" name="弧形 32"/>
+            <p:cNvSpPr>
+              <a:spLocks noChangeAspect="1"/>
+            </p:cNvSpPr>
+            <p:nvPr/>
+          </p:nvSpPr>
+          <p:spPr>
+            <a:xfrm>
+              <a:off x="7344565" y="4561497"/>
+              <a:ext cx="543600" cy="543600"/>
+            </a:xfrm>
+            <a:prstGeom prst="arc">
+              <a:avLst>
+                <a:gd name="adj1" fmla="val 13995490"/>
+                <a:gd name="adj2" fmla="val 3132533"/>
+              </a:avLst>
+            </a:prstGeom>
+            <a:ln w="6350">
+              <a:solidFill>
+                <a:srgbClr val="E83766"/>
+              </a:solidFill>
+              <a:tailEnd type="oval" w="sm" len="sm"/>
+            </a:ln>
+          </p:spPr>
+          <p:style>
+            <a:lnRef idx="1">
+              <a:schemeClr val="accent1"/>
+            </a:lnRef>
+            <a:fillRef idx="0">
+              <a:schemeClr val="accent1"/>
+            </a:fillRef>
+            <a:effectRef idx="0">
+              <a:schemeClr val="accent1"/>
+            </a:effectRef>
+            <a:fontRef idx="minor">
+              <a:schemeClr val="tx1"/>
+            </a:fontRef>
+          </p:style>
+          <p:txBody>
+            <a:bodyPr rtlCol="0" anchor="ctr"/>
+            <a:lstStyle/>
+            <a:p>
+              <a:pPr algn="ctr"/>
+              <a:endParaRPr lang="zh-CN" altLang="en-US"/>
+            </a:p>
+          </p:txBody>
+        </p:sp>
+      </p:grpSp>
+      <p:grpSp>
+        <p:nvGrpSpPr>
+          <p:cNvPr id="22" name="组合 21"/>
+          <p:cNvGrpSpPr/>
+          <p:nvPr/>
+        </p:nvGrpSpPr>
+        <p:grpSpPr>
+          <a:xfrm>
+            <a:off x="1615440" y="1214536"/>
+            <a:ext cx="914400" cy="914400"/>
+            <a:chOff x="1758509" y="1214536"/>
+            <a:chExt cx="914400" cy="914400"/>
+          </a:xfrm>
+        </p:grpSpPr>
+        <p:sp>
+          <p:nvSpPr>
+            <p:cNvPr id="35" name="椭圆 34"/>
+            <p:cNvSpPr/>
+            <p:nvPr/>
+          </p:nvSpPr>
+          <p:spPr>
+            <a:xfrm>
+              <a:off x="1758509" y="1214536"/>
+              <a:ext cx="914400" cy="914400"/>
+            </a:xfrm>
+            <a:prstGeom prst="ellipse">
+              <a:avLst/>
+            </a:prstGeom>
+            <a:noFill/>
+            <a:ln w="6350">
+              <a:solidFill>
+                <a:schemeClr val="accent4">
+                  <a:alpha val="35000"/>
+                </a:schemeClr>
+              </a:solidFill>
+            </a:ln>
+          </p:spPr>
+          <p:style>
+            <a:lnRef idx="2">
+              <a:schemeClr val="accent1">
+                <a:shade val="50000"/>
+              </a:schemeClr>
+            </a:lnRef>
+            <a:fillRef idx="1">
+              <a:schemeClr val="accent1"/>
+            </a:fillRef>
+            <a:effectRef idx="0">
+              <a:schemeClr val="accent1"/>
+            </a:effectRef>
+            <a:fontRef idx="minor">
+              <a:schemeClr val="lt1"/>
+            </a:fontRef>
+          </p:style>
+          <p:txBody>
+            <a:bodyPr rtlCol="0" anchor="ctr"/>
+            <a:lstStyle/>
+            <a:p>
+              <a:pPr algn="ctr"/>
+              <a:endParaRPr lang="zh-CN" altLang="en-US"/>
+            </a:p>
+          </p:txBody>
+        </p:sp>
+        <p:sp>
+          <p:nvSpPr>
+            <p:cNvPr id="37" name="椭圆 36"/>
+            <p:cNvSpPr/>
+            <p:nvPr/>
+          </p:nvSpPr>
+          <p:spPr>
+            <a:xfrm>
+              <a:off x="1851274" y="1307301"/>
+              <a:ext cx="728869" cy="728869"/>
+            </a:xfrm>
+            <a:prstGeom prst="ellipse">
+              <a:avLst/>
+            </a:prstGeom>
+            <a:noFill/>
+            <a:ln w="6350" cap="flat" cmpd="sng" algn="ctr">
+              <a:solidFill>
+                <a:schemeClr val="accent4">
+                  <a:alpha val="50000"/>
+                </a:schemeClr>
+              </a:solidFill>
+              <a:prstDash val="solid"/>
+              <a:miter lim="800000"/>
+              <a:headEnd type="none" w="med" len="med"/>
+              <a:tailEnd type="none" w="med" len="med"/>
+            </a:ln>
+            <a:effectLst/>
+          </p:spPr>
+          <p:style>
+            <a:lnRef idx="2">
+              <a:schemeClr val="accent1">
+                <a:shade val="50000"/>
+              </a:schemeClr>
+            </a:lnRef>
+            <a:fillRef idx="1">
+              <a:schemeClr val="accent1"/>
+            </a:fillRef>
+            <a:effectRef idx="0">
+              <a:schemeClr val="accent1"/>
+            </a:effectRef>
+            <a:fontRef idx="minor">
+              <a:schemeClr val="lt1"/>
+            </a:fontRef>
+          </p:style>
+          <p:txBody>
+            <a:bodyPr rtlCol="0" anchor="ctr"/>
+            <a:lstStyle/>
+            <a:p>
+              <a:pPr algn="ctr"/>
+              <a:endParaRPr lang="zh-CN" altLang="en-US">
+                <a:solidFill>
+                  <a:schemeClr val="lt1">
+                    <a:lumMod val="100000"/>
+                  </a:schemeClr>
+                </a:solidFill>
+              </a:endParaRPr>
+            </a:p>
+          </p:txBody>
+        </p:sp>
+        <p:sp>
+          <p:nvSpPr>
+            <p:cNvPr id="38" name="椭圆 37"/>
+            <p:cNvSpPr/>
+            <p:nvPr/>
+          </p:nvSpPr>
+          <p:spPr>
+            <a:xfrm>
+              <a:off x="2036805" y="1492832"/>
+              <a:ext cx="357808" cy="357808"/>
+            </a:xfrm>
+            <a:prstGeom prst="ellipse">
+              <a:avLst/>
+            </a:prstGeom>
+            <a:noFill/>
+            <a:ln w="6350">
+              <a:solidFill>
+                <a:schemeClr val="accent4"/>
+              </a:solidFill>
+            </a:ln>
+          </p:spPr>
+          <p:style>
+            <a:lnRef idx="2">
+              <a:schemeClr val="accent1">
+                <a:shade val="50000"/>
+              </a:schemeClr>
+            </a:lnRef>
+            <a:fillRef idx="1">
+              <a:schemeClr val="accent1"/>
+            </a:fillRef>
+            <a:effectRef idx="0">
+              <a:schemeClr val="accent1"/>
+            </a:effectRef>
+            <a:fontRef idx="minor">
+              <a:schemeClr val="lt1"/>
+            </a:fontRef>
+          </p:style>
+          <p:txBody>
+            <a:bodyPr rtlCol="0" anchor="ctr"/>
+            <a:lstStyle/>
+            <a:p>
+              <a:pPr algn="ctr"/>
+              <a:endParaRPr lang="zh-CN" altLang="en-US"/>
+            </a:p>
+          </p:txBody>
+        </p:sp>
+        <p:sp>
+          <p:nvSpPr>
+            <p:cNvPr id="40" name="椭圆 39"/>
+            <p:cNvSpPr>
+              <a:spLocks noChangeAspect="1"/>
+            </p:cNvSpPr>
+            <p:nvPr/>
+          </p:nvSpPr>
+          <p:spPr>
+            <a:xfrm>
+              <a:off x="2192309" y="1648336"/>
+              <a:ext cx="72000" cy="72000"/>
+            </a:xfrm>
+            <a:prstGeom prst="ellipse">
+              <a:avLst/>
+            </a:prstGeom>
+            <a:solidFill>
+              <a:schemeClr val="accent4"/>
+            </a:solidFill>
+            <a:ln>
+              <a:noFill/>
+            </a:ln>
+          </p:spPr>
+          <p:style>
+            <a:lnRef idx="2">
+              <a:schemeClr val="accent1">
+                <a:shade val="50000"/>
+              </a:schemeClr>
+            </a:lnRef>
+            <a:fillRef idx="1">
+              <a:schemeClr val="accent1"/>
+            </a:fillRef>
+            <a:effectRef idx="0">
+              <a:schemeClr val="accent1"/>
+            </a:effectRef>
+            <a:fontRef idx="minor">
+              <a:schemeClr val="lt1"/>
+            </a:fontRef>
+          </p:style>
+          <p:txBody>
+            <a:bodyPr rtlCol="0" anchor="ctr"/>
+            <a:lstStyle/>
+            <a:p>
+              <a:pPr algn="ctr"/>
+              <a:endParaRPr lang="zh-CN" altLang="en-US"/>
+            </a:p>
+          </p:txBody>
+        </p:sp>
+        <p:sp>
+          <p:nvSpPr>
+            <p:cNvPr id="41" name="弧形 40"/>
+            <p:cNvSpPr>
+              <a:spLocks noChangeAspect="1"/>
+            </p:cNvSpPr>
+            <p:nvPr/>
+          </p:nvSpPr>
+          <p:spPr>
+            <a:xfrm>
+              <a:off x="1936660" y="1399806"/>
+              <a:ext cx="543600" cy="543600"/>
+            </a:xfrm>
+            <a:prstGeom prst="arc">
+              <a:avLst>
+                <a:gd name="adj1" fmla="val 16295762"/>
+                <a:gd name="adj2" fmla="val 11357848"/>
+              </a:avLst>
+            </a:prstGeom>
+            <a:ln w="6350">
+              <a:solidFill>
+                <a:schemeClr val="accent4"/>
+              </a:solidFill>
+              <a:tailEnd type="oval" w="sm" len="sm"/>
+            </a:ln>
+          </p:spPr>
+          <p:style>
+            <a:lnRef idx="1">
+              <a:schemeClr val="accent1"/>
+            </a:lnRef>
+            <a:fillRef idx="0">
+              <a:schemeClr val="accent1"/>
+            </a:fillRef>
+            <a:effectRef idx="0">
+              <a:schemeClr val="accent1"/>
+            </a:effectRef>
+            <a:fontRef idx="minor">
+              <a:schemeClr val="tx1"/>
+            </a:fontRef>
+          </p:style>
+          <p:txBody>
+            <a:bodyPr rtlCol="0" anchor="ctr"/>
+            <a:lstStyle/>
+            <a:p>
+              <a:pPr algn="ctr"/>
+              <a:endParaRPr lang="zh-CN" altLang="en-US"/>
+            </a:p>
+          </p:txBody>
+        </p:sp>
+      </p:grpSp>
+      <p:sp>
+        <p:nvSpPr>
+          <p:cNvPr id="20" name="任意多边形 19"/>
+          <p:cNvSpPr/>
+          <p:nvPr/>
+        </p:nvSpPr>
+        <p:spPr>
+          <a:xfrm>
+            <a:off x="-9939" y="1592911"/>
+            <a:ext cx="12225130" cy="1860826"/>
+          </a:xfrm>
+          <a:custGeom>
+            <a:avLst/>
+            <a:gdLst>
+              <a:gd name="connsiteX0" fmla="*/ 0 w 12225130"/>
+              <a:gd name="connsiteY0" fmla="*/ 1759226 h 2216426"/>
+              <a:gd name="connsiteX1" fmla="*/ 2246243 w 12225130"/>
+              <a:gd name="connsiteY1" fmla="*/ 437322 h 2216426"/>
+              <a:gd name="connsiteX2" fmla="*/ 8507896 w 12225130"/>
+              <a:gd name="connsiteY2" fmla="*/ 2216426 h 2216426"/>
+              <a:gd name="connsiteX3" fmla="*/ 10237304 w 12225130"/>
+              <a:gd name="connsiteY3" fmla="*/ 0 h 2216426"/>
+              <a:gd name="connsiteX4" fmla="*/ 12225130 w 12225130"/>
+              <a:gd name="connsiteY4" fmla="*/ 1789044 h 2216426"/>
+              <a:gd name="connsiteX0" fmla="*/ 0 w 12225130"/>
+              <a:gd name="connsiteY0" fmla="*/ 1412516 h 1869716"/>
+              <a:gd name="connsiteX1" fmla="*/ 2246243 w 12225130"/>
+              <a:gd name="connsiteY1" fmla="*/ 90612 h 1869716"/>
+              <a:gd name="connsiteX2" fmla="*/ 8507896 w 12225130"/>
+              <a:gd name="connsiteY2" fmla="*/ 1869716 h 1869716"/>
+              <a:gd name="connsiteX3" fmla="*/ 10244924 w 12225130"/>
+              <a:gd name="connsiteY3" fmla="*/ 0 h 1869716"/>
+              <a:gd name="connsiteX4" fmla="*/ 12225130 w 12225130"/>
+              <a:gd name="connsiteY4" fmla="*/ 1442334 h 1869716"/>
+              <a:gd name="connsiteX0" fmla="*/ 0 w 12225130"/>
+              <a:gd name="connsiteY0" fmla="*/ 1408706 h 1865906"/>
+              <a:gd name="connsiteX1" fmla="*/ 2246243 w 12225130"/>
+              <a:gd name="connsiteY1" fmla="*/ 86802 h 1865906"/>
+              <a:gd name="connsiteX2" fmla="*/ 8507896 w 12225130"/>
+              <a:gd name="connsiteY2" fmla="*/ 1865906 h 1865906"/>
+              <a:gd name="connsiteX3" fmla="*/ 10225874 w 12225130"/>
+              <a:gd name="connsiteY3" fmla="*/ 0 h 1865906"/>
+              <a:gd name="connsiteX4" fmla="*/ 12225130 w 12225130"/>
+              <a:gd name="connsiteY4" fmla="*/ 1438524 h 1865906"/>
+              <a:gd name="connsiteX0" fmla="*/ 0 w 12225130"/>
+              <a:gd name="connsiteY0" fmla="*/ 1408706 h 1865906"/>
+              <a:gd name="connsiteX1" fmla="*/ 2246243 w 12225130"/>
+              <a:gd name="connsiteY1" fmla="*/ 86802 h 1865906"/>
+              <a:gd name="connsiteX2" fmla="*/ 8507896 w 12225130"/>
+              <a:gd name="connsiteY2" fmla="*/ 1865906 h 1865906"/>
+              <a:gd name="connsiteX3" fmla="*/ 10225874 w 12225130"/>
+              <a:gd name="connsiteY3" fmla="*/ 0 h 1865906"/>
+              <a:gd name="connsiteX4" fmla="*/ 12225130 w 12225130"/>
+              <a:gd name="connsiteY4" fmla="*/ 1438524 h 1865906"/>
+              <a:gd name="connsiteX0" fmla="*/ 0 w 12225130"/>
+              <a:gd name="connsiteY0" fmla="*/ 1408706 h 1865906"/>
+              <a:gd name="connsiteX1" fmla="*/ 2246243 w 12225130"/>
+              <a:gd name="connsiteY1" fmla="*/ 86802 h 1865906"/>
+              <a:gd name="connsiteX2" fmla="*/ 8507896 w 12225130"/>
+              <a:gd name="connsiteY2" fmla="*/ 1865906 h 1865906"/>
+              <a:gd name="connsiteX3" fmla="*/ 10233494 w 12225130"/>
+              <a:gd name="connsiteY3" fmla="*/ 0 h 1865906"/>
+              <a:gd name="connsiteX4" fmla="*/ 12225130 w 12225130"/>
+              <a:gd name="connsiteY4" fmla="*/ 1438524 h 1865906"/>
+              <a:gd name="connsiteX0" fmla="*/ 0 w 12225130"/>
+              <a:gd name="connsiteY0" fmla="*/ 1408706 h 1865906"/>
+              <a:gd name="connsiteX1" fmla="*/ 2246243 w 12225130"/>
+              <a:gd name="connsiteY1" fmla="*/ 86802 h 1865906"/>
+              <a:gd name="connsiteX2" fmla="*/ 8507896 w 12225130"/>
+              <a:gd name="connsiteY2" fmla="*/ 1865906 h 1865906"/>
+              <a:gd name="connsiteX3" fmla="*/ 10279214 w 12225130"/>
+              <a:gd name="connsiteY3" fmla="*/ 0 h 1865906"/>
+              <a:gd name="connsiteX4" fmla="*/ 12225130 w 12225130"/>
+              <a:gd name="connsiteY4" fmla="*/ 1438524 h 1865906"/>
+              <a:gd name="connsiteX0" fmla="*/ 0 w 12225130"/>
+              <a:gd name="connsiteY0" fmla="*/ 1408706 h 1860826"/>
+              <a:gd name="connsiteX1" fmla="*/ 2246243 w 12225130"/>
+              <a:gd name="connsiteY1" fmla="*/ 86802 h 1860826"/>
+              <a:gd name="connsiteX2" fmla="*/ 8375816 w 12225130"/>
+              <a:gd name="connsiteY2" fmla="*/ 1860826 h 1860826"/>
+              <a:gd name="connsiteX3" fmla="*/ 10279214 w 12225130"/>
+              <a:gd name="connsiteY3" fmla="*/ 0 h 1860826"/>
+              <a:gd name="connsiteX4" fmla="*/ 12225130 w 12225130"/>
+              <a:gd name="connsiteY4" fmla="*/ 1438524 h 1860826"/>
+              <a:gd name="connsiteX0" fmla="*/ 0 w 12225130"/>
+              <a:gd name="connsiteY0" fmla="*/ 1408706 h 1860826"/>
+              <a:gd name="connsiteX1" fmla="*/ 2246243 w 12225130"/>
+              <a:gd name="connsiteY1" fmla="*/ 86802 h 1860826"/>
+              <a:gd name="connsiteX2" fmla="*/ 8360576 w 12225130"/>
+              <a:gd name="connsiteY2" fmla="*/ 1860826 h 1860826"/>
+              <a:gd name="connsiteX3" fmla="*/ 10279214 w 12225130"/>
+              <a:gd name="connsiteY3" fmla="*/ 0 h 1860826"/>
+              <a:gd name="connsiteX4" fmla="*/ 12225130 w 12225130"/>
+              <a:gd name="connsiteY4" fmla="*/ 1438524 h 1860826"/>
+              <a:gd name="connsiteX0" fmla="*/ 0 w 12225130"/>
+              <a:gd name="connsiteY0" fmla="*/ 1408706 h 1860826"/>
+              <a:gd name="connsiteX1" fmla="*/ 2098923 w 12225130"/>
+              <a:gd name="connsiteY1" fmla="*/ 81722 h 1860826"/>
+              <a:gd name="connsiteX2" fmla="*/ 8360576 w 12225130"/>
+              <a:gd name="connsiteY2" fmla="*/ 1860826 h 1860826"/>
+              <a:gd name="connsiteX3" fmla="*/ 10279214 w 12225130"/>
+              <a:gd name="connsiteY3" fmla="*/ 0 h 1860826"/>
+              <a:gd name="connsiteX4" fmla="*/ 12225130 w 12225130"/>
+              <a:gd name="connsiteY4" fmla="*/ 1438524 h 1860826"/>
+            </a:gdLst>
+            <a:ahLst/>
+            <a:cxnLst>
+              <a:cxn ang="0">
+                <a:pos x="connsiteX0" y="connsiteY0"/>
+              </a:cxn>
+              <a:cxn ang="0">
+                <a:pos x="connsiteX1" y="connsiteY1"/>
+              </a:cxn>
+              <a:cxn ang="0">
+                <a:pos x="connsiteX2" y="connsiteY2"/>
+              </a:cxn>
+              <a:cxn ang="0">
+                <a:pos x="connsiteX3" y="connsiteY3"/>
+              </a:cxn>
+              <a:cxn ang="0">
+                <a:pos x="connsiteX4" y="connsiteY4"/>
+              </a:cxn>
+            </a:cxnLst>
+            <a:rect l="l" t="t" r="r" b="b"/>
+            <a:pathLst>
+              <a:path w="12225130" h="1860826">
+                <a:moveTo>
+                  <a:pt x="0" y="1408706"/>
+                </a:moveTo>
+                <a:lnTo>
+                  <a:pt x="2098923" y="81722"/>
+                </a:lnTo>
+                <a:lnTo>
+                  <a:pt x="8360576" y="1860826"/>
+                </a:lnTo>
+                <a:lnTo>
+                  <a:pt x="10279214" y="0"/>
+                </a:lnTo>
+                <a:lnTo>
+                  <a:pt x="12225130" y="1438524"/>
+                </a:lnTo>
+              </a:path>
+            </a:pathLst>
+          </a:custGeom>
+          <a:noFill/>
+          <a:ln>
+            <a:solidFill>
+              <a:schemeClr val="bg1">
+                <a:lumMod val="75000"/>
+                <a:alpha val="69000"/>
+              </a:schemeClr>
+            </a:solidFill>
+          </a:ln>
+        </p:spPr>
+        <p:style>
+          <a:lnRef idx="2">
+            <a:schemeClr val="accent1">
+              <a:shade val="50000"/>
+            </a:schemeClr>
+          </a:lnRef>
+          <a:fillRef idx="1">
+            <a:schemeClr val="accent1"/>
+          </a:fillRef>
+          <a:effectRef idx="0">
+            <a:schemeClr val="accent1"/>
+          </a:effectRef>
+          <a:fontRef idx="minor">
+            <a:schemeClr val="lt1"/>
+          </a:fontRef>
+        </p:style>
+        <p:txBody>
+          <a:bodyPr rtlCol="0" anchor="ctr"/>
+          <a:lstStyle/>
+          <a:p>
+            <a:pPr algn="ctr"/>
+            <a:endParaRPr lang="zh-CN" altLang="en-US"/>
+          </a:p>
+        </p:txBody>
+      </p:sp>
+      <p:sp>
+        <p:nvSpPr>
+          <p:cNvPr id="21" name="等腰三角形 20"/>
+          <p:cNvSpPr/>
+          <p:nvPr/>
+        </p:nvSpPr>
+        <p:spPr>
+          <a:xfrm rot="21209416">
+            <a:off x="129118" y="262434"/>
+            <a:ext cx="200146" cy="194808"/>
+          </a:xfrm>
+          <a:prstGeom prst="triangle">
+            <a:avLst>
+              <a:gd name="adj" fmla="val 50757"/>
+            </a:avLst>
+          </a:prstGeom>
+          <a:solidFill>
+            <a:srgbClr val="09152D">
+              <a:alpha val="70000"/>
+            </a:srgbClr>
+          </a:solidFill>
+          <a:ln w="9525">
+            <a:solidFill>
+              <a:srgbClr val="FFC000"/>
+            </a:solidFill>
+          </a:ln>
+          <a:effectLst>
+            <a:outerShdw blurRad="50800" dist="38100" dir="2700000" algn="tl" rotWithShape="0">
+              <a:prstClr val="black">
+                <a:alpha val="40000"/>
+              </a:prstClr>
+            </a:outerShdw>
+          </a:effectLst>
+        </p:spPr>
+        <p:style>
+          <a:lnRef idx="2">
+            <a:schemeClr val="accent1">
+              <a:shade val="50000"/>
+            </a:schemeClr>
+          </a:lnRef>
+          <a:fillRef idx="1">
+            <a:schemeClr val="accent1"/>
+          </a:fillRef>
+          <a:effectRef idx="0">
+            <a:schemeClr val="accent1"/>
+          </a:effectRef>
+          <a:fontRef idx="minor">
+            <a:schemeClr val="lt1"/>
+          </a:fontRef>
+        </p:style>
+        <p:txBody>
+          <a:bodyPr rtlCol="0" anchor="ctr"/>
+          <a:lstStyle/>
+          <a:p>
+            <a:pPr algn="ctr"/>
+            <a:endParaRPr lang="zh-CN" altLang="en-US"/>
+          </a:p>
+        </p:txBody>
+      </p:sp>
+      <p:sp>
+        <p:nvSpPr>
+          <p:cNvPr id="46" name="等腰三角形 45"/>
+          <p:cNvSpPr/>
+          <p:nvPr/>
+        </p:nvSpPr>
+        <p:spPr>
+          <a:xfrm rot="9040283">
+            <a:off x="391901" y="264998"/>
+            <a:ext cx="168206" cy="163720"/>
+          </a:xfrm>
+          <a:prstGeom prst="triangle">
+            <a:avLst>
+              <a:gd name="adj" fmla="val 50757"/>
+            </a:avLst>
+          </a:prstGeom>
+          <a:solidFill>
+            <a:srgbClr val="09152D">
+              <a:alpha val="70000"/>
+            </a:srgbClr>
+          </a:solidFill>
+          <a:ln w="9525">
+            <a:solidFill>
+              <a:srgbClr val="E83766"/>
+            </a:solidFill>
+          </a:ln>
+          <a:effectLst>
+            <a:outerShdw blurRad="50800" dist="38100" dir="2700000" algn="tl" rotWithShape="0">
+              <a:prstClr val="black">
+                <a:alpha val="40000"/>
+              </a:prstClr>
+            </a:outerShdw>
+          </a:effectLst>
+        </p:spPr>
+        <p:style>
+          <a:lnRef idx="2">
+            <a:schemeClr val="accent1">
+              <a:shade val="50000"/>
+            </a:schemeClr>
+          </a:lnRef>
+          <a:fillRef idx="1">
+            <a:schemeClr val="accent1"/>
+          </a:fillRef>
+          <a:effectRef idx="0">
+            <a:schemeClr val="accent1"/>
+          </a:effectRef>
+          <a:fontRef idx="minor">
+            <a:schemeClr val="lt1"/>
+          </a:fontRef>
+        </p:style>
+        <p:txBody>
+          <a:bodyPr rtlCol="0" anchor="ctr"/>
+          <a:lstStyle/>
+          <a:p>
+            <a:pPr algn="ctr"/>
+            <a:endParaRPr lang="zh-CN" altLang="en-US"/>
+          </a:p>
+        </p:txBody>
+      </p:sp>
+      <p:sp>
+        <p:nvSpPr>
+          <p:cNvPr id="47" name="等腰三角形 46"/>
+          <p:cNvSpPr/>
+          <p:nvPr/>
+        </p:nvSpPr>
+        <p:spPr>
+          <a:xfrm rot="10800000">
+            <a:off x="255660" y="131608"/>
+            <a:ext cx="106534" cy="90298"/>
+          </a:xfrm>
+          <a:prstGeom prst="triangle">
+            <a:avLst>
+              <a:gd name="adj" fmla="val 50757"/>
+            </a:avLst>
+          </a:prstGeom>
+          <a:solidFill>
+            <a:srgbClr val="09152D">
+              <a:alpha val="70000"/>
+            </a:srgbClr>
+          </a:solidFill>
+          <a:ln w="9525">
+            <a:solidFill>
+              <a:srgbClr val="55E1DB"/>
+            </a:solidFill>
+          </a:ln>
+          <a:effectLst>
+            <a:outerShdw blurRad="50800" dist="38100" dir="2700000" algn="tl" rotWithShape="0">
+              <a:prstClr val="black">
+                <a:alpha val="40000"/>
+              </a:prstClr>
+            </a:outerShdw>
+          </a:effectLst>
+        </p:spPr>
+        <p:style>
+          <a:lnRef idx="2">
+            <a:schemeClr val="accent1">
+              <a:shade val="50000"/>
+            </a:schemeClr>
+          </a:lnRef>
+          <a:fillRef idx="1">
+            <a:schemeClr val="accent1"/>
+          </a:fillRef>
+          <a:effectRef idx="0">
+            <a:schemeClr val="accent1"/>
+          </a:effectRef>
+          <a:fontRef idx="minor">
+            <a:schemeClr val="lt1"/>
+          </a:fontRef>
+        </p:style>
+        <p:txBody>
+          <a:bodyPr rtlCol="0" anchor="ctr"/>
+          <a:lstStyle/>
+          <a:p>
+            <a:pPr algn="ctr"/>
+            <a:endParaRPr lang="zh-CN" altLang="en-US"/>
+          </a:p>
+        </p:txBody>
+      </p:sp>
+      <p:sp>
+        <p:nvSpPr>
+          <p:cNvPr id="45" name="矩形 44"/>
+          <p:cNvSpPr/>
+          <p:nvPr/>
+        </p:nvSpPr>
+        <p:spPr>
+          <a:xfrm>
+            <a:off x="-11887200" y="-7376160"/>
+            <a:ext cx="914400" cy="914400"/>
+          </a:xfrm>
+          <a:prstGeom prst="rect">
+            <a:avLst/>
+          </a:prstGeom>
+        </p:spPr>
+        <p:style>
+          <a:lnRef idx="2">
+            <a:schemeClr val="accent1">
+              <a:shade val="50000"/>
+            </a:schemeClr>
+          </a:lnRef>
+          <a:fillRef idx="1">
+            <a:schemeClr val="accent1"/>
+          </a:fillRef>
+          <a:effectRef idx="0">
+            <a:schemeClr val="accent1"/>
+          </a:effectRef>
+          <a:fontRef idx="minor">
+            <a:schemeClr val="lt1"/>
+          </a:fontRef>
+        </p:style>
+        <p:txBody>
+          <a:bodyPr rtlCol="0" anchor="ctr"/>
+          <a:lstStyle/>
+          <a:p>
+            <a:pPr algn="ctr"/>
+            <a:endParaRPr lang="zh-CN" altLang="en-US"/>
+          </a:p>
+        </p:txBody>
+      </p:sp>
+      <p:sp>
+        <p:nvSpPr>
+          <p:cNvPr id="49" name="矩形 48"/>
+          <p:cNvSpPr/>
+          <p:nvPr/>
+        </p:nvSpPr>
+        <p:spPr>
+          <a:xfrm>
+            <a:off x="23164800" y="-7376160"/>
+            <a:ext cx="914400" cy="914400"/>
+          </a:xfrm>
+          <a:prstGeom prst="rect">
+            <a:avLst/>
+          </a:prstGeom>
+        </p:spPr>
+        <p:style>
+          <a:lnRef idx="2">
+            <a:schemeClr val="accent1">
+              <a:shade val="50000"/>
+            </a:schemeClr>
+          </a:lnRef>
+          <a:fillRef idx="1">
+            <a:schemeClr val="accent1"/>
+          </a:fillRef>
+          <a:effectRef idx="0">
+            <a:schemeClr val="accent1"/>
+          </a:effectRef>
+          <a:fontRef idx="minor">
+            <a:schemeClr val="lt1"/>
+          </a:fontRef>
+        </p:style>
+        <p:txBody>
+          <a:bodyPr rtlCol="0" anchor="ctr"/>
+          <a:lstStyle/>
+          <a:p>
+            <a:pPr algn="ctr"/>
+            <a:endParaRPr lang="zh-CN" altLang="en-US"/>
+          </a:p>
+        </p:txBody>
+      </p:sp>
+      <p:sp>
+        <p:nvSpPr>
+          <p:cNvPr id="50" name="矩形 49"/>
+          <p:cNvSpPr/>
+          <p:nvPr/>
+        </p:nvSpPr>
+        <p:spPr>
+          <a:xfrm>
+            <a:off x="23164800" y="13837920"/>
+            <a:ext cx="914400" cy="914400"/>
+          </a:xfrm>
+          <a:prstGeom prst="rect">
+            <a:avLst/>
+          </a:prstGeom>
+        </p:spPr>
+        <p:style>
+          <a:lnRef idx="2">
+            <a:schemeClr val="accent1">
+              <a:shade val="50000"/>
+            </a:schemeClr>
+          </a:lnRef>
+          <a:fillRef idx="1">
+            <a:schemeClr val="accent1"/>
+          </a:fillRef>
+          <a:effectRef idx="0">
+            <a:schemeClr val="accent1"/>
+          </a:effectRef>
+          <a:fontRef idx="minor">
+            <a:schemeClr val="lt1"/>
+          </a:fontRef>
+        </p:style>
+        <p:txBody>
+          <a:bodyPr rtlCol="0" anchor="ctr"/>
+          <a:lstStyle/>
+          <a:p>
+            <a:pPr algn="ctr"/>
+            <a:endParaRPr lang="zh-CN" altLang="en-US"/>
+          </a:p>
+        </p:txBody>
+      </p:sp>
+      <p:sp>
+        <p:nvSpPr>
+          <p:cNvPr id="52" name="矩形 51"/>
+          <p:cNvSpPr/>
+          <p:nvPr/>
+        </p:nvSpPr>
+        <p:spPr>
+          <a:xfrm>
+            <a:off x="-11887200" y="13837920"/>
+            <a:ext cx="914400" cy="914400"/>
+          </a:xfrm>
+          <a:prstGeom prst="rect">
+            <a:avLst/>
+          </a:prstGeom>
+        </p:spPr>
+        <p:style>
+          <a:lnRef idx="2">
+            <a:schemeClr val="accent1">
+              <a:shade val="50000"/>
+            </a:schemeClr>
+          </a:lnRef>
+          <a:fillRef idx="1">
+            <a:schemeClr val="accent1"/>
+          </a:fillRef>
+          <a:effectRef idx="0">
+            <a:schemeClr val="accent1"/>
+          </a:effectRef>
+          <a:fontRef idx="minor">
+            <a:schemeClr val="lt1"/>
+          </a:fontRef>
+        </p:style>
+        <p:txBody>
+          <a:bodyPr rtlCol="0" anchor="ctr"/>
+          <a:lstStyle/>
+          <a:p>
+            <a:pPr algn="ctr"/>
+            <a:endParaRPr lang="zh-CN" altLang="en-US"/>
+          </a:p>
+        </p:txBody>
+      </p:sp>
+      <p:sp>
+        <p:nvSpPr>
+          <p:cNvPr id="60" name="文本框 59"/>
+          <p:cNvSpPr txBox="1"/>
+          <p:nvPr/>
+        </p:nvSpPr>
+        <p:spPr>
+          <a:xfrm>
+            <a:off x="1527153" y="2175155"/>
+            <a:ext cx="1116460" cy="523220"/>
+          </a:xfrm>
+          <a:prstGeom prst="rect">
+            <a:avLst/>
+          </a:prstGeom>
+          <a:noFill/>
+        </p:spPr>
+        <p:txBody>
+          <a:bodyPr wrap="none" rtlCol="0">
+            <a:spAutoFit/>
+          </a:bodyPr>
+          <a:lstStyle/>
+          <a:p>
+            <a:pPr algn="ctr"/>
+            <a:r>
+              <a:rPr lang="en-US" altLang="zh-CN" sz="1600" dirty="0" smtClean="0">
+                <a:solidFill>
+                  <a:schemeClr val="bg1"/>
+                </a:solidFill>
+                <a:latin typeface="思源黑体 CN Light" panose="020B0300000000000000" pitchFamily="34" charset="-122"/>
+                <a:ea typeface="思源黑体 CN Light" panose="020B0300000000000000" pitchFamily="34" charset="-122"/>
+              </a:rPr>
+              <a:t>PART </a:t>
+            </a:r>
+            <a:r>
+              <a:rPr lang="en-US" altLang="zh-CN" sz="2800" dirty="0" smtClean="0">
+                <a:solidFill>
+                  <a:schemeClr val="accent4"/>
+                </a:solidFill>
+                <a:latin typeface="思源黑体 CN Normal" panose="020B0400000000000000" pitchFamily="34" charset="-122"/>
+                <a:ea typeface="思源黑体 CN Normal" panose="020B0400000000000000" pitchFamily="34" charset="-122"/>
+              </a:rPr>
+              <a:t>01</a:t>
+            </a:r>
+            <a:endParaRPr lang="zh-CN" altLang="en-US" sz="2000" dirty="0">
+              <a:solidFill>
+                <a:schemeClr val="accent4"/>
+              </a:solidFill>
+              <a:latin typeface="思源黑体 CN Normal" panose="020B0400000000000000" pitchFamily="34" charset="-122"/>
+              <a:ea typeface="思源黑体 CN Normal" panose="020B0400000000000000" pitchFamily="34" charset="-122"/>
+            </a:endParaRPr>
+          </a:p>
+        </p:txBody>
+      </p:sp>
+      <p:sp>
+        <p:nvSpPr>
+          <p:cNvPr id="61" name="文本框 60"/>
+          <p:cNvSpPr txBox="1"/>
+          <p:nvPr/>
+        </p:nvSpPr>
+        <p:spPr>
+          <a:xfrm>
+            <a:off x="737587" y="2633682"/>
+            <a:ext cx="2691229" cy="400110"/>
+          </a:xfrm>
+          <a:prstGeom prst="rect">
+            <a:avLst/>
+          </a:prstGeom>
+          <a:noFill/>
+        </p:spPr>
+        <p:txBody>
+          <a:bodyPr wrap="square" rtlCol="0">
+            <a:spAutoFit/>
+          </a:bodyPr>
+          <a:lstStyle/>
+          <a:p>
+            <a:pPr algn="ctr"/>
+            <a:r>
+              <a:rPr lang="en-US" altLang="zh-CN" sz="1000" dirty="0" smtClean="0">
+                <a:solidFill>
+                  <a:schemeClr val="bg1">
+                    <a:lumMod val="95000"/>
+                  </a:schemeClr>
+                </a:solidFill>
+                <a:latin typeface="思源黑体 CN Light" panose="020B0300000000000000" pitchFamily="34" charset="-122"/>
+                <a:ea typeface="思源黑体 CN Light" panose="020B0300000000000000" pitchFamily="34" charset="-122"/>
+              </a:rPr>
+              <a:t>Lorem ipsum dolor sit amet</a:t>
+            </a:r>
+            <a:r>
+              <a:rPr lang="en-US" altLang="zh-CN" sz="1000" dirty="0" smtClean="0">
+                <a:solidFill>
+                  <a:schemeClr val="bg1">
+                    <a:lumMod val="95000"/>
+                  </a:schemeClr>
+                </a:solidFill>
+                <a:latin typeface="思源黑体 CN Light" panose="020B0300000000000000" pitchFamily="34" charset="-122"/>
+                <a:ea typeface="思源黑体 CN Light" panose="020B0300000000000000" pitchFamily="34" charset="-122"/>
+              </a:rPr>
+              <a:t>, </a:t>
+            </a:r>
+            <a:r>
+              <a:rPr lang="en-US" altLang="zh-CN" sz="1000" dirty="0">
+                <a:solidFill>
+                  <a:schemeClr val="bg1">
+                    <a:lumMod val="95000"/>
+                  </a:schemeClr>
+                </a:solidFill>
+                <a:latin typeface="思源黑体 CN Light" panose="020B0300000000000000" pitchFamily="34" charset="-122"/>
+                <a:ea typeface="思源黑体 CN Light" panose="020B0300000000000000" pitchFamily="34" charset="-122"/>
+              </a:rPr>
+              <a:t>Lorem ipsum </a:t>
+            </a:r>
+            <a:r>
+              <a:rPr lang="en-US" altLang="zh-CN" sz="1000" dirty="0" err="1" smtClean="0">
+                <a:solidFill>
+                  <a:schemeClr val="bg1">
+                    <a:lumMod val="95000"/>
+                  </a:schemeClr>
+                </a:solidFill>
+                <a:latin typeface="思源黑体 CN Light" panose="020B0300000000000000" pitchFamily="34" charset="-122"/>
+                <a:ea typeface="思源黑体 CN Light" panose="020B0300000000000000" pitchFamily="34" charset="-122"/>
+              </a:rPr>
+              <a:t>consectetuer</a:t>
+            </a:r>
+            <a:r>
+              <a:rPr lang="en-US" altLang="zh-CN" sz="1000" dirty="0" smtClean="0">
+                <a:solidFill>
+                  <a:schemeClr val="bg1">
+                    <a:lumMod val="95000"/>
+                  </a:schemeClr>
+                </a:solidFill>
+                <a:latin typeface="思源黑体 CN Light" panose="020B0300000000000000" pitchFamily="34" charset="-122"/>
+                <a:ea typeface="思源黑体 CN Light" panose="020B0300000000000000" pitchFamily="34" charset="-122"/>
+              </a:rPr>
+              <a:t> </a:t>
+            </a:r>
+            <a:r>
+              <a:rPr lang="en-US" altLang="zh-CN" sz="1000" dirty="0" smtClean="0">
+                <a:solidFill>
+                  <a:schemeClr val="bg1">
+                    <a:lumMod val="95000"/>
+                  </a:schemeClr>
+                </a:solidFill>
+                <a:latin typeface="思源黑体 CN Light" panose="020B0300000000000000" pitchFamily="34" charset="-122"/>
+                <a:ea typeface="思源黑体 CN Light" panose="020B0300000000000000" pitchFamily="34" charset="-122"/>
+              </a:rPr>
+              <a:t>adipiscing elit</a:t>
+            </a:r>
+            <a:r>
+              <a:rPr lang="en-US" altLang="zh-CN" sz="1000" dirty="0" smtClean="0">
+                <a:solidFill>
+                  <a:schemeClr val="bg1">
+                    <a:lumMod val="95000"/>
+                  </a:schemeClr>
+                </a:solidFill>
+                <a:latin typeface="思源黑体 CN Light" panose="020B0300000000000000" pitchFamily="34" charset="-122"/>
+                <a:ea typeface="思源黑体 CN Light" panose="020B0300000000000000" pitchFamily="34" charset="-122"/>
+              </a:rPr>
+              <a:t>. </a:t>
+            </a:r>
+            <a:endParaRPr lang="zh-CN" altLang="en-US" sz="1000" dirty="0">
+              <a:solidFill>
+                <a:schemeClr val="bg1">
+                  <a:lumMod val="95000"/>
+                </a:schemeClr>
+              </a:solidFill>
+              <a:latin typeface="思源黑体 CN Light" panose="020B0300000000000000" pitchFamily="34" charset="-122"/>
+              <a:ea typeface="思源黑体 CN Light" panose="020B0300000000000000" pitchFamily="34" charset="-122"/>
+            </a:endParaRPr>
+          </a:p>
+        </p:txBody>
+      </p:sp>
+      <p:sp>
+        <p:nvSpPr>
+          <p:cNvPr id="65" name="等腰三角形 64"/>
+          <p:cNvSpPr/>
+          <p:nvPr/>
+        </p:nvSpPr>
+        <p:spPr>
+          <a:xfrm rot="10800000">
+            <a:off x="1948880" y="3168594"/>
+            <a:ext cx="233022" cy="200880"/>
+          </a:xfrm>
+          <a:prstGeom prst="triangle">
+            <a:avLst/>
+          </a:prstGeom>
+          <a:noFill/>
+          <a:ln>
+            <a:solidFill>
+              <a:schemeClr val="accent4"/>
+            </a:solidFill>
+          </a:ln>
+        </p:spPr>
+        <p:style>
+          <a:lnRef idx="2">
+            <a:schemeClr val="accent1">
+              <a:shade val="50000"/>
+            </a:schemeClr>
+          </a:lnRef>
+          <a:fillRef idx="1">
+            <a:schemeClr val="accent1"/>
+          </a:fillRef>
+          <a:effectRef idx="0">
+            <a:schemeClr val="accent1"/>
+          </a:effectRef>
+          <a:fontRef idx="minor">
+            <a:schemeClr val="lt1"/>
+          </a:fontRef>
+        </p:style>
+        <p:txBody>
+          <a:bodyPr rtlCol="0" anchor="ctr"/>
+          <a:lstStyle/>
+          <a:p>
+            <a:pPr algn="ctr"/>
+            <a:endParaRPr lang="zh-CN" altLang="en-US"/>
+          </a:p>
+        </p:txBody>
+      </p:sp>
+      <p:sp>
+        <p:nvSpPr>
+          <p:cNvPr id="66" name="文本框 65"/>
+          <p:cNvSpPr txBox="1"/>
+          <p:nvPr/>
+        </p:nvSpPr>
+        <p:spPr>
+          <a:xfrm>
+            <a:off x="7818024" y="3954441"/>
+            <a:ext cx="1100429" cy="523220"/>
+          </a:xfrm>
+          <a:prstGeom prst="rect">
+            <a:avLst/>
+          </a:prstGeom>
+          <a:noFill/>
+        </p:spPr>
+        <p:txBody>
+          <a:bodyPr wrap="none" rtlCol="0">
+            <a:spAutoFit/>
+          </a:bodyPr>
+          <a:lstStyle/>
+          <a:p>
+            <a:pPr algn="ctr"/>
+            <a:r>
+              <a:rPr lang="en-US" altLang="zh-CN" sz="1600" dirty="0" smtClean="0">
+                <a:solidFill>
+                  <a:schemeClr val="bg1"/>
+                </a:solidFill>
+                <a:latin typeface="思源黑体 CN Light" panose="020B0300000000000000" pitchFamily="34" charset="-122"/>
+                <a:ea typeface="思源黑体 CN Light" panose="020B0300000000000000" pitchFamily="34" charset="-122"/>
+              </a:rPr>
+              <a:t>PART </a:t>
+            </a:r>
+            <a:r>
+              <a:rPr lang="en-US" altLang="zh-CN" sz="2800" dirty="0" smtClean="0">
+                <a:solidFill>
+                  <a:srgbClr val="E83766"/>
+                </a:solidFill>
+                <a:latin typeface="思源黑体 CN Normal" panose="020B0400000000000000" pitchFamily="34" charset="-122"/>
+                <a:ea typeface="思源黑体 CN Normal" panose="020B0400000000000000" pitchFamily="34" charset="-122"/>
+              </a:rPr>
+              <a:t>02</a:t>
+            </a:r>
+            <a:endParaRPr lang="zh-CN" altLang="en-US" sz="2000" dirty="0">
+              <a:solidFill>
+                <a:srgbClr val="E83766"/>
+              </a:solidFill>
+              <a:latin typeface="思源黑体 CN Normal" panose="020B0400000000000000" pitchFamily="34" charset="-122"/>
+              <a:ea typeface="思源黑体 CN Normal" panose="020B0400000000000000" pitchFamily="34" charset="-122"/>
+            </a:endParaRPr>
+          </a:p>
+        </p:txBody>
+      </p:sp>
+      <p:sp>
+        <p:nvSpPr>
+          <p:cNvPr id="67" name="文本框 66"/>
+          <p:cNvSpPr txBox="1"/>
+          <p:nvPr/>
+        </p:nvSpPr>
+        <p:spPr>
+          <a:xfrm>
+            <a:off x="7061155" y="4421696"/>
+            <a:ext cx="2585720" cy="400110"/>
+          </a:xfrm>
+          <a:prstGeom prst="rect">
+            <a:avLst/>
+          </a:prstGeom>
+          <a:noFill/>
+        </p:spPr>
+        <p:txBody>
+          <a:bodyPr wrap="square" rtlCol="0">
+            <a:spAutoFit/>
+          </a:bodyPr>
+          <a:lstStyle/>
+          <a:p>
+            <a:pPr algn="ctr"/>
+            <a:r>
+              <a:rPr lang="en-US" altLang="zh-CN" sz="1000" dirty="0" smtClean="0">
+                <a:solidFill>
+                  <a:schemeClr val="bg1">
+                    <a:lumMod val="95000"/>
+                  </a:schemeClr>
+                </a:solidFill>
+                <a:latin typeface="思源黑体 CN Light" panose="020B0300000000000000" pitchFamily="34" charset="-122"/>
+                <a:ea typeface="思源黑体 CN Light" panose="020B0300000000000000" pitchFamily="34" charset="-122"/>
+              </a:rPr>
+              <a:t>Lorem ipsum dolor sit amet</a:t>
+            </a:r>
+            <a:r>
+              <a:rPr lang="en-US" altLang="zh-CN" sz="1000" dirty="0" smtClean="0">
+                <a:solidFill>
+                  <a:schemeClr val="bg1">
+                    <a:lumMod val="95000"/>
+                  </a:schemeClr>
+                </a:solidFill>
+                <a:latin typeface="思源黑体 CN Light" panose="020B0300000000000000" pitchFamily="34" charset="-122"/>
+                <a:ea typeface="思源黑体 CN Light" panose="020B0300000000000000" pitchFamily="34" charset="-122"/>
+              </a:rPr>
+              <a:t>, </a:t>
+            </a:r>
+            <a:r>
+              <a:rPr lang="en-US" altLang="zh-CN" sz="1000" dirty="0">
+                <a:solidFill>
+                  <a:schemeClr val="bg1">
+                    <a:lumMod val="95000"/>
+                  </a:schemeClr>
+                </a:solidFill>
+                <a:latin typeface="思源黑体 CN Light" panose="020B0300000000000000" pitchFamily="34" charset="-122"/>
+                <a:ea typeface="思源黑体 CN Light" panose="020B0300000000000000" pitchFamily="34" charset="-122"/>
+              </a:rPr>
+              <a:t>Lorem ipsum </a:t>
+            </a:r>
+            <a:r>
+              <a:rPr lang="en-US" altLang="zh-CN" sz="1000" dirty="0" err="1" smtClean="0">
+                <a:solidFill>
+                  <a:schemeClr val="bg1">
+                    <a:lumMod val="95000"/>
+                  </a:schemeClr>
+                </a:solidFill>
+                <a:latin typeface="思源黑体 CN Light" panose="020B0300000000000000" pitchFamily="34" charset="-122"/>
+                <a:ea typeface="思源黑体 CN Light" panose="020B0300000000000000" pitchFamily="34" charset="-122"/>
+              </a:rPr>
+              <a:t>consectetuer</a:t>
+            </a:r>
+            <a:r>
+              <a:rPr lang="en-US" altLang="zh-CN" sz="1000" dirty="0" smtClean="0">
+                <a:solidFill>
+                  <a:schemeClr val="bg1">
+                    <a:lumMod val="95000"/>
+                  </a:schemeClr>
+                </a:solidFill>
+                <a:latin typeface="思源黑体 CN Light" panose="020B0300000000000000" pitchFamily="34" charset="-122"/>
+                <a:ea typeface="思源黑体 CN Light" panose="020B0300000000000000" pitchFamily="34" charset="-122"/>
+              </a:rPr>
+              <a:t> </a:t>
+            </a:r>
+            <a:r>
+              <a:rPr lang="en-US" altLang="zh-CN" sz="1000" dirty="0" smtClean="0">
+                <a:solidFill>
+                  <a:schemeClr val="bg1">
+                    <a:lumMod val="95000"/>
+                  </a:schemeClr>
+                </a:solidFill>
+                <a:latin typeface="思源黑体 CN Light" panose="020B0300000000000000" pitchFamily="34" charset="-122"/>
+                <a:ea typeface="思源黑体 CN Light" panose="020B0300000000000000" pitchFamily="34" charset="-122"/>
+              </a:rPr>
+              <a:t>adipiscing elit</a:t>
+            </a:r>
+            <a:r>
+              <a:rPr lang="en-US" altLang="zh-CN" sz="1000" dirty="0" smtClean="0">
+                <a:solidFill>
+                  <a:schemeClr val="bg1">
+                    <a:lumMod val="95000"/>
+                  </a:schemeClr>
+                </a:solidFill>
+                <a:latin typeface="思源黑体 CN Light" panose="020B0300000000000000" pitchFamily="34" charset="-122"/>
+                <a:ea typeface="思源黑体 CN Light" panose="020B0300000000000000" pitchFamily="34" charset="-122"/>
+              </a:rPr>
+              <a:t>. </a:t>
+            </a:r>
+            <a:endParaRPr lang="zh-CN" altLang="en-US" sz="1000" dirty="0">
+              <a:solidFill>
+                <a:schemeClr val="bg1">
+                  <a:lumMod val="95000"/>
+                </a:schemeClr>
+              </a:solidFill>
+              <a:latin typeface="思源黑体 CN Light" panose="020B0300000000000000" pitchFamily="34" charset="-122"/>
+              <a:ea typeface="思源黑体 CN Light" panose="020B0300000000000000" pitchFamily="34" charset="-122"/>
+            </a:endParaRPr>
+          </a:p>
+        </p:txBody>
+      </p:sp>
+      <p:sp>
+        <p:nvSpPr>
+          <p:cNvPr id="77" name="等腰三角形 76"/>
+          <p:cNvSpPr/>
+          <p:nvPr/>
+        </p:nvSpPr>
+        <p:spPr>
+          <a:xfrm rot="10800000">
+            <a:off x="8237504" y="4916387"/>
+            <a:ext cx="233022" cy="200880"/>
+          </a:xfrm>
+          <a:prstGeom prst="triangle">
+            <a:avLst/>
+          </a:prstGeom>
+          <a:noFill/>
+          <a:ln>
+            <a:solidFill>
+              <a:srgbClr val="E83766"/>
+            </a:solidFill>
+          </a:ln>
+        </p:spPr>
+        <p:style>
+          <a:lnRef idx="2">
+            <a:schemeClr val="accent1">
+              <a:shade val="50000"/>
+            </a:schemeClr>
+          </a:lnRef>
+          <a:fillRef idx="1">
+            <a:schemeClr val="accent1"/>
+          </a:fillRef>
+          <a:effectRef idx="0">
+            <a:schemeClr val="accent1"/>
+          </a:effectRef>
+          <a:fontRef idx="minor">
+            <a:schemeClr val="lt1"/>
+          </a:fontRef>
+        </p:style>
+        <p:txBody>
+          <a:bodyPr rtlCol="0" anchor="ctr"/>
+          <a:lstStyle/>
+          <a:p>
+            <a:pPr algn="ctr"/>
+            <a:endParaRPr lang="zh-CN" altLang="en-US"/>
+          </a:p>
+        </p:txBody>
+      </p:sp>
+      <p:sp>
+        <p:nvSpPr>
+          <p:cNvPr id="78" name="文本框 77"/>
+          <p:cNvSpPr txBox="1"/>
+          <p:nvPr/>
+        </p:nvSpPr>
+        <p:spPr>
+          <a:xfrm>
+            <a:off x="9722379" y="614067"/>
+            <a:ext cx="1100429" cy="523220"/>
+          </a:xfrm>
+          <a:prstGeom prst="rect">
+            <a:avLst/>
+          </a:prstGeom>
+          <a:noFill/>
+        </p:spPr>
+        <p:txBody>
+          <a:bodyPr wrap="none" rtlCol="0">
+            <a:spAutoFit/>
+          </a:bodyPr>
+          <a:lstStyle/>
+          <a:p>
+            <a:pPr algn="ctr"/>
+            <a:r>
+              <a:rPr lang="en-US" altLang="zh-CN" sz="1600" dirty="0" smtClean="0">
+                <a:solidFill>
+                  <a:schemeClr val="bg1"/>
+                </a:solidFill>
+                <a:latin typeface="思源黑体 CN Light" panose="020B0300000000000000" pitchFamily="34" charset="-122"/>
+                <a:ea typeface="思源黑体 CN Light" panose="020B0300000000000000" pitchFamily="34" charset="-122"/>
+              </a:rPr>
+              <a:t>PART </a:t>
+            </a:r>
+            <a:r>
+              <a:rPr lang="en-US" altLang="zh-CN" sz="2800" dirty="0" smtClean="0">
+                <a:solidFill>
+                  <a:srgbClr val="55E1DB"/>
+                </a:solidFill>
+                <a:latin typeface="思源黑体 CN Normal" panose="020B0400000000000000" pitchFamily="34" charset="-122"/>
+                <a:ea typeface="思源黑体 CN Normal" panose="020B0400000000000000" pitchFamily="34" charset="-122"/>
+              </a:rPr>
+              <a:t>03</a:t>
+            </a:r>
+            <a:endParaRPr lang="zh-CN" altLang="en-US" sz="2000" dirty="0">
+              <a:solidFill>
+                <a:srgbClr val="55E1DB"/>
+              </a:solidFill>
+              <a:latin typeface="思源黑体 CN Normal" panose="020B0400000000000000" pitchFamily="34" charset="-122"/>
+              <a:ea typeface="思源黑体 CN Normal" panose="020B0400000000000000" pitchFamily="34" charset="-122"/>
+            </a:endParaRPr>
+          </a:p>
+        </p:txBody>
+      </p:sp>
+      <p:sp>
+        <p:nvSpPr>
+          <p:cNvPr id="79" name="文本框 78"/>
+          <p:cNvSpPr txBox="1"/>
+          <p:nvPr/>
+        </p:nvSpPr>
+        <p:spPr>
+          <a:xfrm>
+            <a:off x="9510131" y="2521828"/>
+            <a:ext cx="1524923" cy="707886"/>
+          </a:xfrm>
+          <a:prstGeom prst="rect">
+            <a:avLst/>
+          </a:prstGeom>
+          <a:noFill/>
+        </p:spPr>
+        <p:txBody>
+          <a:bodyPr wrap="square" rtlCol="0">
+            <a:spAutoFit/>
+          </a:bodyPr>
+          <a:lstStyle/>
+          <a:p>
+            <a:pPr algn="ctr"/>
+            <a:r>
+              <a:rPr lang="en-US" altLang="zh-CN" sz="1000" dirty="0" smtClean="0">
+                <a:solidFill>
+                  <a:schemeClr val="bg1">
+                    <a:lumMod val="95000"/>
+                  </a:schemeClr>
+                </a:solidFill>
+                <a:latin typeface="思源黑体 CN Light" panose="020B0300000000000000" pitchFamily="34" charset="-122"/>
+                <a:ea typeface="思源黑体 CN Light" panose="020B0300000000000000" pitchFamily="34" charset="-122"/>
+              </a:rPr>
+              <a:t>Lorem ipsum dolor sit amet</a:t>
+            </a:r>
+            <a:r>
+              <a:rPr lang="en-US" altLang="zh-CN" sz="1000" dirty="0" smtClean="0">
+                <a:solidFill>
+                  <a:schemeClr val="bg1">
+                    <a:lumMod val="95000"/>
+                  </a:schemeClr>
+                </a:solidFill>
+                <a:latin typeface="思源黑体 CN Light" panose="020B0300000000000000" pitchFamily="34" charset="-122"/>
+                <a:ea typeface="思源黑体 CN Light" panose="020B0300000000000000" pitchFamily="34" charset="-122"/>
+              </a:rPr>
+              <a:t>, </a:t>
+            </a:r>
+            <a:r>
+              <a:rPr lang="en-US" altLang="zh-CN" sz="1000" dirty="0">
+                <a:solidFill>
+                  <a:schemeClr val="bg1">
+                    <a:lumMod val="95000"/>
+                  </a:schemeClr>
+                </a:solidFill>
+                <a:latin typeface="思源黑体 CN Light" panose="020B0300000000000000" pitchFamily="34" charset="-122"/>
+                <a:ea typeface="思源黑体 CN Light" panose="020B0300000000000000" pitchFamily="34" charset="-122"/>
+              </a:rPr>
+              <a:t>Lorem ipsum </a:t>
+            </a:r>
+            <a:r>
+              <a:rPr lang="en-US" altLang="zh-CN" sz="1000" dirty="0" err="1" smtClean="0">
+                <a:solidFill>
+                  <a:schemeClr val="bg1">
+                    <a:lumMod val="95000"/>
+                  </a:schemeClr>
+                </a:solidFill>
+                <a:latin typeface="思源黑体 CN Light" panose="020B0300000000000000" pitchFamily="34" charset="-122"/>
+                <a:ea typeface="思源黑体 CN Light" panose="020B0300000000000000" pitchFamily="34" charset="-122"/>
+              </a:rPr>
+              <a:t>consectetuer</a:t>
+            </a:r>
+            <a:r>
+              <a:rPr lang="en-US" altLang="zh-CN" sz="1000" dirty="0" smtClean="0">
+                <a:solidFill>
+                  <a:schemeClr val="bg1">
+                    <a:lumMod val="95000"/>
+                  </a:schemeClr>
+                </a:solidFill>
+                <a:latin typeface="思源黑体 CN Light" panose="020B0300000000000000" pitchFamily="34" charset="-122"/>
+                <a:ea typeface="思源黑体 CN Light" panose="020B0300000000000000" pitchFamily="34" charset="-122"/>
+              </a:rPr>
+              <a:t> </a:t>
+            </a:r>
+            <a:r>
+              <a:rPr lang="en-US" altLang="zh-CN" sz="1000" dirty="0" smtClean="0">
+                <a:solidFill>
+                  <a:schemeClr val="bg1">
+                    <a:lumMod val="95000"/>
+                  </a:schemeClr>
+                </a:solidFill>
+                <a:latin typeface="思源黑体 CN Light" panose="020B0300000000000000" pitchFamily="34" charset="-122"/>
+                <a:ea typeface="思源黑体 CN Light" panose="020B0300000000000000" pitchFamily="34" charset="-122"/>
+              </a:rPr>
+              <a:t>adipiscing elit</a:t>
+            </a:r>
+            <a:r>
+              <a:rPr lang="en-US" altLang="zh-CN" sz="1000" dirty="0" smtClean="0">
+                <a:solidFill>
+                  <a:schemeClr val="bg1">
+                    <a:lumMod val="95000"/>
+                  </a:schemeClr>
+                </a:solidFill>
+                <a:latin typeface="思源黑体 CN Light" panose="020B0300000000000000" pitchFamily="34" charset="-122"/>
+                <a:ea typeface="思源黑体 CN Light" panose="020B0300000000000000" pitchFamily="34" charset="-122"/>
+              </a:rPr>
+              <a:t>. </a:t>
+            </a:r>
+            <a:endParaRPr lang="zh-CN" altLang="en-US" sz="1000" dirty="0">
+              <a:solidFill>
+                <a:schemeClr val="bg1">
+                  <a:lumMod val="95000"/>
+                </a:schemeClr>
+              </a:solidFill>
+              <a:latin typeface="思源黑体 CN Light" panose="020B0300000000000000" pitchFamily="34" charset="-122"/>
+              <a:ea typeface="思源黑体 CN Light" panose="020B0300000000000000" pitchFamily="34" charset="-122"/>
+            </a:endParaRPr>
+          </a:p>
+        </p:txBody>
+      </p:sp>
+      <p:sp>
+        <p:nvSpPr>
+          <p:cNvPr id="80" name="等腰三角形 79"/>
+          <p:cNvSpPr/>
+          <p:nvPr/>
+        </p:nvSpPr>
+        <p:spPr>
+          <a:xfrm rot="10800000">
+            <a:off x="10156082" y="3357213"/>
+            <a:ext cx="233022" cy="200880"/>
+          </a:xfrm>
+          <a:prstGeom prst="triangle">
+            <a:avLst/>
+          </a:prstGeom>
+          <a:noFill/>
+          <a:ln>
+            <a:solidFill>
+              <a:srgbClr val="55E1DB"/>
+            </a:solidFill>
+          </a:ln>
+        </p:spPr>
+        <p:style>
+          <a:lnRef idx="2">
+            <a:schemeClr val="accent1">
+              <a:shade val="50000"/>
+            </a:schemeClr>
+          </a:lnRef>
+          <a:fillRef idx="1">
+            <a:schemeClr val="accent1"/>
+          </a:fillRef>
+          <a:effectRef idx="0">
+            <a:schemeClr val="accent1"/>
+          </a:effectRef>
+          <a:fontRef idx="minor">
+            <a:schemeClr val="lt1"/>
+          </a:fontRef>
+        </p:style>
+        <p:txBody>
+          <a:bodyPr rtlCol="0" anchor="ctr"/>
+          <a:lstStyle/>
+          <a:p>
+            <a:pPr algn="ctr"/>
+            <a:endParaRPr lang="zh-CN" altLang="en-US"/>
+          </a:p>
+        </p:txBody>
+      </p:sp>
+      <p:grpSp>
+        <p:nvGrpSpPr>
+          <p:cNvPr id="107" name="组合 106"/>
+          <p:cNvGrpSpPr/>
+          <p:nvPr/>
+        </p:nvGrpSpPr>
+        <p:grpSpPr>
+          <a:xfrm>
+            <a:off x="1298166" y="874033"/>
+            <a:ext cx="1156398" cy="865727"/>
+            <a:chOff x="1298166" y="874033"/>
+            <a:chExt cx="1156398" cy="865727"/>
+          </a:xfrm>
+        </p:grpSpPr>
+        <p:sp>
+          <p:nvSpPr>
+            <p:cNvPr id="95" name="任意多边形 94"/>
+            <p:cNvSpPr/>
+            <p:nvPr/>
+          </p:nvSpPr>
+          <p:spPr>
+            <a:xfrm>
+              <a:off x="1386841" y="941705"/>
+              <a:ext cx="1001395" cy="701675"/>
+            </a:xfrm>
+            <a:custGeom>
+              <a:avLst/>
+              <a:gdLst>
+                <a:gd name="connsiteX0" fmla="*/ 0 w 1125220"/>
+                <a:gd name="connsiteY0" fmla="*/ 711200 h 711200"/>
+                <a:gd name="connsiteX1" fmla="*/ 116840 w 1125220"/>
+                <a:gd name="connsiteY1" fmla="*/ 218440 h 711200"/>
+                <a:gd name="connsiteX2" fmla="*/ 1125220 w 1125220"/>
+                <a:gd name="connsiteY2" fmla="*/ 0 h 711200"/>
+                <a:gd name="connsiteX0" fmla="*/ 0 w 1098550"/>
+                <a:gd name="connsiteY0" fmla="*/ 713105 h 713105"/>
+                <a:gd name="connsiteX1" fmla="*/ 90170 w 1098550"/>
+                <a:gd name="connsiteY1" fmla="*/ 218440 h 713105"/>
+                <a:gd name="connsiteX2" fmla="*/ 1098550 w 1098550"/>
+                <a:gd name="connsiteY2" fmla="*/ 0 h 713105"/>
+                <a:gd name="connsiteX0" fmla="*/ 0 w 1098550"/>
+                <a:gd name="connsiteY0" fmla="*/ 684530 h 684530"/>
+                <a:gd name="connsiteX1" fmla="*/ 90170 w 1098550"/>
+                <a:gd name="connsiteY1" fmla="*/ 189865 h 684530"/>
+                <a:gd name="connsiteX2" fmla="*/ 1098550 w 1098550"/>
+                <a:gd name="connsiteY2" fmla="*/ 0 h 684530"/>
+                <a:gd name="connsiteX0" fmla="*/ 0 w 1098550"/>
+                <a:gd name="connsiteY0" fmla="*/ 680720 h 680720"/>
+                <a:gd name="connsiteX1" fmla="*/ 90170 w 1098550"/>
+                <a:gd name="connsiteY1" fmla="*/ 186055 h 680720"/>
+                <a:gd name="connsiteX2" fmla="*/ 1098550 w 1098550"/>
+                <a:gd name="connsiteY2" fmla="*/ 0 h 680720"/>
+                <a:gd name="connsiteX0" fmla="*/ 0 w 1096645"/>
+                <a:gd name="connsiteY0" fmla="*/ 678815 h 678815"/>
+                <a:gd name="connsiteX1" fmla="*/ 88265 w 1096645"/>
+                <a:gd name="connsiteY1" fmla="*/ 186055 h 678815"/>
+                <a:gd name="connsiteX2" fmla="*/ 1096645 w 1096645"/>
+                <a:gd name="connsiteY2" fmla="*/ 0 h 678815"/>
+                <a:gd name="connsiteX0" fmla="*/ 0 w 1020445"/>
+                <a:gd name="connsiteY0" fmla="*/ 671195 h 671195"/>
+                <a:gd name="connsiteX1" fmla="*/ 88265 w 1020445"/>
+                <a:gd name="connsiteY1" fmla="*/ 178435 h 671195"/>
+                <a:gd name="connsiteX2" fmla="*/ 1020445 w 1020445"/>
+                <a:gd name="connsiteY2" fmla="*/ 0 h 671195"/>
+                <a:gd name="connsiteX0" fmla="*/ 0 w 1020445"/>
+                <a:gd name="connsiteY0" fmla="*/ 671195 h 671195"/>
+                <a:gd name="connsiteX1" fmla="*/ 114935 w 1020445"/>
+                <a:gd name="connsiteY1" fmla="*/ 172720 h 671195"/>
+                <a:gd name="connsiteX2" fmla="*/ 1020445 w 1020445"/>
+                <a:gd name="connsiteY2" fmla="*/ 0 h 671195"/>
+                <a:gd name="connsiteX0" fmla="*/ 0 w 995680"/>
+                <a:gd name="connsiteY0" fmla="*/ 671195 h 671195"/>
+                <a:gd name="connsiteX1" fmla="*/ 90170 w 995680"/>
+                <a:gd name="connsiteY1" fmla="*/ 172720 h 671195"/>
+                <a:gd name="connsiteX2" fmla="*/ 995680 w 995680"/>
+                <a:gd name="connsiteY2" fmla="*/ 0 h 671195"/>
+                <a:gd name="connsiteX0" fmla="*/ 0 w 1001395"/>
+                <a:gd name="connsiteY0" fmla="*/ 701675 h 701675"/>
+                <a:gd name="connsiteX1" fmla="*/ 90170 w 1001395"/>
+                <a:gd name="connsiteY1" fmla="*/ 203200 h 701675"/>
+                <a:gd name="connsiteX2" fmla="*/ 1001395 w 1001395"/>
+                <a:gd name="connsiteY2" fmla="*/ 0 h 701675"/>
+              </a:gdLst>
+              <a:ahLst/>
+              <a:cxnLst>
+                <a:cxn ang="0">
+                  <a:pos x="connsiteX0" y="connsiteY0"/>
+                </a:cxn>
+                <a:cxn ang="0">
+                  <a:pos x="connsiteX1" y="connsiteY1"/>
+                </a:cxn>
+                <a:cxn ang="0">
+                  <a:pos x="connsiteX2" y="connsiteY2"/>
+                </a:cxn>
+              </a:cxnLst>
+              <a:rect l="l" t="t" r="r" b="b"/>
+              <a:pathLst>
+                <a:path w="1001395" h="701675">
+                  <a:moveTo>
+                    <a:pt x="0" y="701675"/>
+                  </a:moveTo>
+                  <a:lnTo>
+                    <a:pt x="90170" y="203200"/>
+                  </a:lnTo>
+                  <a:lnTo>
+                    <a:pt x="1001395" y="0"/>
+                  </a:lnTo>
+                </a:path>
+              </a:pathLst>
+            </a:custGeom>
+            <a:noFill/>
+            <a:ln w="9525">
+              <a:solidFill>
+                <a:schemeClr val="accent4">
+                  <a:alpha val="50000"/>
+                </a:schemeClr>
+              </a:solidFill>
+            </a:ln>
+          </p:spPr>
+          <p:style>
+            <a:lnRef idx="2">
+              <a:schemeClr val="accent1">
+                <a:shade val="50000"/>
+              </a:schemeClr>
+            </a:lnRef>
+            <a:fillRef idx="1">
+              <a:schemeClr val="accent1"/>
+            </a:fillRef>
+            <a:effectRef idx="0">
+              <a:schemeClr val="accent1"/>
+            </a:effectRef>
+            <a:fontRef idx="minor">
+              <a:schemeClr val="lt1"/>
+            </a:fontRef>
+          </p:style>
+          <p:txBody>
+            <a:bodyPr rtlCol="0" anchor="ctr"/>
+            <a:lstStyle/>
+            <a:p>
+              <a:pPr algn="ctr"/>
+              <a:endParaRPr lang="zh-CN" altLang="en-US"/>
+            </a:p>
+          </p:txBody>
+        </p:sp>
+        <p:sp>
+          <p:nvSpPr>
+            <p:cNvPr id="82" name="椭圆 81"/>
+            <p:cNvSpPr/>
+            <p:nvPr/>
+          </p:nvSpPr>
+          <p:spPr>
+            <a:xfrm>
+              <a:off x="1298166" y="1544164"/>
+              <a:ext cx="195596" cy="195596"/>
+            </a:xfrm>
+            <a:prstGeom prst="ellipse">
+              <a:avLst/>
+            </a:prstGeom>
+            <a:solidFill>
+              <a:srgbClr val="09152D"/>
+            </a:solidFill>
+            <a:ln w="6350">
+              <a:solidFill>
+                <a:schemeClr val="accent4"/>
+              </a:solidFill>
+            </a:ln>
+          </p:spPr>
+          <p:style>
+            <a:lnRef idx="2">
+              <a:schemeClr val="accent1">
+                <a:shade val="50000"/>
+              </a:schemeClr>
+            </a:lnRef>
+            <a:fillRef idx="1">
+              <a:schemeClr val="accent1"/>
+            </a:fillRef>
+            <a:effectRef idx="0">
+              <a:schemeClr val="accent1"/>
+            </a:effectRef>
+            <a:fontRef idx="minor">
+              <a:schemeClr val="lt1"/>
+            </a:fontRef>
+          </p:style>
+          <p:txBody>
+            <a:bodyPr rtlCol="0" anchor="ctr"/>
+            <a:lstStyle/>
+            <a:p>
+              <a:pPr algn="ctr"/>
+              <a:endParaRPr lang="zh-CN" altLang="en-US"/>
+            </a:p>
+          </p:txBody>
+        </p:sp>
+        <p:sp>
+          <p:nvSpPr>
+            <p:cNvPr id="83" name="椭圆 82"/>
+            <p:cNvSpPr>
+              <a:spLocks noChangeAspect="1"/>
+            </p:cNvSpPr>
+            <p:nvPr/>
+          </p:nvSpPr>
+          <p:spPr>
+            <a:xfrm flipV="1">
+              <a:off x="2310768" y="874033"/>
+              <a:ext cx="143796" cy="142756"/>
+            </a:xfrm>
+            <a:prstGeom prst="ellipse">
+              <a:avLst/>
+            </a:prstGeom>
+            <a:solidFill>
+              <a:srgbClr val="09152D"/>
+            </a:solidFill>
+            <a:ln w="6350">
+              <a:solidFill>
+                <a:schemeClr val="accent4"/>
+              </a:solidFill>
+            </a:ln>
+          </p:spPr>
+          <p:style>
+            <a:lnRef idx="2">
+              <a:schemeClr val="accent1">
+                <a:shade val="50000"/>
+              </a:schemeClr>
+            </a:lnRef>
+            <a:fillRef idx="1">
+              <a:schemeClr val="accent1"/>
+            </a:fillRef>
+            <a:effectRef idx="0">
+              <a:schemeClr val="accent1"/>
+            </a:effectRef>
+            <a:fontRef idx="minor">
+              <a:schemeClr val="lt1"/>
+            </a:fontRef>
+          </p:style>
+          <p:txBody>
+            <a:bodyPr rtlCol="0" anchor="ctr"/>
+            <a:lstStyle/>
+            <a:p>
+              <a:pPr algn="ctr"/>
+              <a:endParaRPr lang="zh-CN" altLang="en-US"/>
+            </a:p>
+          </p:txBody>
+        </p:sp>
+        <p:grpSp>
+          <p:nvGrpSpPr>
+            <p:cNvPr id="97" name="组合 96"/>
+            <p:cNvGrpSpPr/>
+            <p:nvPr/>
+          </p:nvGrpSpPr>
+          <p:grpSpPr>
+            <a:xfrm>
+              <a:off x="1342407" y="1006842"/>
+              <a:ext cx="282730" cy="282730"/>
+              <a:chOff x="1342407" y="1006842"/>
+              <a:chExt cx="282730" cy="282730"/>
+            </a:xfrm>
+          </p:grpSpPr>
+          <p:sp>
+            <p:nvSpPr>
+              <p:cNvPr id="81" name="椭圆 80"/>
+              <p:cNvSpPr/>
+              <p:nvPr/>
+            </p:nvSpPr>
+            <p:spPr>
+              <a:xfrm>
+                <a:off x="1342407" y="1006842"/>
+                <a:ext cx="282730" cy="282730"/>
+              </a:xfrm>
+              <a:prstGeom prst="ellipse">
+                <a:avLst/>
+              </a:prstGeom>
+              <a:solidFill>
+                <a:srgbClr val="09152D"/>
+              </a:solidFill>
+              <a:ln w="6350">
+                <a:solidFill>
+                  <a:schemeClr val="accent4"/>
+                </a:solidFill>
+              </a:ln>
+            </p:spPr>
+            <p:style>
+              <a:lnRef idx="2">
+                <a:schemeClr val="accent1">
+                  <a:shade val="50000"/>
+                </a:schemeClr>
+              </a:lnRef>
+              <a:fillRef idx="1">
+                <a:schemeClr val="accent1"/>
+              </a:fillRef>
+              <a:effectRef idx="0">
+                <a:schemeClr val="accent1"/>
+              </a:effectRef>
+              <a:fontRef idx="minor">
+                <a:schemeClr val="lt1"/>
+              </a:fontRef>
+            </p:style>
+            <p:txBody>
+              <a:bodyPr rtlCol="0" anchor="ctr"/>
+              <a:lstStyle/>
+              <a:p>
+                <a:pPr algn="ctr"/>
+                <a:endParaRPr lang="zh-CN" altLang="en-US"/>
+              </a:p>
+            </p:txBody>
+          </p:sp>
+          <p:sp>
+            <p:nvSpPr>
+              <p:cNvPr id="84" name="椭圆 83"/>
+              <p:cNvSpPr>
+                <a:spLocks noChangeAspect="1"/>
+              </p:cNvSpPr>
+              <p:nvPr/>
+            </p:nvSpPr>
+            <p:spPr>
+              <a:xfrm>
+                <a:off x="1460388" y="1124823"/>
+                <a:ext cx="46768" cy="46768"/>
+              </a:xfrm>
+              <a:prstGeom prst="ellipse">
+                <a:avLst/>
+              </a:prstGeom>
+              <a:solidFill>
+                <a:schemeClr val="accent4"/>
+              </a:solidFill>
+              <a:ln>
+                <a:noFill/>
+              </a:ln>
+            </p:spPr>
+            <p:style>
+              <a:lnRef idx="2">
+                <a:schemeClr val="accent1">
+                  <a:shade val="50000"/>
+                </a:schemeClr>
+              </a:lnRef>
+              <a:fillRef idx="1">
+                <a:schemeClr val="accent1"/>
+              </a:fillRef>
+              <a:effectRef idx="0">
+                <a:schemeClr val="accent1"/>
+              </a:effectRef>
+              <a:fontRef idx="minor">
+                <a:schemeClr val="lt1"/>
+              </a:fontRef>
+            </p:style>
+            <p:txBody>
+              <a:bodyPr rtlCol="0" anchor="ctr"/>
+              <a:lstStyle/>
+              <a:p>
+                <a:pPr algn="ctr"/>
+                <a:endParaRPr lang="zh-CN" altLang="en-US"/>
+              </a:p>
+            </p:txBody>
+          </p:sp>
+        </p:grpSp>
+      </p:grpSp>
+      <p:sp>
+        <p:nvSpPr>
+          <p:cNvPr id="133" name="椭圆 132"/>
+          <p:cNvSpPr/>
+          <p:nvPr/>
+        </p:nvSpPr>
+        <p:spPr>
+          <a:xfrm rot="10800000" flipV="1">
+            <a:off x="7562860" y="3404790"/>
+            <a:ext cx="195596" cy="195596"/>
+          </a:xfrm>
+          <a:prstGeom prst="ellipse">
+            <a:avLst/>
+          </a:prstGeom>
+          <a:solidFill>
+            <a:srgbClr val="09152D"/>
+          </a:solidFill>
+          <a:ln w="6350">
+            <a:solidFill>
+              <a:srgbClr val="E83766"/>
+            </a:solidFill>
+          </a:ln>
+        </p:spPr>
+        <p:style>
+          <a:lnRef idx="2">
+            <a:schemeClr val="accent1">
+              <a:shade val="50000"/>
+            </a:schemeClr>
+          </a:lnRef>
+          <a:fillRef idx="1">
+            <a:schemeClr val="accent1"/>
+          </a:fillRef>
+          <a:effectRef idx="0">
+            <a:schemeClr val="accent1"/>
+          </a:effectRef>
+          <a:fontRef idx="minor">
+            <a:schemeClr val="lt1"/>
+          </a:fontRef>
+        </p:style>
+        <p:txBody>
+          <a:bodyPr rtlCol="0" anchor="ctr"/>
+          <a:lstStyle/>
+          <a:p>
+            <a:pPr algn="ctr"/>
+            <a:endParaRPr lang="zh-CN" altLang="en-US"/>
+          </a:p>
+        </p:txBody>
+      </p:sp>
+      <p:sp>
+        <p:nvSpPr>
+          <p:cNvPr id="134" name="椭圆 133"/>
+          <p:cNvSpPr>
+            <a:spLocks noChangeAspect="1"/>
+          </p:cNvSpPr>
+          <p:nvPr/>
+        </p:nvSpPr>
+        <p:spPr>
+          <a:xfrm rot="10800000">
+            <a:off x="8846555" y="3697655"/>
+            <a:ext cx="143796" cy="142756"/>
+          </a:xfrm>
+          <a:prstGeom prst="ellipse">
+            <a:avLst/>
+          </a:prstGeom>
+          <a:solidFill>
+            <a:srgbClr val="09152D"/>
+          </a:solidFill>
+          <a:ln w="6350">
+            <a:solidFill>
+              <a:srgbClr val="E83766"/>
+            </a:solidFill>
+          </a:ln>
+        </p:spPr>
+        <p:style>
+          <a:lnRef idx="2">
+            <a:schemeClr val="accent1">
+              <a:shade val="50000"/>
+            </a:schemeClr>
+          </a:lnRef>
+          <a:fillRef idx="1">
+            <a:schemeClr val="accent1"/>
+          </a:fillRef>
+          <a:effectRef idx="0">
+            <a:schemeClr val="accent1"/>
+          </a:effectRef>
+          <a:fontRef idx="minor">
+            <a:schemeClr val="lt1"/>
+          </a:fontRef>
+        </p:style>
+        <p:txBody>
+          <a:bodyPr rtlCol="0" anchor="ctr"/>
+          <a:lstStyle/>
+          <a:p>
+            <a:pPr algn="ctr"/>
+            <a:endParaRPr lang="zh-CN" altLang="en-US"/>
+          </a:p>
+        </p:txBody>
+      </p:sp>
+      <p:sp>
+        <p:nvSpPr>
+          <p:cNvPr id="136" name="椭圆 135"/>
+          <p:cNvSpPr/>
+          <p:nvPr/>
+        </p:nvSpPr>
+        <p:spPr>
+          <a:xfrm rot="10800000" flipV="1">
+            <a:off x="8961538" y="3142385"/>
+            <a:ext cx="282730" cy="282730"/>
+          </a:xfrm>
+          <a:prstGeom prst="ellipse">
+            <a:avLst/>
+          </a:prstGeom>
+          <a:solidFill>
+            <a:srgbClr val="09152D"/>
+          </a:solidFill>
+          <a:ln w="6350">
+            <a:solidFill>
+              <a:srgbClr val="E83766"/>
+            </a:solidFill>
+          </a:ln>
+        </p:spPr>
+        <p:style>
+          <a:lnRef idx="2">
+            <a:schemeClr val="accent1">
+              <a:shade val="50000"/>
+            </a:schemeClr>
+          </a:lnRef>
+          <a:fillRef idx="1">
+            <a:schemeClr val="accent1"/>
+          </a:fillRef>
+          <a:effectRef idx="0">
+            <a:schemeClr val="accent1"/>
+          </a:effectRef>
+          <a:fontRef idx="minor">
+            <a:schemeClr val="lt1"/>
+          </a:fontRef>
+        </p:style>
+        <p:txBody>
+          <a:bodyPr rtlCol="0" anchor="ctr"/>
+          <a:lstStyle/>
+          <a:p>
+            <a:pPr algn="ctr"/>
+            <a:endParaRPr lang="zh-CN" altLang="en-US"/>
+          </a:p>
+        </p:txBody>
+      </p:sp>
+      <p:sp>
+        <p:nvSpPr>
+          <p:cNvPr id="140" name="任意多边形 139"/>
+          <p:cNvSpPr/>
+          <p:nvPr/>
+        </p:nvSpPr>
+        <p:spPr>
+          <a:xfrm rot="17531285" flipV="1">
+            <a:off x="9989370" y="1603200"/>
+            <a:ext cx="968675" cy="571006"/>
+          </a:xfrm>
+          <a:custGeom>
+            <a:avLst/>
+            <a:gdLst>
+              <a:gd name="connsiteX0" fmla="*/ 0 w 1125220"/>
+              <a:gd name="connsiteY0" fmla="*/ 711200 h 711200"/>
+              <a:gd name="connsiteX1" fmla="*/ 116840 w 1125220"/>
+              <a:gd name="connsiteY1" fmla="*/ 218440 h 711200"/>
+              <a:gd name="connsiteX2" fmla="*/ 1125220 w 1125220"/>
+              <a:gd name="connsiteY2" fmla="*/ 0 h 711200"/>
+              <a:gd name="connsiteX0" fmla="*/ 0 w 1098550"/>
+              <a:gd name="connsiteY0" fmla="*/ 713105 h 713105"/>
+              <a:gd name="connsiteX1" fmla="*/ 90170 w 1098550"/>
+              <a:gd name="connsiteY1" fmla="*/ 218440 h 713105"/>
+              <a:gd name="connsiteX2" fmla="*/ 1098550 w 1098550"/>
+              <a:gd name="connsiteY2" fmla="*/ 0 h 713105"/>
+              <a:gd name="connsiteX0" fmla="*/ 0 w 1098550"/>
+              <a:gd name="connsiteY0" fmla="*/ 684530 h 684530"/>
+              <a:gd name="connsiteX1" fmla="*/ 90170 w 1098550"/>
+              <a:gd name="connsiteY1" fmla="*/ 189865 h 684530"/>
+              <a:gd name="connsiteX2" fmla="*/ 1098550 w 1098550"/>
+              <a:gd name="connsiteY2" fmla="*/ 0 h 684530"/>
+              <a:gd name="connsiteX0" fmla="*/ 0 w 1098550"/>
+              <a:gd name="connsiteY0" fmla="*/ 680720 h 680720"/>
+              <a:gd name="connsiteX1" fmla="*/ 90170 w 1098550"/>
+              <a:gd name="connsiteY1" fmla="*/ 186055 h 680720"/>
+              <a:gd name="connsiteX2" fmla="*/ 1098550 w 1098550"/>
+              <a:gd name="connsiteY2" fmla="*/ 0 h 680720"/>
+              <a:gd name="connsiteX0" fmla="*/ 0 w 1096645"/>
+              <a:gd name="connsiteY0" fmla="*/ 678815 h 678815"/>
+              <a:gd name="connsiteX1" fmla="*/ 88265 w 1096645"/>
+              <a:gd name="connsiteY1" fmla="*/ 186055 h 678815"/>
+              <a:gd name="connsiteX2" fmla="*/ 1096645 w 1096645"/>
+              <a:gd name="connsiteY2" fmla="*/ 0 h 678815"/>
+              <a:gd name="connsiteX0" fmla="*/ 0 w 1020445"/>
+              <a:gd name="connsiteY0" fmla="*/ 671195 h 671195"/>
+              <a:gd name="connsiteX1" fmla="*/ 88265 w 1020445"/>
+              <a:gd name="connsiteY1" fmla="*/ 178435 h 671195"/>
+              <a:gd name="connsiteX2" fmla="*/ 1020445 w 1020445"/>
+              <a:gd name="connsiteY2" fmla="*/ 0 h 671195"/>
+              <a:gd name="connsiteX0" fmla="*/ 0 w 1020445"/>
+              <a:gd name="connsiteY0" fmla="*/ 671195 h 671195"/>
+              <a:gd name="connsiteX1" fmla="*/ 114935 w 1020445"/>
+              <a:gd name="connsiteY1" fmla="*/ 172720 h 671195"/>
+              <a:gd name="connsiteX2" fmla="*/ 1020445 w 1020445"/>
+              <a:gd name="connsiteY2" fmla="*/ 0 h 671195"/>
+              <a:gd name="connsiteX0" fmla="*/ 0 w 995680"/>
+              <a:gd name="connsiteY0" fmla="*/ 671195 h 671195"/>
+              <a:gd name="connsiteX1" fmla="*/ 90170 w 995680"/>
+              <a:gd name="connsiteY1" fmla="*/ 172720 h 671195"/>
+              <a:gd name="connsiteX2" fmla="*/ 995680 w 995680"/>
+              <a:gd name="connsiteY2" fmla="*/ 0 h 671195"/>
+              <a:gd name="connsiteX0" fmla="*/ 0 w 1001395"/>
+              <a:gd name="connsiteY0" fmla="*/ 701675 h 701675"/>
+              <a:gd name="connsiteX1" fmla="*/ 90170 w 1001395"/>
+              <a:gd name="connsiteY1" fmla="*/ 203200 h 701675"/>
+              <a:gd name="connsiteX2" fmla="*/ 1001395 w 1001395"/>
+              <a:gd name="connsiteY2" fmla="*/ 0 h 701675"/>
+              <a:gd name="connsiteX0" fmla="*/ 0 w 968675"/>
+              <a:gd name="connsiteY0" fmla="*/ 571006 h 571006"/>
+              <a:gd name="connsiteX1" fmla="*/ 90170 w 968675"/>
+              <a:gd name="connsiteY1" fmla="*/ 72531 h 571006"/>
+              <a:gd name="connsiteX2" fmla="*/ 968675 w 968675"/>
+              <a:gd name="connsiteY2" fmla="*/ 0 h 571006"/>
+            </a:gdLst>
+            <a:ahLst/>
+            <a:cxnLst>
+              <a:cxn ang="0">
+                <a:pos x="connsiteX0" y="connsiteY0"/>
+              </a:cxn>
+              <a:cxn ang="0">
+                <a:pos x="connsiteX1" y="connsiteY1"/>
+              </a:cxn>
+              <a:cxn ang="0">
+                <a:pos x="connsiteX2" y="connsiteY2"/>
+              </a:cxn>
+            </a:cxnLst>
+            <a:rect l="l" t="t" r="r" b="b"/>
+            <a:pathLst>
+              <a:path w="968675" h="571006">
+                <a:moveTo>
+                  <a:pt x="0" y="571006"/>
+                </a:moveTo>
+                <a:lnTo>
+                  <a:pt x="90170" y="72531"/>
+                </a:lnTo>
+                <a:lnTo>
+                  <a:pt x="968675" y="0"/>
+                </a:lnTo>
+              </a:path>
+            </a:pathLst>
+          </a:custGeom>
+          <a:noFill/>
+          <a:ln w="9525">
+            <a:solidFill>
+              <a:srgbClr val="55E1DB">
+                <a:alpha val="50000"/>
+              </a:srgbClr>
+            </a:solidFill>
+          </a:ln>
+        </p:spPr>
+        <p:style>
+          <a:lnRef idx="2">
+            <a:schemeClr val="accent1">
+              <a:shade val="50000"/>
+            </a:schemeClr>
+          </a:lnRef>
+          <a:fillRef idx="1">
+            <a:schemeClr val="accent1"/>
+          </a:fillRef>
+          <a:effectRef idx="0">
+            <a:schemeClr val="accent1"/>
+          </a:effectRef>
+          <a:fontRef idx="minor">
+            <a:schemeClr val="lt1"/>
+          </a:fontRef>
+        </p:style>
+        <p:txBody>
+          <a:bodyPr rtlCol="0" anchor="ctr"/>
+          <a:lstStyle/>
+          <a:p>
+            <a:pPr algn="ctr"/>
+            <a:endParaRPr lang="zh-CN" altLang="en-US"/>
+          </a:p>
+        </p:txBody>
+      </p:sp>
+      <p:sp>
+        <p:nvSpPr>
+          <p:cNvPr id="141" name="椭圆 140"/>
+          <p:cNvSpPr/>
+          <p:nvPr/>
+        </p:nvSpPr>
+        <p:spPr>
+          <a:xfrm rot="17531285" flipV="1">
+            <a:off x="9933396" y="2123644"/>
+            <a:ext cx="195596" cy="195596"/>
+          </a:xfrm>
+          <a:prstGeom prst="ellipse">
+            <a:avLst/>
+          </a:prstGeom>
+          <a:solidFill>
+            <a:srgbClr val="09152D"/>
+          </a:solidFill>
+          <a:ln w="6350">
+            <a:solidFill>
+              <a:srgbClr val="55E1DB"/>
+            </a:solidFill>
+          </a:ln>
+        </p:spPr>
+        <p:style>
+          <a:lnRef idx="2">
+            <a:schemeClr val="accent1">
+              <a:shade val="50000"/>
+            </a:schemeClr>
+          </a:lnRef>
+          <a:fillRef idx="1">
+            <a:schemeClr val="accent1"/>
+          </a:fillRef>
+          <a:effectRef idx="0">
+            <a:schemeClr val="accent1"/>
+          </a:effectRef>
+          <a:fontRef idx="minor">
+            <a:schemeClr val="lt1"/>
+          </a:fontRef>
+        </p:style>
+        <p:txBody>
+          <a:bodyPr rtlCol="0" anchor="ctr"/>
+          <a:lstStyle/>
+          <a:p>
+            <a:pPr algn="ctr"/>
+            <a:endParaRPr lang="zh-CN" altLang="en-US"/>
+          </a:p>
+        </p:txBody>
+      </p:sp>
+      <p:sp>
+        <p:nvSpPr>
+          <p:cNvPr id="142" name="椭圆 141"/>
+          <p:cNvSpPr>
+            <a:spLocks noChangeAspect="1"/>
+          </p:cNvSpPr>
+          <p:nvPr/>
+        </p:nvSpPr>
+        <p:spPr>
+          <a:xfrm rot="17531285">
+            <a:off x="10844154" y="1477054"/>
+            <a:ext cx="143796" cy="142756"/>
+          </a:xfrm>
+          <a:prstGeom prst="ellipse">
+            <a:avLst/>
+          </a:prstGeom>
+          <a:solidFill>
+            <a:srgbClr val="09152D"/>
+          </a:solidFill>
+          <a:ln w="6350">
+            <a:solidFill>
+              <a:srgbClr val="55E1DB"/>
+            </a:solidFill>
+          </a:ln>
+        </p:spPr>
+        <p:style>
+          <a:lnRef idx="2">
+            <a:schemeClr val="accent1">
+              <a:shade val="50000"/>
+            </a:schemeClr>
+          </a:lnRef>
+          <a:fillRef idx="1">
+            <a:schemeClr val="accent1"/>
+          </a:fillRef>
+          <a:effectRef idx="0">
+            <a:schemeClr val="accent1"/>
+          </a:effectRef>
+          <a:fontRef idx="minor">
+            <a:schemeClr val="lt1"/>
+          </a:fontRef>
+        </p:style>
+        <p:txBody>
+          <a:bodyPr rtlCol="0" anchor="ctr"/>
+          <a:lstStyle/>
+          <a:p>
+            <a:pPr algn="ctr"/>
+            <a:endParaRPr lang="zh-CN" altLang="en-US"/>
+          </a:p>
+        </p:txBody>
+      </p:sp>
+      <p:grpSp>
+        <p:nvGrpSpPr>
+          <p:cNvPr id="143" name="组合 142"/>
+          <p:cNvGrpSpPr/>
+          <p:nvPr/>
+        </p:nvGrpSpPr>
+        <p:grpSpPr>
+          <a:xfrm rot="17531285" flipV="1">
+            <a:off x="10379169" y="2186415"/>
+            <a:ext cx="282730" cy="282730"/>
+            <a:chOff x="1342407" y="1006842"/>
+            <a:chExt cx="282730" cy="282730"/>
+          </a:xfrm>
+        </p:grpSpPr>
+        <p:sp>
+          <p:nvSpPr>
+            <p:cNvPr id="144" name="椭圆 143"/>
+            <p:cNvSpPr/>
+            <p:nvPr/>
+          </p:nvSpPr>
+          <p:spPr>
+            <a:xfrm>
+              <a:off x="1342407" y="1006842"/>
+              <a:ext cx="282730" cy="282730"/>
+            </a:xfrm>
+            <a:prstGeom prst="ellipse">
+              <a:avLst/>
+            </a:prstGeom>
+            <a:solidFill>
+              <a:srgbClr val="09152D"/>
+            </a:solidFill>
+            <a:ln w="6350">
+              <a:solidFill>
+                <a:srgbClr val="55E1DB"/>
+              </a:solidFill>
+            </a:ln>
+          </p:spPr>
+          <p:style>
+            <a:lnRef idx="2">
+              <a:schemeClr val="accent1">
+                <a:shade val="50000"/>
+              </a:schemeClr>
+            </a:lnRef>
+            <a:fillRef idx="1">
+              <a:schemeClr val="accent1"/>
+            </a:fillRef>
+            <a:effectRef idx="0">
+              <a:schemeClr val="accent1"/>
+            </a:effectRef>
+            <a:fontRef idx="minor">
+              <a:schemeClr val="lt1"/>
+            </a:fontRef>
+          </p:style>
+          <p:txBody>
+            <a:bodyPr rtlCol="0" anchor="ctr"/>
+            <a:lstStyle/>
+            <a:p>
+              <a:pPr algn="ctr"/>
+              <a:endParaRPr lang="zh-CN" altLang="en-US"/>
+            </a:p>
+          </p:txBody>
+        </p:sp>
+        <p:sp>
+          <p:nvSpPr>
+            <p:cNvPr id="145" name="椭圆 144"/>
+            <p:cNvSpPr>
+              <a:spLocks noChangeAspect="1"/>
+            </p:cNvSpPr>
+            <p:nvPr/>
+          </p:nvSpPr>
+          <p:spPr>
+            <a:xfrm>
+              <a:off x="1460388" y="1124823"/>
+              <a:ext cx="46768" cy="46768"/>
+            </a:xfrm>
+            <a:prstGeom prst="ellipse">
+              <a:avLst/>
+            </a:prstGeom>
+            <a:solidFill>
+              <a:srgbClr val="55E1DB"/>
+            </a:solidFill>
+            <a:ln>
+              <a:noFill/>
+            </a:ln>
+          </p:spPr>
+          <p:style>
+            <a:lnRef idx="2">
+              <a:schemeClr val="accent1">
+                <a:shade val="50000"/>
+              </a:schemeClr>
+            </a:lnRef>
+            <a:fillRef idx="1">
+              <a:schemeClr val="accent1"/>
+            </a:fillRef>
+            <a:effectRef idx="0">
+              <a:schemeClr val="accent1"/>
+            </a:effectRef>
+            <a:fontRef idx="minor">
+              <a:schemeClr val="lt1"/>
+            </a:fontRef>
+          </p:style>
+          <p:txBody>
+            <a:bodyPr rtlCol="0" anchor="ctr"/>
+            <a:lstStyle/>
+            <a:p>
+              <a:pPr algn="ctr"/>
+              <a:endParaRPr lang="zh-CN" altLang="en-US"/>
+            </a:p>
+          </p:txBody>
+        </p:sp>
+      </p:grpSp>
+      <p:sp>
+        <p:nvSpPr>
+          <p:cNvPr id="147" name="文本框 146"/>
+          <p:cNvSpPr txBox="1"/>
+          <p:nvPr/>
+        </p:nvSpPr>
+        <p:spPr>
+          <a:xfrm>
+            <a:off x="526292" y="4834680"/>
+            <a:ext cx="1388729" cy="338554"/>
+          </a:xfrm>
+          <a:prstGeom prst="rect">
+            <a:avLst/>
+          </a:prstGeom>
+          <a:noFill/>
+        </p:spPr>
+        <p:txBody>
+          <a:bodyPr wrap="square" rtlCol="0">
+            <a:spAutoFit/>
+          </a:bodyPr>
+          <a:lstStyle/>
+          <a:p>
+            <a:r>
+              <a:rPr lang="en-US" altLang="zh-CN" sz="1600" dirty="0" smtClean="0">
+                <a:solidFill>
+                  <a:srgbClr val="E83766"/>
+                </a:solidFill>
+                <a:latin typeface="思源黑体 CN Light" panose="020B0300000000000000" pitchFamily="34" charset="-122"/>
+                <a:ea typeface="思源黑体 CN Light" panose="020B0300000000000000" pitchFamily="34" charset="-122"/>
+              </a:rPr>
+              <a:t>TITLE HERE</a:t>
+            </a:r>
+            <a:endParaRPr lang="zh-CN" altLang="en-US" sz="1600" dirty="0">
+              <a:solidFill>
+                <a:srgbClr val="E83766"/>
+              </a:solidFill>
+              <a:latin typeface="思源黑体 CN Light" panose="020B0300000000000000" pitchFamily="34" charset="-122"/>
+              <a:ea typeface="思源黑体 CN Light" panose="020B0300000000000000" pitchFamily="34" charset="-122"/>
+            </a:endParaRPr>
+          </a:p>
+        </p:txBody>
+      </p:sp>
+      <p:sp>
+        <p:nvSpPr>
+          <p:cNvPr id="148" name="文本框 147"/>
+          <p:cNvSpPr txBox="1"/>
+          <p:nvPr/>
+        </p:nvSpPr>
+        <p:spPr>
+          <a:xfrm>
+            <a:off x="524521" y="5153911"/>
+            <a:ext cx="4449764" cy="400110"/>
+          </a:xfrm>
+          <a:prstGeom prst="rect">
+            <a:avLst/>
+          </a:prstGeom>
+          <a:noFill/>
+        </p:spPr>
+        <p:txBody>
+          <a:bodyPr wrap="square" rtlCol="0">
+            <a:spAutoFit/>
+          </a:bodyPr>
+          <a:lstStyle/>
+          <a:p>
+            <a:r>
+              <a:rPr lang="en-US" altLang="zh-CN" sz="1000" dirty="0" smtClean="0">
+                <a:solidFill>
+                  <a:srgbClr val="EB4F78"/>
+                </a:solidFill>
+                <a:latin typeface="思源黑体 CN Light" panose="020B0300000000000000" pitchFamily="34" charset="-122"/>
+                <a:ea typeface="思源黑体 CN Light" panose="020B0300000000000000" pitchFamily="34" charset="-122"/>
+              </a:rPr>
+              <a:t>Lorem ipsum</a:t>
+            </a:r>
+            <a:r>
+              <a:rPr lang="en-US" altLang="zh-CN" sz="1000" dirty="0" smtClean="0">
+                <a:solidFill>
+                  <a:srgbClr val="BF09BB"/>
+                </a:solidFill>
+                <a:latin typeface="思源黑体 CN Light" panose="020B0300000000000000" pitchFamily="34" charset="-122"/>
+                <a:ea typeface="思源黑体 CN Light" panose="020B0300000000000000" pitchFamily="34" charset="-122"/>
+              </a:rPr>
+              <a:t> </a:t>
+            </a:r>
+            <a:r>
+              <a:rPr lang="en-US" altLang="zh-CN" sz="1000" dirty="0" smtClean="0">
+                <a:solidFill>
+                  <a:schemeClr val="bg1"/>
+                </a:solidFill>
+                <a:latin typeface="思源黑体 CN Light" panose="020B0300000000000000" pitchFamily="34" charset="-122"/>
+                <a:ea typeface="思源黑体 CN Light" panose="020B0300000000000000" pitchFamily="34" charset="-122"/>
+              </a:rPr>
+              <a:t>dolor sit amet, consectetuer adipiscing elit. Maecenas porttitor congue massa</a:t>
+            </a:r>
+            <a:r>
+              <a:rPr lang="en-US" altLang="zh-CN" sz="1000" dirty="0" smtClean="0">
+                <a:solidFill>
+                  <a:schemeClr val="bg1"/>
+                </a:solidFill>
+                <a:latin typeface="思源黑体 CN Light" panose="020B0300000000000000" pitchFamily="34" charset="-122"/>
+                <a:ea typeface="思源黑体 CN Light" panose="020B0300000000000000" pitchFamily="34" charset="-122"/>
+              </a:rPr>
+              <a:t>. </a:t>
+            </a:r>
+          </a:p>
+        </p:txBody>
+      </p:sp>
+      <p:cxnSp>
+        <p:nvCxnSpPr>
+          <p:cNvPr id="150" name="直接连接符 149"/>
+          <p:cNvCxnSpPr/>
+          <p:nvPr/>
+        </p:nvCxnSpPr>
+        <p:spPr>
+          <a:xfrm>
+            <a:off x="118720" y="5117268"/>
+            <a:ext cx="1555775" cy="0"/>
+          </a:xfrm>
+          <a:prstGeom prst="line">
+            <a:avLst/>
+          </a:prstGeom>
+          <a:ln w="6350" cap="rnd">
+            <a:gradFill>
+              <a:gsLst>
+                <a:gs pos="0">
+                  <a:schemeClr val="accent1">
+                    <a:lumMod val="5000"/>
+                    <a:lumOff val="95000"/>
+                    <a:alpha val="0"/>
+                  </a:schemeClr>
+                </a:gs>
+                <a:gs pos="100000">
+                  <a:schemeClr val="bg1"/>
+                </a:gs>
+              </a:gsLst>
+              <a:lin ang="0" scaled="0"/>
+            </a:gradFill>
+            <a:round/>
+          </a:ln>
+        </p:spPr>
+        <p:style>
+          <a:lnRef idx="1">
+            <a:schemeClr val="accent1"/>
+          </a:lnRef>
+          <a:fillRef idx="0">
+            <a:schemeClr val="accent1"/>
+          </a:fillRef>
+          <a:effectRef idx="0">
+            <a:schemeClr val="accent1"/>
+          </a:effectRef>
+          <a:fontRef idx="minor">
+            <a:schemeClr val="tx1"/>
+          </a:fontRef>
+        </p:style>
+      </p:cxnSp>
+      <p:sp>
+        <p:nvSpPr>
+          <p:cNvPr id="160" name="矩形 159"/>
+          <p:cNvSpPr/>
+          <p:nvPr/>
+        </p:nvSpPr>
+        <p:spPr>
+          <a:xfrm>
+            <a:off x="-34724" y="6141193"/>
+            <a:ext cx="12249915" cy="757082"/>
+          </a:xfrm>
+          <a:prstGeom prst="rect">
+            <a:avLst/>
+          </a:prstGeom>
+          <a:solidFill>
+            <a:srgbClr val="09152D"/>
+          </a:solidFill>
+          <a:ln w="6350">
+            <a:solidFill>
+              <a:srgbClr val="55E1DB"/>
+            </a:solidFill>
+          </a:ln>
+        </p:spPr>
+        <p:style>
+          <a:lnRef idx="2">
+            <a:schemeClr val="accent1">
+              <a:shade val="50000"/>
+            </a:schemeClr>
+          </a:lnRef>
+          <a:fillRef idx="1">
+            <a:schemeClr val="accent1"/>
+          </a:fillRef>
+          <a:effectRef idx="0">
+            <a:schemeClr val="accent1"/>
+          </a:effectRef>
+          <a:fontRef idx="minor">
+            <a:schemeClr val="lt1"/>
+          </a:fontRef>
+        </p:style>
+        <p:txBody>
+          <a:bodyPr rtlCol="0" anchor="ctr"/>
+          <a:lstStyle/>
+          <a:p>
+            <a:pPr algn="ctr"/>
+            <a:endParaRPr lang="zh-CN" altLang="en-US"/>
+          </a:p>
+        </p:txBody>
+      </p:sp>
+      <p:sp>
+        <p:nvSpPr>
+          <p:cNvPr id="161" name="文本框 160"/>
+          <p:cNvSpPr txBox="1"/>
+          <p:nvPr/>
+        </p:nvSpPr>
+        <p:spPr>
+          <a:xfrm>
+            <a:off x="729459" y="6288902"/>
+            <a:ext cx="10733082" cy="461665"/>
+          </a:xfrm>
+          <a:prstGeom prst="rect">
+            <a:avLst/>
+          </a:prstGeom>
+          <a:noFill/>
+        </p:spPr>
+        <p:txBody>
+          <a:bodyPr wrap="square" rtlCol="0">
+            <a:spAutoFit/>
+          </a:bodyPr>
+          <a:lstStyle/>
+          <a:p>
+            <a:pPr algn="ctr"/>
+            <a:r>
+              <a:rPr lang="en-US" altLang="zh-CN" sz="1200" dirty="0" smtClean="0">
+                <a:solidFill>
+                  <a:schemeClr val="bg1">
+                    <a:lumMod val="95000"/>
+                  </a:schemeClr>
+                </a:solidFill>
+                <a:latin typeface="思源黑体 CN Light" panose="020B0300000000000000" pitchFamily="34" charset="-122"/>
+                <a:ea typeface="思源黑体 CN Light" panose="020B0300000000000000" pitchFamily="34" charset="-122"/>
+              </a:rPr>
+              <a:t>Lorem ipsum dolor sit amet, consectetuer adipiscing elit. Maecenas porttitor congue massa. Fusce posuere, magna sed pulvinar ultricies, purus lectus malesuada libero, sit amet commodo magna eros quis </a:t>
+            </a:r>
+            <a:r>
+              <a:rPr lang="en-US" altLang="zh-CN" sz="1200" dirty="0" err="1" smtClean="0">
+                <a:solidFill>
+                  <a:schemeClr val="bg1">
+                    <a:lumMod val="95000"/>
+                  </a:schemeClr>
+                </a:solidFill>
+                <a:latin typeface="思源黑体 CN Light" panose="020B0300000000000000" pitchFamily="34" charset="-122"/>
+                <a:ea typeface="思源黑体 CN Light" panose="020B0300000000000000" pitchFamily="34" charset="-122"/>
+              </a:rPr>
+              <a:t>urna</a:t>
+            </a:r>
+            <a:r>
+              <a:rPr lang="en-US" altLang="zh-CN" sz="1200" dirty="0" smtClean="0">
+                <a:solidFill>
+                  <a:schemeClr val="bg1">
+                    <a:lumMod val="95000"/>
+                  </a:schemeClr>
+                </a:solidFill>
+                <a:latin typeface="思源黑体 CN Light" panose="020B0300000000000000" pitchFamily="34" charset="-122"/>
+                <a:ea typeface="思源黑体 CN Light" panose="020B0300000000000000" pitchFamily="34" charset="-122"/>
+              </a:rPr>
+              <a:t>.</a:t>
+            </a:r>
+          </a:p>
+        </p:txBody>
+      </p:sp>
+      <p:grpSp>
+        <p:nvGrpSpPr>
+          <p:cNvPr id="167" name="组合 166"/>
+          <p:cNvGrpSpPr/>
+          <p:nvPr/>
+        </p:nvGrpSpPr>
+        <p:grpSpPr>
+          <a:xfrm>
+            <a:off x="3194613" y="1041371"/>
+            <a:ext cx="3246381" cy="3043238"/>
+            <a:chOff x="3194613" y="1041371"/>
+            <a:chExt cx="3246381" cy="3043238"/>
+          </a:xfrm>
+        </p:grpSpPr>
+        <p:grpSp>
+          <p:nvGrpSpPr>
+            <p:cNvPr id="27" name="组合 26"/>
+            <p:cNvGrpSpPr/>
+            <p:nvPr/>
+          </p:nvGrpSpPr>
+          <p:grpSpPr>
+            <a:xfrm>
+              <a:off x="3453509" y="3453158"/>
+              <a:ext cx="144331" cy="128449"/>
+              <a:chOff x="4016854" y="3461985"/>
+              <a:chExt cx="171318" cy="152466"/>
+            </a:xfrm>
+          </p:grpSpPr>
+          <p:sp>
+            <p:nvSpPr>
+              <p:cNvPr id="29" name="椭圆 28"/>
+              <p:cNvSpPr>
+                <a:spLocks noChangeAspect="1"/>
+              </p:cNvSpPr>
+              <p:nvPr/>
+            </p:nvSpPr>
+            <p:spPr>
+              <a:xfrm flipH="1">
+                <a:off x="4070229" y="3502824"/>
+                <a:ext cx="70788" cy="70788"/>
+              </a:xfrm>
+              <a:prstGeom prst="ellipse">
+                <a:avLst/>
+              </a:prstGeom>
+              <a:solidFill>
+                <a:schemeClr val="bg1"/>
+              </a:solidFill>
+              <a:ln>
+                <a:noFill/>
+              </a:ln>
+            </p:spPr>
+            <p:style>
+              <a:lnRef idx="2">
+                <a:schemeClr val="accent1">
+                  <a:shade val="50000"/>
+                </a:schemeClr>
+              </a:lnRef>
+              <a:fillRef idx="1">
+                <a:schemeClr val="accent1"/>
+              </a:fillRef>
+              <a:effectRef idx="0">
+                <a:schemeClr val="accent1"/>
+              </a:effectRef>
+              <a:fontRef idx="minor">
+                <a:schemeClr val="lt1"/>
+              </a:fontRef>
+            </p:style>
+            <p:txBody>
+              <a:bodyPr rtlCol="0" anchor="ctr"/>
+              <a:lstStyle/>
+              <a:p>
+                <a:pPr algn="ctr"/>
+                <a:endParaRPr lang="zh-CN" altLang="en-US"/>
+              </a:p>
+            </p:txBody>
+          </p:sp>
+          <p:sp>
+            <p:nvSpPr>
+              <p:cNvPr id="30" name="椭圆 29"/>
+              <p:cNvSpPr>
+                <a:spLocks noChangeAspect="1"/>
+              </p:cNvSpPr>
+              <p:nvPr/>
+            </p:nvSpPr>
+            <p:spPr>
+              <a:xfrm flipV="1">
+                <a:off x="4016854" y="3461985"/>
+                <a:ext cx="171318" cy="152466"/>
+              </a:xfrm>
+              <a:prstGeom prst="ellipse">
+                <a:avLst/>
+              </a:prstGeom>
+              <a:noFill/>
+              <a:ln w="6350">
+                <a:solidFill>
+                  <a:schemeClr val="bg1"/>
+                </a:solidFill>
+              </a:ln>
+            </p:spPr>
+            <p:style>
+              <a:lnRef idx="2">
+                <a:schemeClr val="accent1">
+                  <a:shade val="50000"/>
+                </a:schemeClr>
+              </a:lnRef>
+              <a:fillRef idx="1">
+                <a:schemeClr val="accent1"/>
+              </a:fillRef>
+              <a:effectRef idx="0">
+                <a:schemeClr val="accent1"/>
+              </a:effectRef>
+              <a:fontRef idx="minor">
+                <a:schemeClr val="lt1"/>
+              </a:fontRef>
+            </p:style>
+            <p:txBody>
+              <a:bodyPr rtlCol="0" anchor="ctr"/>
+              <a:lstStyle/>
+              <a:p>
+                <a:pPr algn="ctr"/>
+                <a:endParaRPr lang="zh-CN" altLang="en-US"/>
+              </a:p>
+            </p:txBody>
+          </p:sp>
+        </p:grpSp>
+        <p:grpSp>
+          <p:nvGrpSpPr>
+            <p:cNvPr id="166" name="组合 165"/>
+            <p:cNvGrpSpPr/>
+            <p:nvPr/>
+          </p:nvGrpSpPr>
+          <p:grpSpPr>
+            <a:xfrm>
+              <a:off x="3301635" y="1353240"/>
+              <a:ext cx="3139359" cy="2460003"/>
+              <a:chOff x="3301635" y="1353240"/>
+              <a:chExt cx="3139359" cy="2460003"/>
+            </a:xfrm>
+          </p:grpSpPr>
+          <p:sp>
+            <p:nvSpPr>
+              <p:cNvPr id="6" name="弧形 5"/>
+              <p:cNvSpPr/>
+              <p:nvPr/>
+            </p:nvSpPr>
+            <p:spPr>
+              <a:xfrm>
+                <a:off x="3515759" y="1353240"/>
+                <a:ext cx="2433666" cy="2433666"/>
+              </a:xfrm>
+              <a:prstGeom prst="arc">
+                <a:avLst>
+                  <a:gd name="adj1" fmla="val 16163728"/>
+                  <a:gd name="adj2" fmla="val 16160935"/>
+                </a:avLst>
+              </a:prstGeom>
+              <a:solidFill>
+                <a:schemeClr val="tx1">
+                  <a:alpha val="50000"/>
+                </a:schemeClr>
+              </a:solidFill>
+              <a:ln w="22225" cap="rnd">
+                <a:solidFill>
+                  <a:schemeClr val="bg1"/>
+                </a:solidFill>
+                <a:round/>
+              </a:ln>
+            </p:spPr>
+            <p:style>
+              <a:lnRef idx="1">
+                <a:schemeClr val="accent1"/>
+              </a:lnRef>
+              <a:fillRef idx="0">
+                <a:schemeClr val="accent1"/>
+              </a:fillRef>
+              <a:effectRef idx="0">
+                <a:schemeClr val="accent1"/>
+              </a:effectRef>
+              <a:fontRef idx="minor">
+                <a:schemeClr val="tx1"/>
+              </a:fontRef>
+            </p:style>
+            <p:txBody>
+              <a:bodyPr rtlCol="0" anchor="ctr"/>
+              <a:lstStyle/>
+              <a:p>
+                <a:pPr algn="ctr"/>
+                <a:endParaRPr lang="zh-CN" altLang="en-US"/>
+              </a:p>
+            </p:txBody>
+          </p:sp>
+          <p:graphicFrame>
+            <p:nvGraphicFramePr>
+              <p:cNvPr id="165" name="图表 164"/>
+              <p:cNvGraphicFramePr/>
+              <p:nvPr>
+                <p:extLst>
+                  <p:ext uri="{D42A27DB-BD31-4B8C-83A1-F6EECF244321}">
+                    <p14:modId xmlns:p14="http://schemas.microsoft.com/office/powerpoint/2010/main" val="3712869813"/>
+                  </p:ext>
+                </p:extLst>
+              </p:nvPr>
+            </p:nvGraphicFramePr>
+            <p:xfrm>
+              <a:off x="3301635" y="1720336"/>
+              <a:ext cx="3139359" cy="2092907"/>
+            </p:xfrm>
+            <a:graphic>
+              <a:graphicData uri="http://schemas.openxmlformats.org/drawingml/2006/chart">
+                <c:chart xmlns:c="http://schemas.openxmlformats.org/drawingml/2006/chart" xmlns:r="http://schemas.openxmlformats.org/officeDocument/2006/relationships" r:id="rId4"/>
+              </a:graphicData>
+            </a:graphic>
+          </p:graphicFrame>
+        </p:grpSp>
+        <p:sp>
+          <p:nvSpPr>
+            <p:cNvPr id="9" name="弧形 8"/>
+            <p:cNvSpPr>
+              <a:spLocks noChangeAspect="1"/>
+            </p:cNvSpPr>
+            <p:nvPr/>
+          </p:nvSpPr>
+          <p:spPr>
+            <a:xfrm>
+              <a:off x="3710608" y="1548311"/>
+              <a:ext cx="2042774" cy="2042774"/>
+            </a:xfrm>
+            <a:prstGeom prst="arc">
+              <a:avLst>
+                <a:gd name="adj1" fmla="val 7384090"/>
+                <a:gd name="adj2" fmla="val 18257392"/>
+              </a:avLst>
+            </a:prstGeom>
+            <a:ln w="19050">
+              <a:solidFill>
+                <a:srgbClr val="E83766"/>
+              </a:solidFill>
+            </a:ln>
+          </p:spPr>
+          <p:style>
+            <a:lnRef idx="1">
+              <a:schemeClr val="accent1"/>
+            </a:lnRef>
+            <a:fillRef idx="0">
+              <a:schemeClr val="accent1"/>
+            </a:fillRef>
+            <a:effectRef idx="0">
+              <a:schemeClr val="accent1"/>
+            </a:effectRef>
+            <a:fontRef idx="minor">
+              <a:schemeClr val="tx1"/>
+            </a:fontRef>
+          </p:style>
+          <p:txBody>
+            <a:bodyPr rtlCol="0" anchor="ctr"/>
+            <a:lstStyle/>
+            <a:p>
+              <a:pPr algn="ctr"/>
+              <a:endParaRPr lang="zh-CN" altLang="en-US"/>
+            </a:p>
+          </p:txBody>
+        </p:sp>
+        <p:sp>
+          <p:nvSpPr>
+            <p:cNvPr id="10" name="弧形 9"/>
+            <p:cNvSpPr>
+              <a:spLocks noChangeAspect="1"/>
+            </p:cNvSpPr>
+            <p:nvPr/>
+          </p:nvSpPr>
+          <p:spPr>
+            <a:xfrm>
+              <a:off x="3717523" y="1552634"/>
+              <a:ext cx="2042774" cy="2042774"/>
+            </a:xfrm>
+            <a:prstGeom prst="arc">
+              <a:avLst>
+                <a:gd name="adj1" fmla="val 18543935"/>
+                <a:gd name="adj2" fmla="val 7243196"/>
+              </a:avLst>
+            </a:prstGeom>
+            <a:ln>
+              <a:solidFill>
+                <a:srgbClr val="55E1DB"/>
+              </a:solidFill>
+              <a:prstDash val="dash"/>
+            </a:ln>
+          </p:spPr>
+          <p:style>
+            <a:lnRef idx="1">
+              <a:schemeClr val="accent1"/>
+            </a:lnRef>
+            <a:fillRef idx="0">
+              <a:schemeClr val="accent1"/>
+            </a:fillRef>
+            <a:effectRef idx="0">
+              <a:schemeClr val="accent1"/>
+            </a:effectRef>
+            <a:fontRef idx="minor">
+              <a:schemeClr val="tx1"/>
+            </a:fontRef>
+          </p:style>
+          <p:txBody>
+            <a:bodyPr rtlCol="0" anchor="ctr"/>
+            <a:lstStyle/>
+            <a:p>
+              <a:pPr algn="ctr"/>
+              <a:endParaRPr lang="zh-CN" altLang="en-US"/>
+            </a:p>
+          </p:txBody>
+        </p:sp>
+        <p:sp>
+          <p:nvSpPr>
+            <p:cNvPr id="11" name="空心弧 10"/>
+            <p:cNvSpPr>
+              <a:spLocks noChangeAspect="1"/>
+            </p:cNvSpPr>
+            <p:nvPr/>
+          </p:nvSpPr>
+          <p:spPr>
+            <a:xfrm>
+              <a:off x="3306770" y="1148207"/>
+              <a:ext cx="2825200" cy="2825200"/>
+            </a:xfrm>
+            <a:prstGeom prst="blockArc">
+              <a:avLst>
+                <a:gd name="adj1" fmla="val 16309933"/>
+                <a:gd name="adj2" fmla="val 6890912"/>
+                <a:gd name="adj3" fmla="val 3099"/>
+              </a:avLst>
+            </a:prstGeom>
+            <a:noFill/>
+            <a:ln w="6350">
+              <a:solidFill>
+                <a:srgbClr val="55E1DB"/>
+              </a:solidFill>
+            </a:ln>
+            <a:effectLst/>
+          </p:spPr>
+          <p:style>
+            <a:lnRef idx="2">
+              <a:schemeClr val="accent1">
+                <a:shade val="50000"/>
+              </a:schemeClr>
+            </a:lnRef>
+            <a:fillRef idx="1">
+              <a:schemeClr val="accent1"/>
+            </a:fillRef>
+            <a:effectRef idx="0">
+              <a:schemeClr val="accent1"/>
+            </a:effectRef>
+            <a:fontRef idx="minor">
+              <a:schemeClr val="lt1"/>
+            </a:fontRef>
+          </p:style>
+          <p:txBody>
+            <a:bodyPr rtlCol="0" anchor="ctr"/>
+            <a:lstStyle/>
+            <a:p>
+              <a:pPr algn="ctr"/>
+              <a:r>
+                <a:rPr lang="en-US" altLang="zh-CN" dirty="0" smtClean="0">
+                  <a:solidFill>
+                    <a:schemeClr val="tx1"/>
+                  </a:solidFill>
+                </a:rPr>
+                <a:t>`</a:t>
+              </a:r>
+              <a:endParaRPr lang="zh-CN" altLang="en-US" dirty="0">
+                <a:solidFill>
+                  <a:schemeClr val="tx1"/>
+                </a:solidFill>
+              </a:endParaRPr>
+            </a:p>
+          </p:txBody>
+        </p:sp>
+        <p:sp>
+          <p:nvSpPr>
+            <p:cNvPr id="26" name="弧形 25"/>
+            <p:cNvSpPr>
+              <a:spLocks noChangeAspect="1"/>
+            </p:cNvSpPr>
+            <p:nvPr/>
+          </p:nvSpPr>
+          <p:spPr>
+            <a:xfrm>
+              <a:off x="3194613" y="1041371"/>
+              <a:ext cx="3043238" cy="3043238"/>
+            </a:xfrm>
+            <a:prstGeom prst="arc">
+              <a:avLst>
+                <a:gd name="adj1" fmla="val 4816513"/>
+                <a:gd name="adj2" fmla="val 9714913"/>
+              </a:avLst>
+            </a:prstGeom>
+            <a:noFill/>
+            <a:ln w="6350" cap="rnd">
+              <a:solidFill>
+                <a:schemeClr val="bg1"/>
+              </a:solidFill>
+              <a:round/>
+            </a:ln>
+          </p:spPr>
+          <p:style>
+            <a:lnRef idx="1">
+              <a:schemeClr val="accent1"/>
+            </a:lnRef>
+            <a:fillRef idx="0">
+              <a:schemeClr val="accent1"/>
+            </a:fillRef>
+            <a:effectRef idx="0">
+              <a:schemeClr val="accent1"/>
+            </a:effectRef>
+            <a:fontRef idx="minor">
+              <a:schemeClr val="tx1"/>
+            </a:fontRef>
+          </p:style>
+          <p:txBody>
+            <a:bodyPr rtlCol="0" anchor="ctr"/>
+            <a:lstStyle/>
+            <a:p>
+              <a:pPr algn="ctr"/>
+              <a:endParaRPr lang="zh-CN" altLang="en-US"/>
+            </a:p>
+          </p:txBody>
+        </p:sp>
+        <p:cxnSp>
+          <p:nvCxnSpPr>
+            <p:cNvPr id="28" name="直接箭头连接符 27"/>
+            <p:cNvCxnSpPr/>
+            <p:nvPr/>
+          </p:nvCxnSpPr>
+          <p:spPr>
+            <a:xfrm flipH="1">
+              <a:off x="3235992" y="3317673"/>
+              <a:ext cx="539308" cy="425771"/>
+            </a:xfrm>
+            <a:prstGeom prst="straightConnector1">
+              <a:avLst/>
+            </a:prstGeom>
+            <a:ln>
+              <a:solidFill>
+                <a:schemeClr val="bg1"/>
+              </a:solidFill>
+              <a:headEnd w="sm" len="sm"/>
+              <a:tailEnd type="triangle" w="sm" len="sm"/>
+            </a:ln>
+          </p:spPr>
+          <p:style>
+            <a:lnRef idx="1">
+              <a:schemeClr val="accent1"/>
+            </a:lnRef>
+            <a:fillRef idx="0">
+              <a:schemeClr val="accent1"/>
+            </a:fillRef>
+            <a:effectRef idx="0">
+              <a:schemeClr val="accent1"/>
+            </a:effectRef>
+            <a:fontRef idx="minor">
+              <a:schemeClr val="tx1"/>
+            </a:fontRef>
+          </p:style>
+        </p:cxnSp>
+        <p:sp>
+          <p:nvSpPr>
+            <p:cNvPr id="36" name="弧形 35"/>
+            <p:cNvSpPr/>
+            <p:nvPr/>
+          </p:nvSpPr>
+          <p:spPr>
+            <a:xfrm>
+              <a:off x="4072802" y="1909212"/>
+              <a:ext cx="1325293" cy="1325293"/>
+            </a:xfrm>
+            <a:prstGeom prst="arc">
+              <a:avLst>
+                <a:gd name="adj1" fmla="val 3289722"/>
+                <a:gd name="adj2" fmla="val 18326412"/>
+              </a:avLst>
+            </a:prstGeom>
+            <a:noFill/>
+            <a:ln w="38100" cap="rnd">
+              <a:solidFill>
+                <a:schemeClr val="bg1"/>
+              </a:solidFill>
+              <a:round/>
+            </a:ln>
+          </p:spPr>
+          <p:style>
+            <a:lnRef idx="1">
+              <a:schemeClr val="accent1"/>
+            </a:lnRef>
+            <a:fillRef idx="0">
+              <a:schemeClr val="accent1"/>
+            </a:fillRef>
+            <a:effectRef idx="0">
+              <a:schemeClr val="accent1"/>
+            </a:effectRef>
+            <a:fontRef idx="minor">
+              <a:schemeClr val="tx1"/>
+            </a:fontRef>
+          </p:style>
+          <p:txBody>
+            <a:bodyPr rtlCol="0" anchor="ctr"/>
+            <a:lstStyle/>
+            <a:p>
+              <a:pPr algn="ctr"/>
+              <a:r>
+                <a:rPr lang="en-US" altLang="zh-CN" dirty="0" smtClean="0"/>
+                <a:t> </a:t>
+              </a:r>
+              <a:endParaRPr lang="zh-CN" altLang="en-US" dirty="0"/>
+            </a:p>
+          </p:txBody>
+        </p:sp>
+        <p:sp>
+          <p:nvSpPr>
+            <p:cNvPr id="39" name="弧形 38"/>
+            <p:cNvSpPr>
+              <a:spLocks noChangeAspect="1"/>
+            </p:cNvSpPr>
+            <p:nvPr/>
+          </p:nvSpPr>
+          <p:spPr>
+            <a:xfrm>
+              <a:off x="3341873" y="1183244"/>
+              <a:ext cx="2762505" cy="2762266"/>
+            </a:xfrm>
+            <a:prstGeom prst="arc">
+              <a:avLst>
+                <a:gd name="adj1" fmla="val 11576965"/>
+                <a:gd name="adj2" fmla="val 15651986"/>
+              </a:avLst>
+            </a:prstGeom>
+            <a:noFill/>
+            <a:ln w="41275" cap="rnd">
+              <a:solidFill>
+                <a:schemeClr val="accent4"/>
+              </a:solidFill>
+              <a:prstDash val="sysDot"/>
+              <a:round/>
+            </a:ln>
+          </p:spPr>
+          <p:style>
+            <a:lnRef idx="1">
+              <a:schemeClr val="accent1"/>
+            </a:lnRef>
+            <a:fillRef idx="0">
+              <a:schemeClr val="accent1"/>
+            </a:fillRef>
+            <a:effectRef idx="0">
+              <a:schemeClr val="accent1"/>
+            </a:effectRef>
+            <a:fontRef idx="minor">
+              <a:schemeClr val="tx1"/>
+            </a:fontRef>
+          </p:style>
+          <p:txBody>
+            <a:bodyPr rtlCol="0" anchor="ctr"/>
+            <a:lstStyle/>
+            <a:p>
+              <a:pPr algn="ctr"/>
+              <a:endParaRPr lang="zh-CN" altLang="en-US"/>
+            </a:p>
+          </p:txBody>
+        </p:sp>
+      </p:grpSp>
+    </p:spTree>
+    <p:extLst>
+      <p:ext uri="{BB962C8B-B14F-4D97-AF65-F5344CB8AC3E}">
+        <p14:creationId xmlns:p14="http://schemas.microsoft.com/office/powerpoint/2010/main" val="3476329922"/>
+      </p:ext>
+    </p:extLst>
+  </p:cSld>
+  <p:clrMapOvr>
+    <a:masterClrMapping/>
+  </p:clrMapOvr>
+  <p:timing>
+    <p:tnLst>
+      <p:par>
+        <p:cTn id="1" dur="indefinite" restart="never" nodeType="tmRoot"/>
+      </p:par>
+    </p:tnLst>
   </p:timing>
 </p:sld>
 </file>
@@ -24574,4 +31516,265 @@
     </a:ext>
   </a:extLst>
 </a:theme>
+</file>
+
+<file path=ppt/theme/theme2.xml><?xml version="1.0" encoding="utf-8"?>
+<a:theme xmlns:a="http://schemas.openxmlformats.org/drawingml/2006/main" name="Office 主题​​">
+  <a:themeElements>
+    <a:clrScheme name="Office">
+      <a:dk1>
+        <a:sysClr val="windowText" lastClr="000000"/>
+      </a:dk1>
+      <a:lt1>
+        <a:sysClr val="window" lastClr="FFFFFF"/>
+      </a:lt1>
+      <a:dk2>
+        <a:srgbClr val="44546A"/>
+      </a:dk2>
+      <a:lt2>
+        <a:srgbClr val="E7E6E6"/>
+      </a:lt2>
+      <a:accent1>
+        <a:srgbClr val="5B9BD5"/>
+      </a:accent1>
+      <a:accent2>
+        <a:srgbClr val="ED7D31"/>
+      </a:accent2>
+      <a:accent3>
+        <a:srgbClr val="A5A5A5"/>
+      </a:accent3>
+      <a:accent4>
+        <a:srgbClr val="FFC000"/>
+      </a:accent4>
+      <a:accent5>
+        <a:srgbClr val="4472C4"/>
+      </a:accent5>
+      <a:accent6>
+        <a:srgbClr val="70AD47"/>
+      </a:accent6>
+      <a:hlink>
+        <a:srgbClr val="0563C1"/>
+      </a:hlink>
+      <a:folHlink>
+        <a:srgbClr val="954F72"/>
+      </a:folHlink>
+    </a:clrScheme>
+    <a:fontScheme name="Office">
+      <a:majorFont>
+        <a:latin typeface="等线 Light" panose="020F0302020204030204"/>
+        <a:ea typeface=""/>
+        <a:cs typeface=""/>
+        <a:font script="Jpan" typeface="游ゴシック Light"/>
+        <a:font script="Hang" typeface="맑은 고딕"/>
+        <a:font script="Hans" typeface="等线 Light"/>
+        <a:font script="Hant" typeface="新細明體"/>
+        <a:font script="Arab" typeface="Times New Roman"/>
+        <a:font script="Hebr" typeface="Times New Roman"/>
+        <a:font script="Thai" typeface="Angsana New"/>
+        <a:font script="Ethi" typeface="Nyala"/>
+        <a:font script="Beng" typeface="Vrinda"/>
+        <a:font script="Gujr" typeface="Shruti"/>
+        <a:font script="Khmr" typeface="MoolBoran"/>
+        <a:font script="Knda" typeface="Tunga"/>
+        <a:font script="Guru" typeface="Raavi"/>
+        <a:font script="Cans" typeface="Euphemia"/>
+        <a:font script="Cher" typeface="Plantagenet Cherokee"/>
+        <a:font script="Yiii" typeface="Microsoft Yi Baiti"/>
+        <a:font script="Tibt" typeface="Microsoft Himalaya"/>
+        <a:font script="Thaa" typeface="MV Boli"/>
+        <a:font script="Deva" typeface="Mangal"/>
+        <a:font script="Telu" typeface="Gautami"/>
+        <a:font script="Taml" typeface="Latha"/>
+        <a:font script="Syrc" typeface="Estrangelo Edessa"/>
+        <a:font script="Orya" typeface="Kalinga"/>
+        <a:font script="Mlym" typeface="Kartika"/>
+        <a:font script="Laoo" typeface="DokChampa"/>
+        <a:font script="Sinh" typeface="Iskoola Pota"/>
+        <a:font script="Mong" typeface="Mongolian Baiti"/>
+        <a:font script="Viet" typeface="Times New Roman"/>
+        <a:font script="Uigh" typeface="Microsoft Uighur"/>
+        <a:font script="Geor" typeface="Sylfaen"/>
+      </a:majorFont>
+      <a:minorFont>
+        <a:latin typeface="等线" panose="020F0502020204030204"/>
+        <a:ea typeface=""/>
+        <a:cs typeface=""/>
+        <a:font script="Jpan" typeface="游ゴシック"/>
+        <a:font script="Hang" typeface="맑은 고딕"/>
+        <a:font script="Hans" typeface="等线"/>
+        <a:font script="Hant" typeface="新細明體"/>
+        <a:font script="Arab" typeface="Arial"/>
+        <a:font script="Hebr" typeface="Arial"/>
+        <a:font script="Thai" typeface="Cordia New"/>
+        <a:font script="Ethi" typeface="Nyala"/>
+        <a:font script="Beng" typeface="Vrinda"/>
+        <a:font script="Gujr" typeface="Shruti"/>
+        <a:font script="Khmr" typeface="DaunPenh"/>
+        <a:font script="Knda" typeface="Tunga"/>
+        <a:font script="Guru" typeface="Raavi"/>
+        <a:font script="Cans" typeface="Euphemia"/>
+        <a:font script="Cher" typeface="Plantagenet Cherokee"/>
+        <a:font script="Yiii" typeface="Microsoft Yi Baiti"/>
+        <a:font script="Tibt" typeface="Microsoft Himalaya"/>
+        <a:font script="Thaa" typeface="MV Boli"/>
+        <a:font script="Deva" typeface="Mangal"/>
+        <a:font script="Telu" typeface="Gautami"/>
+        <a:font script="Taml" typeface="Latha"/>
+        <a:font script="Syrc" typeface="Estrangelo Edessa"/>
+        <a:font script="Orya" typeface="Kalinga"/>
+        <a:font script="Mlym" typeface="Kartika"/>
+        <a:font script="Laoo" typeface="DokChampa"/>
+        <a:font script="Sinh" typeface="Iskoola Pota"/>
+        <a:font script="Mong" typeface="Mongolian Baiti"/>
+        <a:font script="Viet" typeface="Arial"/>
+        <a:font script="Uigh" typeface="Microsoft Uighur"/>
+        <a:font script="Geor" typeface="Sylfaen"/>
+      </a:minorFont>
+    </a:fontScheme>
+    <a:fmtScheme name="Office">
+      <a:fillStyleLst>
+        <a:solidFill>
+          <a:schemeClr val="phClr"/>
+        </a:solidFill>
+        <a:gradFill rotWithShape="1">
+          <a:gsLst>
+            <a:gs pos="0">
+              <a:schemeClr val="phClr">
+                <a:lumMod val="110000"/>
+                <a:satMod val="105000"/>
+                <a:tint val="67000"/>
+              </a:schemeClr>
+            </a:gs>
+            <a:gs pos="50000">
+              <a:schemeClr val="phClr">
+                <a:lumMod val="105000"/>
+                <a:satMod val="103000"/>
+                <a:tint val="73000"/>
+              </a:schemeClr>
+            </a:gs>
+            <a:gs pos="100000">
+              <a:schemeClr val="phClr">
+                <a:lumMod val="105000"/>
+                <a:satMod val="109000"/>
+                <a:tint val="81000"/>
+              </a:schemeClr>
+            </a:gs>
+          </a:gsLst>
+          <a:lin ang="5400000" scaled="0"/>
+        </a:gradFill>
+        <a:gradFill rotWithShape="1">
+          <a:gsLst>
+            <a:gs pos="0">
+              <a:schemeClr val="phClr">
+                <a:satMod val="103000"/>
+                <a:lumMod val="102000"/>
+                <a:tint val="94000"/>
+              </a:schemeClr>
+            </a:gs>
+            <a:gs pos="50000">
+              <a:schemeClr val="phClr">
+                <a:satMod val="110000"/>
+                <a:lumMod val="100000"/>
+                <a:shade val="100000"/>
+              </a:schemeClr>
+            </a:gs>
+            <a:gs pos="100000">
+              <a:schemeClr val="phClr">
+                <a:lumMod val="99000"/>
+                <a:satMod val="120000"/>
+                <a:shade val="78000"/>
+              </a:schemeClr>
+            </a:gs>
+          </a:gsLst>
+          <a:lin ang="5400000" scaled="0"/>
+        </a:gradFill>
+      </a:fillStyleLst>
+      <a:lnStyleLst>
+        <a:ln w="6350" cap="flat" cmpd="sng" algn="ctr">
+          <a:solidFill>
+            <a:schemeClr val="phClr"/>
+          </a:solidFill>
+          <a:prstDash val="solid"/>
+          <a:miter lim="800000"/>
+        </a:ln>
+        <a:ln w="12700" cap="flat" cmpd="sng" algn="ctr">
+          <a:solidFill>
+            <a:schemeClr val="phClr"/>
+          </a:solidFill>
+          <a:prstDash val="solid"/>
+          <a:miter lim="800000"/>
+        </a:ln>
+        <a:ln w="19050" cap="flat" cmpd="sng" algn="ctr">
+          <a:solidFill>
+            <a:schemeClr val="phClr"/>
+          </a:solidFill>
+          <a:prstDash val="solid"/>
+          <a:miter lim="800000"/>
+        </a:ln>
+      </a:lnStyleLst>
+      <a:effectStyleLst>
+        <a:effectStyle>
+          <a:effectLst/>
+        </a:effectStyle>
+        <a:effectStyle>
+          <a:effectLst/>
+        </a:effectStyle>
+        <a:effectStyle>
+          <a:effectLst>
+            <a:outerShdw blurRad="57150" dist="19050" dir="5400000" algn="ctr" rotWithShape="0">
+              <a:srgbClr val="000000">
+                <a:alpha val="63000"/>
+              </a:srgbClr>
+            </a:outerShdw>
+          </a:effectLst>
+        </a:effectStyle>
+      </a:effectStyleLst>
+      <a:bgFillStyleLst>
+        <a:solidFill>
+          <a:schemeClr val="phClr"/>
+        </a:solidFill>
+        <a:solidFill>
+          <a:schemeClr val="phClr">
+            <a:tint val="95000"/>
+            <a:satMod val="170000"/>
+          </a:schemeClr>
+        </a:solidFill>
+        <a:gradFill rotWithShape="1">
+          <a:gsLst>
+            <a:gs pos="0">
+              <a:schemeClr val="phClr">
+                <a:tint val="93000"/>
+                <a:satMod val="150000"/>
+                <a:shade val="98000"/>
+                <a:lumMod val="102000"/>
+              </a:schemeClr>
+            </a:gs>
+            <a:gs pos="50000">
+              <a:schemeClr val="phClr">
+                <a:tint val="98000"/>
+                <a:satMod val="130000"/>
+                <a:shade val="90000"/>
+                <a:lumMod val="103000"/>
+              </a:schemeClr>
+            </a:gs>
+            <a:gs pos="100000">
+              <a:schemeClr val="phClr">
+                <a:shade val="63000"/>
+                <a:satMod val="120000"/>
+              </a:schemeClr>
+            </a:gs>
+          </a:gsLst>
+          <a:lin ang="5400000" scaled="0"/>
+        </a:gradFill>
+      </a:bgFillStyleLst>
+    </a:fmtScheme>
+  </a:themeElements>
+  <a:objectDefaults/>
+  <a:extraClrSchemeLst/>
+  <a:extLst>
+    <a:ext uri="{05A4C25C-085E-4340-85A3-A5531E510DB2}">
+      <thm15:themeFamily xmlns:thm15="http://schemas.microsoft.com/office/thememl/2012/main" name="Office Theme" id="{62F939B6-93AF-4DB8-9C6B-D6C7DFDC589F}" vid="{4A3C46E8-61CC-4603-A589-7422A47A8E4A}"/>
+    </a:ext>
+  </a:extLst>
+</a:theme>
 </file>